--- a/_site/slides/week02/lecture.pptx
+++ b/_site/slides/week02/lecture.pptx
@@ -25,6 +25,23 @@
     <p:sldId id="273" r:id="rId19"/>
     <p:sldId id="274" r:id="rId20"/>
     <p:sldId id="275" r:id="rId21"/>
+    <p:sldId id="276" r:id="rId22"/>
+    <p:sldId id="277" r:id="rId23"/>
+    <p:sldId id="278" r:id="rId24"/>
+    <p:sldId id="279" r:id="rId25"/>
+    <p:sldId id="280" r:id="rId26"/>
+    <p:sldId id="281" r:id="rId27"/>
+    <p:sldId id="282" r:id="rId28"/>
+    <p:sldId id="283" r:id="rId29"/>
+    <p:sldId id="284" r:id="rId30"/>
+    <p:sldId id="285" r:id="rId31"/>
+    <p:sldId id="286" r:id="rId32"/>
+    <p:sldId id="287" r:id="rId33"/>
+    <p:sldId id="288" r:id="rId34"/>
+    <p:sldId id="289" r:id="rId35"/>
+    <p:sldId id="290" r:id="rId36"/>
+    <p:sldId id="291" r:id="rId37"/>
+    <p:sldId id="292" r:id="rId38"/>
   </p:sldIdLst>
   <p:sldSz cx="12192000" cy="6858000"/>
   <p:notesSz cx="6858000" cy="9144000"/>
@@ -5007,551 +5024,135 @@
       </p:grpSpPr>
       <p:sp>
         <p:nvSpPr>
-          <p:cNvPr id="4" name="Text Placeholder 3">
-            <a:extLst>
-              <a:ext uri="{FF2B5EF4-FFF2-40B4-BE49-F238E27FC236}">
-                <a16:creationId xmlns:a16="http://schemas.microsoft.com/office/drawing/2014/main" id="{898BA411-2A54-A94A-B3FC-826281DBEADF}"/>
-              </a:ext>
-            </a:extLst>
-          </p:cNvPr>
-          <p:cNvSpPr>
-            <a:spLocks noGrp="1"/>
-          </p:cNvSpPr>
-          <p:nvPr>
-            <p:ph idx="2" sz="half" type="body"/>
-          </p:nvPr>
-        </p:nvSpPr>
-        <p:spPr/>
-        <p:txBody>
-          <a:bodyPr/>
-          <a:lstStyle/>
-          <a:p>
-            <a:pPr lvl="0" indent="0" marL="0">
-              <a:spcBef>
-                <a:spcPts val="3000"/>
-              </a:spcBef>
-              <a:buNone/>
-            </a:pPr>
-            <a:r>
-              <a:rPr b="1"/>
-              <a:t>These are valuable skills</a:t>
-            </a:r>
-          </a:p>
-          <a:p>
-            <a:pPr lvl="0" indent="0" marL="0">
-              <a:buNone/>
-            </a:pPr>
-            <a:r>
-              <a:rPr/>
-              <a:t>I’m going to try to ‘connect the dots’ for you along the way</a:t>
-            </a:r>
-          </a:p>
-          <a:p>
-            <a:pPr lvl="0"/>
-            <a:r>
-              <a:rPr/>
-              <a:t>Cognitive (e.g., creativity and information management).</a:t>
-            </a:r>
-          </a:p>
-          <a:p>
-            <a:pPr lvl="0"/>
-            <a:r>
-              <a:rPr/>
-              <a:t>Communication (e.g., active listening and public speaking).</a:t>
-            </a:r>
-          </a:p>
-          <a:p>
-            <a:pPr lvl="0"/>
-            <a:r>
-              <a:rPr/>
-              <a:t>Personal (e.g., conscientiousness and integrity).</a:t>
-            </a:r>
-          </a:p>
-          <a:p>
-            <a:pPr lvl="0"/>
-            <a:r>
-              <a:rPr/>
-              <a:t>Social (e.g., collaboration and leadership abilities).</a:t>
-            </a:r>
-          </a:p>
-          <a:p>
-            <a:pPr lvl="0"/>
-            <a:r>
-              <a:rPr/>
-              <a:t>Technological (e.g., flexibility and familiarity with hardware and software).</a:t>
-            </a:r>
-          </a:p>
-          <a:p>
-            <a:pPr lvl="0"/>
-            <a:r>
-              <a:rPr/>
-              <a:t>No actual mention of the ‘content’ - </a:t>
-            </a:r>
-            <a:r>
-              <a:rPr b="1"/>
-              <a:t>Psychology</a:t>
-            </a:r>
-            <a:r>
-              <a:rPr/>
-              <a:t> or </a:t>
-            </a:r>
-            <a:r>
-              <a:rPr b="1"/>
-              <a:t>Research</a:t>
-            </a:r>
-          </a:p>
-          <a:p>
-            <a:pPr lvl="0" indent="0" marL="0">
-              <a:spcBef>
-                <a:spcPts val="3000"/>
-              </a:spcBef>
-              <a:buNone/>
-            </a:pPr>
-            <a:r>
-              <a:rPr b="1"/>
-              <a:t>You aren’t spectators any more, you’re Scientists!</a:t>
-            </a:r>
-          </a:p>
-          <a:p>
-            <a:pPr lvl="0" indent="0" marL="0">
-              <a:buNone/>
-            </a:pPr>
-            <a:r>
-              <a:rPr/>
-              <a:t>In small groups of 3 or 4 people, you will:</a:t>
-            </a:r>
-          </a:p>
-          <a:p>
-            <a:pPr lvl="0"/>
-            <a:r>
-              <a:rPr/>
-              <a:t>Identify an area of psychological research</a:t>
-            </a:r>
-          </a:p>
-          <a:p>
-            <a:pPr lvl="0"/>
-            <a:r>
-              <a:rPr/>
-              <a:t>Review and critique the literature in this area (Critical Proposal)</a:t>
-            </a:r>
-          </a:p>
-          <a:p>
-            <a:pPr lvl="0"/>
-            <a:r>
-              <a:rPr/>
-              <a:t>Develop a testable hypothesis</a:t>
-            </a:r>
-          </a:p>
-          <a:p>
-            <a:pPr lvl="0"/>
-            <a:r>
-              <a:rPr/>
-              <a:t>Design a 2x2 ANOVA experiment unique to you (within your group study)</a:t>
-            </a:r>
-          </a:p>
-          <a:p>
-            <a:pPr lvl="0"/>
-            <a:r>
-              <a:rPr/>
-              <a:t>Obtain Ethical Approval for your experiment</a:t>
-            </a:r>
-          </a:p>
-          <a:p>
-            <a:pPr lvl="0"/>
-            <a:r>
-              <a:rPr/>
-              <a:t>Collect REAL data</a:t>
-            </a:r>
-          </a:p>
-          <a:p>
-            <a:pPr lvl="0"/>
-            <a:r>
-              <a:rPr/>
-              <a:t>Analyse these data</a:t>
-            </a:r>
-          </a:p>
-          <a:p>
-            <a:pPr lvl="0"/>
-            <a:r>
-              <a:rPr/>
-              <a:t>Write up the results in APA format with Open Data and Materials (Mini-Diss)</a:t>
-            </a:r>
-          </a:p>
-          <a:p>
-            <a:pPr lvl="0"/>
-            <a:r>
-              <a:rPr/>
-              <a:t>Reflect on your learning and development journey (CHIP Learning Log)</a:t>
-            </a:r>
-          </a:p>
-          <a:p>
-            <a:pPr lvl="0" indent="0" marL="0">
-              <a:spcBef>
-                <a:spcPts val="3000"/>
-              </a:spcBef>
-              <a:buNone/>
-            </a:pPr>
-            <a:r>
-              <a:rPr b="1"/>
-              <a:t>Consider it a ‘warm up’ for your Y3 Dissertation</a:t>
-            </a:r>
-          </a:p>
-          <a:p>
-            <a:pPr lvl="0"/>
-            <a:r>
-              <a:rPr/>
-              <a:t>The same 20-week timeline</a:t>
-            </a:r>
-          </a:p>
-          <a:p>
-            <a:pPr lvl="0"/>
-            <a:r>
-              <a:rPr/>
-              <a:t>The same skills and techniques you will need</a:t>
-            </a:r>
-          </a:p>
-          <a:p>
-            <a:pPr lvl="0"/>
-            <a:r>
-              <a:rPr/>
-              <a:t>Careful step-by-step guidance and support in the lab setting</a:t>
-            </a:r>
-          </a:p>
-          <a:p>
-            <a:pPr lvl="0"/>
-            <a:r>
-              <a:rPr/>
-              <a:t>Scaled-down experiments and write-ups - but all the same moving parts</a:t>
-            </a:r>
-          </a:p>
-          <a:p>
-            <a:pPr lvl="0"/>
-            <a:r>
-              <a:rPr/>
-              <a:t>The security of working in a group</a:t>
-            </a:r>
-          </a:p>
-          <a:p>
-            <a:pPr lvl="0"/>
-            <a:r>
-              <a:rPr/>
-              <a:t>Tips and advice from world-class researchers</a:t>
-            </a:r>
-          </a:p>
-          <a:p>
-            <a:pPr lvl="0"/>
-            <a:r>
-              <a:rPr/>
-              <a:t>Opportunities to think carefully about your final year Dissertation, and how to crush it!!</a:t>
-            </a:r>
-          </a:p>
-          <a:p>
-            <a:pPr lvl="0" indent="0" marL="0">
-              <a:spcBef>
-                <a:spcPts val="3000"/>
-              </a:spcBef>
-              <a:buNone/>
-            </a:pPr>
-            <a:r>
-              <a:rPr b="1"/>
-              <a:t>Support and guidance</a:t>
-            </a:r>
-          </a:p>
-          <a:p>
-            <a:pPr lvl="0"/>
-            <a:r>
-              <a:rPr/>
-              <a:t>Gordon (Module Coordinator and Enthusiast in Chief)</a:t>
-            </a:r>
-          </a:p>
-          <a:p>
-            <a:pPr lvl="0"/>
-            <a:r>
-              <a:rPr/>
-              <a:t>6 gobsmackingly amazing Lab Tutors</a:t>
-            </a:r>
-          </a:p>
-          <a:p>
-            <a:pPr lvl="0"/>
-            <a:r>
-              <a:rPr/>
-              <a:t>Your Mini-Dissertation group (3 or 4)</a:t>
-            </a:r>
-          </a:p>
-          <a:p>
-            <a:pPr lvl="0"/>
-            <a:r>
-              <a:rPr/>
-              <a:t>Your Personal Tutor</a:t>
-            </a:r>
-          </a:p>
-          <a:p>
-            <a:pPr lvl="0"/>
-            <a:r>
-              <a:rPr/>
-              <a:t>Your PT group</a:t>
-            </a:r>
-          </a:p>
-          <a:p>
-            <a:pPr lvl="0"/>
-            <a:r>
-              <a:rPr/>
-              <a:t>The entire Goldsmiths Research Community!</a:t>
-            </a:r>
-          </a:p>
-          <a:p>
-            <a:pPr lvl="0" indent="0" marL="0">
-              <a:buNone/>
-            </a:pPr>
-            <a:r>
-              <a:rPr/>
-              <a:t>This is a team-sport</a:t>
-            </a:r>
-          </a:p>
-          <a:p>
-            <a:pPr lvl="0" indent="0" marL="0">
-              <a:spcBef>
-                <a:spcPts val="3000"/>
-              </a:spcBef>
-              <a:buNone/>
-            </a:pPr>
-            <a:r>
-              <a:rPr b="1"/>
-              <a:t>Access to me</a:t>
-            </a:r>
-          </a:p>
-          <a:p>
-            <a:pPr lvl="0" indent="0" marL="0">
-              <a:buNone/>
-            </a:pPr>
-            <a:r>
-              <a:rPr/>
-              <a:t>I will be in every Research Methods lecture and I have a Student Hour from 1-2 (TBC) every Monday.</a:t>
-            </a:r>
-          </a:p>
-          <a:p>
-            <a:pPr lvl="0" indent="0" marL="0">
-              <a:buNone/>
-            </a:pPr>
-            <a:r>
-              <a:rPr b="1"/>
-              <a:t>Available at g.wright@gold.ac.uk and my office is WB200/1</a:t>
-            </a:r>
-          </a:p>
-          <a:p>
-            <a:pPr lvl="0" indent="0" marL="0">
-              <a:buNone/>
-            </a:pPr>
-            <a:r>
-              <a:rPr/>
-              <a:t>I genuinely could not imagine anything I would rather do that this. So please talk to me and help me get to know you!</a:t>
-            </a:r>
-          </a:p>
-          <a:p>
-            <a:pPr lvl="0" indent="0" marL="0">
-              <a:buNone/>
-            </a:pPr>
-            <a:r>
-              <a:rPr/>
-              <a:t>Questions relating to Module Content must be asked via the Forum. There will be no exceptions.</a:t>
-            </a:r>
-          </a:p>
-          <a:p>
-            <a:pPr lvl="0" indent="0" marL="0">
-              <a:spcBef>
-                <a:spcPts val="3000"/>
-              </a:spcBef>
-              <a:buNone/>
-            </a:pPr>
-            <a:r>
-              <a:rPr b="1"/>
-              <a:t>A friendly warning</a:t>
-            </a:r>
-          </a:p>
-          <a:p>
-            <a:pPr lvl="0" indent="0" marL="1270000">
-              <a:buNone/>
-            </a:pPr>
-            <a:r>
-              <a:rPr sz="2000" b="1"/>
-              <a:t>Warning</a:t>
-            </a:r>
-          </a:p>
-          <a:p>
-            <a:pPr lvl="0" indent="0" marL="1270000">
-              <a:buNone/>
-            </a:pPr>
-            <a:r>
-              <a:rPr sz="2000"/>
-              <a:t>All coursework is INDIVIDUAL and subject to normal plagiarism and collusion rules.</a:t>
-            </a:r>
-          </a:p>
-          <a:p>
-            <a:pPr lvl="0" indent="0" marL="1270000">
-              <a:buNone/>
-            </a:pPr>
-            <a:r>
-              <a:rPr sz="2000"/>
-              <a:t>Just don’t risk it. Be mindful of how you read, take notes and share coursework.</a:t>
-            </a:r>
-          </a:p>
-          <a:p>
-            <a:pPr lvl="0" indent="0" marL="1270000">
-              <a:buNone/>
-            </a:pPr>
-            <a:r>
-              <a:rPr sz="2000"/>
-              <a:t>See previous information about the use of AI. It can be a wonderful tool, but do NOT use it for the wholesale production of written content. It must be a support, not a shortcut. You’ll regret it.</a:t>
-            </a:r>
-          </a:p>
-          <a:p>
-            <a:pPr lvl="0" indent="0" marL="0">
-              <a:spcBef>
-                <a:spcPts val="3000"/>
-              </a:spcBef>
-              <a:buNone/>
-            </a:pPr>
-            <a:r>
-              <a:rPr b="1"/>
-              <a:t>Module structure</a:t>
-            </a:r>
-          </a:p>
-          <a:p>
-            <a:pPr lvl="0" indent="0" marL="0">
-              <a:buNone/>
-            </a:pPr>
-            <a:r>
-              <a:rPr/>
-              <a:t>1 x 1 hr Lecture per week (Monday 11-12 PSH LG02 (winter term))</a:t>
-            </a:r>
-          </a:p>
-          <a:p>
-            <a:pPr lvl="0" indent="0" marL="0">
-              <a:buNone/>
-            </a:pPr>
-            <a:r>
-              <a:rPr/>
-              <a:t>1 x 2 hr Lab per week (Tuesday - see personal timetable)</a:t>
-            </a:r>
-          </a:p>
-          <a:p>
-            <a:pPr lvl="0" indent="0" marL="0">
-              <a:buNone/>
-            </a:pPr>
-            <a:r>
-              <a:rPr/>
-              <a:t>4 x Personal Tutor meetings across the year</a:t>
-            </a:r>
-          </a:p>
-          <a:p>
-            <a:pPr lvl="0" indent="0" marL="0">
-              <a:spcBef>
-                <a:spcPts val="3000"/>
-              </a:spcBef>
-              <a:buNone/>
-            </a:pPr>
-            <a:r>
-              <a:rPr b="1"/>
-              <a:t>Weekly Structure</a:t>
-            </a:r>
-          </a:p>
-          <a:p>
-            <a:pPr lvl="0" indent="0" marL="0">
-              <a:buNone/>
-            </a:pPr>
-            <a:r>
-              <a:rPr/>
-              <a:t>Each week there will be a very brief ‘</a:t>
-            </a:r>
-            <a:r>
-              <a:rPr b="1"/>
-              <a:t>Overview to set out the main topics and to give you a set of milestones or preparatory activities</a:t>
-            </a:r>
-            <a:r>
-              <a:rPr/>
-              <a:t>’ designed to keep you on track.</a:t>
-            </a:r>
-          </a:p>
-          <a:p>
-            <a:pPr lvl="0" indent="0" marL="0">
-              <a:buNone/>
-            </a:pPr>
-            <a:r>
-              <a:rPr b="1"/>
-              <a:t>Lecture</a:t>
-            </a:r>
-            <a:r>
-              <a:rPr/>
-              <a:t> (slides available as a Reveal Slideshow via Quarto and as pdf, docx, and if you wish for anything else, please just ask.)</a:t>
-            </a:r>
-          </a:p>
-          <a:p>
-            <a:pPr lvl="0" indent="0" marL="0">
-              <a:buNone/>
-            </a:pPr>
-            <a:r>
-              <a:rPr b="1"/>
-              <a:t>Lab</a:t>
-            </a:r>
-          </a:p>
-        </p:txBody>
-      </p:sp>
-      <p:pic>
-        <p:nvPicPr>
-          <p:cNvPr descr="images/LabSession.drawio.png" id="0" name="Picture 1"/>
-          <p:cNvPicPr>
-            <a:picLocks noGrp="1" noChangeAspect="1"/>
-          </p:cNvPicPr>
-          <p:nvPr/>
-        </p:nvPicPr>
-        <p:blipFill>
-          <a:blip r:embed="rId2"/>
-          <a:stretch>
-            <a:fillRect/>
-          </a:stretch>
-        </p:blipFill>
-        <p:spPr bwMode="auto">
-          <a:xfrm>
-            <a:off x="5181600" y="1549400"/>
-            <a:ext cx="6172200" cy="3213100"/>
+          <p:cNvPr id="2" name="Title 1">
+            <a:extLst>
+              <a:ext uri="{FF2B5EF4-FFF2-40B4-BE49-F238E27FC236}">
+                <a16:creationId xmlns:a16="http://schemas.microsoft.com/office/drawing/2014/main" id="{DD9B8E45-0772-954C-8D4B-6E6808DFEDED}"/>
+              </a:ext>
+            </a:extLst>
+          </p:cNvPr>
+          <p:cNvSpPr>
+            <a:spLocks noGrp="1"/>
+          </p:cNvSpPr>
+          <p:nvPr>
+            <p:ph type="title"/>
+          </p:nvPr>
+        </p:nvSpPr>
+        <p:spPr>
+          <a:xfrm>
+            <a:off x="838200" y="365129"/>
+            <a:ext cx="10002520" cy="1325563"/>
           </a:xfrm>
           <a:prstGeom prst="rect">
             <a:avLst/>
           </a:prstGeom>
-          <a:noFill/>
-          <a:ln w="9525">
-            <a:noFill/>
-            <a:headEnd/>
-            <a:tailEnd/>
-          </a:ln>
-        </p:spPr>
-      </p:pic>
-      <p:sp>
-        <p:nvSpPr>
-          <p:cNvPr id="1" name="TextBox 3"/>
-          <p:cNvSpPr txBox="1"/>
-          <p:nvPr/>
-        </p:nvSpPr>
-        <p:spPr>
-          <a:xfrm>
-            <a:off x="5181600" y="5334000"/>
-            <a:ext cx="6172200" cy="508000"/>
-          </a:xfrm>
-          <a:prstGeom prst="rect">
-            <a:avLst/>
-          </a:prstGeom>
-          <a:noFill/>
         </p:spPr>
         <p:txBody>
           <a:bodyPr/>
           <a:lstStyle/>
           <a:p>
-            <a:pPr lvl="0" indent="0" marL="0" algn="ctr">
+            <a:pPr lvl="0" indent="0" marL="0">
               <a:buNone/>
             </a:pPr>
             <a:r>
               <a:rPr/>
-              <a:t>Lab structure</a:t>
+              <a:t>CHIP topic approval process</a:t>
+            </a:r>
+          </a:p>
+        </p:txBody>
+      </p:sp>
+      <p:sp>
+        <p:nvSpPr>
+          <p:cNvPr id="3" name="Content Placeholder 2">
+            <a:extLst>
+              <a:ext uri="{FF2B5EF4-FFF2-40B4-BE49-F238E27FC236}">
+                <a16:creationId xmlns:a16="http://schemas.microsoft.com/office/drawing/2014/main" id="{A4EB24F9-04F1-C843-9D71-56C5C024552B}"/>
+              </a:ext>
+            </a:extLst>
+          </p:cNvPr>
+          <p:cNvSpPr>
+            <a:spLocks noGrp="1"/>
+          </p:cNvSpPr>
+          <p:nvPr>
+            <p:ph idx="1"/>
+          </p:nvPr>
+        </p:nvSpPr>
+        <p:spPr/>
+        <p:txBody>
+          <a:bodyPr/>
+          <a:lstStyle/>
+          <a:p>
+            <a:pPr lvl="0" indent="0" marL="0">
+              <a:buNone/>
+            </a:pPr>
+            <a:r>
+              <a:rPr/>
+              <a:t>Lectures identified with </a:t>
+            </a:r>
+            <a:r>
+              <a:rPr>
+                <a:latin typeface="Courier"/>
+              </a:rPr>
+              <a:t>CHIP</a:t>
+            </a:r>
+            <a:r>
+              <a:rPr/>
+              <a:t> in the title e.g. weeks 16-20 [They change yearly!]</a:t>
+            </a:r>
+          </a:p>
+          <a:p>
+            <a:pPr lvl="0" indent="0" marL="0">
+              <a:buNone/>
+            </a:pPr>
+            <a:r>
+              <a:rPr/>
+              <a:t>I am open to other topics, but they must fit the following brief, and be agreed in the Forum.</a:t>
+            </a:r>
+          </a:p>
+          <a:p>
+            <a:pPr lvl="0"/>
+            <a:r>
+              <a:rPr/>
+              <a:t>A concept or debate within Psychology</a:t>
+            </a:r>
+          </a:p>
+          <a:p>
+            <a:pPr lvl="0"/>
+            <a:r>
+              <a:rPr/>
+              <a:t>A historical issue or controversy</a:t>
+            </a:r>
+          </a:p>
+          <a:p>
+            <a:pPr lvl="0"/>
+            <a:r>
+              <a:rPr/>
+              <a:t>A methodology or approach and its promises or limitations</a:t>
+            </a:r>
+          </a:p>
+          <a:p>
+            <a:pPr lvl="0"/>
+            <a:r>
+              <a:rPr/>
+              <a:t>A distinctive or divisive topic</a:t>
+            </a:r>
+          </a:p>
+          <a:p>
+            <a:pPr lvl="0"/>
+            <a:r>
+              <a:rPr/>
+              <a:t>A modern innovation or applied challenge</a:t>
+            </a:r>
+          </a:p>
+          <a:p>
+            <a:pPr lvl="0" indent="0" marL="0">
+              <a:buNone/>
+            </a:pPr>
+            <a:r>
+              <a:rPr>
+                <a:hlinkClick r:id="rId2"/>
+              </a:rPr>
+              <a:t>https://www2.open.ac.uk/openlearn/CHIPs/</a:t>
             </a:r>
           </a:p>
         </p:txBody>
@@ -5592,7 +5193,7 @@
                                           </p:stCondLst>
                                         </p:cTn>
                                         <p:tgtEl>
-                                          <p:spTgt spid="4">
+                                          <p:spTgt spid="3">
                                             <p:txEl>
                                               <p:pRg st="2" end="2"/>
                                             </p:txEl>
@@ -5641,7 +5242,7 @@
                                           </p:stCondLst>
                                         </p:cTn>
                                         <p:tgtEl>
-                                          <p:spTgt spid="4">
+                                          <p:spTgt spid="3">
                                             <p:txEl>
                                               <p:pRg st="3" end="3"/>
                                             </p:txEl>
@@ -5690,7 +5291,7 @@
                                           </p:stCondLst>
                                         </p:cTn>
                                         <p:tgtEl>
-                                          <p:spTgt spid="4">
+                                          <p:spTgt spid="3">
                                             <p:txEl>
                                               <p:pRg st="4" end="4"/>
                                             </p:txEl>
@@ -5739,7 +5340,7 @@
                                           </p:stCondLst>
                                         </p:cTn>
                                         <p:tgtEl>
-                                          <p:spTgt spid="4">
+                                          <p:spTgt spid="3">
                                             <p:txEl>
                                               <p:pRg st="5" end="5"/>
                                             </p:txEl>
@@ -5788,2362 +5389,9 @@
                                           </p:stCondLst>
                                         </p:cTn>
                                         <p:tgtEl>
-                                          <p:spTgt spid="4">
+                                          <p:spTgt spid="3">
                                             <p:txEl>
                                               <p:pRg st="6" end="6"/>
-                                            </p:txEl>
-                                          </p:spTgt>
-                                        </p:tgtEl>
-                                        <p:attrNameLst>
-                                          <p:attrName>style.visibility</p:attrName>
-                                        </p:attrNameLst>
-                                      </p:cBhvr>
-                                      <p:to>
-                                        <p:strVal val="visible"/>
-                                      </p:to>
-                                    </p:set>
-                                  </p:childTnLst>
-                                </p:cTn>
-                              </p:par>
-                            </p:childTnLst>
-                          </p:cTn>
-                        </p:par>
-                      </p:childTnLst>
-                    </p:cTn>
-                  </p:par>
-                  <p:par>
-                    <p:cTn id="23" fill="hold">
-                      <p:stCondLst>
-                        <p:cond delay="indefinite"/>
-                      </p:stCondLst>
-                      <p:childTnLst>
-                        <p:par>
-                          <p:cTn id="24" fill="hold">
-                            <p:stCondLst>
-                              <p:cond delay="0"/>
-                            </p:stCondLst>
-                            <p:childTnLst>
-                              <p:par>
-                                <p:cTn id="25" presetID="1" presetClass="entr" presetSubtype="0" fill="hold" grpId="0" nodeType="clickEffect">
-                                  <p:stCondLst>
-                                    <p:cond delay="0"/>
-                                  </p:stCondLst>
-                                  <p:childTnLst>
-                                    <p:set>
-                                      <p:cBhvr>
-                                        <p:cTn id="26" dur="1" fill="hold">
-                                          <p:stCondLst>
-                                            <p:cond delay="0"/>
-                                          </p:stCondLst>
-                                        </p:cTn>
-                                        <p:tgtEl>
-                                          <p:spTgt spid="4">
-                                            <p:txEl>
-                                              <p:pRg st="7" end="7"/>
-                                            </p:txEl>
-                                          </p:spTgt>
-                                        </p:tgtEl>
-                                        <p:attrNameLst>
-                                          <p:attrName>style.visibility</p:attrName>
-                                        </p:attrNameLst>
-                                      </p:cBhvr>
-                                      <p:to>
-                                        <p:strVal val="visible"/>
-                                      </p:to>
-                                    </p:set>
-                                  </p:childTnLst>
-                                </p:cTn>
-                              </p:par>
-                            </p:childTnLst>
-                          </p:cTn>
-                        </p:par>
-                      </p:childTnLst>
-                    </p:cTn>
-                  </p:par>
-                  <p:par>
-                    <p:cTn id="27" fill="hold">
-                      <p:stCondLst>
-                        <p:cond delay="indefinite"/>
-                      </p:stCondLst>
-                      <p:childTnLst>
-                        <p:par>
-                          <p:cTn id="28" fill="hold">
-                            <p:stCondLst>
-                              <p:cond delay="0"/>
-                            </p:stCondLst>
-                            <p:childTnLst>
-                              <p:par>
-                                <p:cTn id="29" presetID="1" presetClass="entr" presetSubtype="0" fill="hold" grpId="0" nodeType="clickEffect">
-                                  <p:stCondLst>
-                                    <p:cond delay="0"/>
-                                  </p:stCondLst>
-                                  <p:childTnLst>
-                                    <p:set>
-                                      <p:cBhvr>
-                                        <p:cTn id="30" dur="1" fill="hold">
-                                          <p:stCondLst>
-                                            <p:cond delay="0"/>
-                                          </p:stCondLst>
-                                        </p:cTn>
-                                        <p:tgtEl>
-                                          <p:spTgt spid="4">
-                                            <p:txEl>
-                                              <p:pRg st="10" end="10"/>
-                                            </p:txEl>
-                                          </p:spTgt>
-                                        </p:tgtEl>
-                                        <p:attrNameLst>
-                                          <p:attrName>style.visibility</p:attrName>
-                                        </p:attrNameLst>
-                                      </p:cBhvr>
-                                      <p:to>
-                                        <p:strVal val="visible"/>
-                                      </p:to>
-                                    </p:set>
-                                  </p:childTnLst>
-                                </p:cTn>
-                              </p:par>
-                            </p:childTnLst>
-                          </p:cTn>
-                        </p:par>
-                      </p:childTnLst>
-                    </p:cTn>
-                  </p:par>
-                  <p:par>
-                    <p:cTn id="31" fill="hold">
-                      <p:stCondLst>
-                        <p:cond delay="indefinite"/>
-                      </p:stCondLst>
-                      <p:childTnLst>
-                        <p:par>
-                          <p:cTn id="32" fill="hold">
-                            <p:stCondLst>
-                              <p:cond delay="0"/>
-                            </p:stCondLst>
-                            <p:childTnLst>
-                              <p:par>
-                                <p:cTn id="33" presetID="1" presetClass="entr" presetSubtype="0" fill="hold" grpId="0" nodeType="clickEffect">
-                                  <p:stCondLst>
-                                    <p:cond delay="0"/>
-                                  </p:stCondLst>
-                                  <p:childTnLst>
-                                    <p:set>
-                                      <p:cBhvr>
-                                        <p:cTn id="34" dur="1" fill="hold">
-                                          <p:stCondLst>
-                                            <p:cond delay="0"/>
-                                          </p:stCondLst>
-                                        </p:cTn>
-                                        <p:tgtEl>
-                                          <p:spTgt spid="4">
-                                            <p:txEl>
-                                              <p:pRg st="11" end="11"/>
-                                            </p:txEl>
-                                          </p:spTgt>
-                                        </p:tgtEl>
-                                        <p:attrNameLst>
-                                          <p:attrName>style.visibility</p:attrName>
-                                        </p:attrNameLst>
-                                      </p:cBhvr>
-                                      <p:to>
-                                        <p:strVal val="visible"/>
-                                      </p:to>
-                                    </p:set>
-                                  </p:childTnLst>
-                                </p:cTn>
-                              </p:par>
-                            </p:childTnLst>
-                          </p:cTn>
-                        </p:par>
-                      </p:childTnLst>
-                    </p:cTn>
-                  </p:par>
-                  <p:par>
-                    <p:cTn id="35" fill="hold">
-                      <p:stCondLst>
-                        <p:cond delay="indefinite"/>
-                      </p:stCondLst>
-                      <p:childTnLst>
-                        <p:par>
-                          <p:cTn id="36" fill="hold">
-                            <p:stCondLst>
-                              <p:cond delay="0"/>
-                            </p:stCondLst>
-                            <p:childTnLst>
-                              <p:par>
-                                <p:cTn id="37" presetID="1" presetClass="entr" presetSubtype="0" fill="hold" grpId="0" nodeType="clickEffect">
-                                  <p:stCondLst>
-                                    <p:cond delay="0"/>
-                                  </p:stCondLst>
-                                  <p:childTnLst>
-                                    <p:set>
-                                      <p:cBhvr>
-                                        <p:cTn id="38" dur="1" fill="hold">
-                                          <p:stCondLst>
-                                            <p:cond delay="0"/>
-                                          </p:stCondLst>
-                                        </p:cTn>
-                                        <p:tgtEl>
-                                          <p:spTgt spid="4">
-                                            <p:txEl>
-                                              <p:pRg st="12" end="12"/>
-                                            </p:txEl>
-                                          </p:spTgt>
-                                        </p:tgtEl>
-                                        <p:attrNameLst>
-                                          <p:attrName>style.visibility</p:attrName>
-                                        </p:attrNameLst>
-                                      </p:cBhvr>
-                                      <p:to>
-                                        <p:strVal val="visible"/>
-                                      </p:to>
-                                    </p:set>
-                                  </p:childTnLst>
-                                </p:cTn>
-                              </p:par>
-                            </p:childTnLst>
-                          </p:cTn>
-                        </p:par>
-                      </p:childTnLst>
-                    </p:cTn>
-                  </p:par>
-                  <p:par>
-                    <p:cTn id="39" fill="hold">
-                      <p:stCondLst>
-                        <p:cond delay="indefinite"/>
-                      </p:stCondLst>
-                      <p:childTnLst>
-                        <p:par>
-                          <p:cTn id="40" fill="hold">
-                            <p:stCondLst>
-                              <p:cond delay="0"/>
-                            </p:stCondLst>
-                            <p:childTnLst>
-                              <p:par>
-                                <p:cTn id="41" presetID="1" presetClass="entr" presetSubtype="0" fill="hold" grpId="0" nodeType="clickEffect">
-                                  <p:stCondLst>
-                                    <p:cond delay="0"/>
-                                  </p:stCondLst>
-                                  <p:childTnLst>
-                                    <p:set>
-                                      <p:cBhvr>
-                                        <p:cTn id="42" dur="1" fill="hold">
-                                          <p:stCondLst>
-                                            <p:cond delay="0"/>
-                                          </p:stCondLst>
-                                        </p:cTn>
-                                        <p:tgtEl>
-                                          <p:spTgt spid="4">
-                                            <p:txEl>
-                                              <p:pRg st="13" end="13"/>
-                                            </p:txEl>
-                                          </p:spTgt>
-                                        </p:tgtEl>
-                                        <p:attrNameLst>
-                                          <p:attrName>style.visibility</p:attrName>
-                                        </p:attrNameLst>
-                                      </p:cBhvr>
-                                      <p:to>
-                                        <p:strVal val="visible"/>
-                                      </p:to>
-                                    </p:set>
-                                  </p:childTnLst>
-                                </p:cTn>
-                              </p:par>
-                            </p:childTnLst>
-                          </p:cTn>
-                        </p:par>
-                      </p:childTnLst>
-                    </p:cTn>
-                  </p:par>
-                  <p:par>
-                    <p:cTn id="43" fill="hold">
-                      <p:stCondLst>
-                        <p:cond delay="indefinite"/>
-                      </p:stCondLst>
-                      <p:childTnLst>
-                        <p:par>
-                          <p:cTn id="44" fill="hold">
-                            <p:stCondLst>
-                              <p:cond delay="0"/>
-                            </p:stCondLst>
-                            <p:childTnLst>
-                              <p:par>
-                                <p:cTn id="45" presetID="1" presetClass="entr" presetSubtype="0" fill="hold" grpId="0" nodeType="clickEffect">
-                                  <p:stCondLst>
-                                    <p:cond delay="0"/>
-                                  </p:stCondLst>
-                                  <p:childTnLst>
-                                    <p:set>
-                                      <p:cBhvr>
-                                        <p:cTn id="46" dur="1" fill="hold">
-                                          <p:stCondLst>
-                                            <p:cond delay="0"/>
-                                          </p:stCondLst>
-                                        </p:cTn>
-                                        <p:tgtEl>
-                                          <p:spTgt spid="4">
-                                            <p:txEl>
-                                              <p:pRg st="14" end="14"/>
-                                            </p:txEl>
-                                          </p:spTgt>
-                                        </p:tgtEl>
-                                        <p:attrNameLst>
-                                          <p:attrName>style.visibility</p:attrName>
-                                        </p:attrNameLst>
-                                      </p:cBhvr>
-                                      <p:to>
-                                        <p:strVal val="visible"/>
-                                      </p:to>
-                                    </p:set>
-                                  </p:childTnLst>
-                                </p:cTn>
-                              </p:par>
-                            </p:childTnLst>
-                          </p:cTn>
-                        </p:par>
-                      </p:childTnLst>
-                    </p:cTn>
-                  </p:par>
-                  <p:par>
-                    <p:cTn id="47" fill="hold">
-                      <p:stCondLst>
-                        <p:cond delay="indefinite"/>
-                      </p:stCondLst>
-                      <p:childTnLst>
-                        <p:par>
-                          <p:cTn id="48" fill="hold">
-                            <p:stCondLst>
-                              <p:cond delay="0"/>
-                            </p:stCondLst>
-                            <p:childTnLst>
-                              <p:par>
-                                <p:cTn id="49" presetID="1" presetClass="entr" presetSubtype="0" fill="hold" grpId="0" nodeType="clickEffect">
-                                  <p:stCondLst>
-                                    <p:cond delay="0"/>
-                                  </p:stCondLst>
-                                  <p:childTnLst>
-                                    <p:set>
-                                      <p:cBhvr>
-                                        <p:cTn id="50" dur="1" fill="hold">
-                                          <p:stCondLst>
-                                            <p:cond delay="0"/>
-                                          </p:stCondLst>
-                                        </p:cTn>
-                                        <p:tgtEl>
-                                          <p:spTgt spid="4">
-                                            <p:txEl>
-                                              <p:pRg st="15" end="15"/>
-                                            </p:txEl>
-                                          </p:spTgt>
-                                        </p:tgtEl>
-                                        <p:attrNameLst>
-                                          <p:attrName>style.visibility</p:attrName>
-                                        </p:attrNameLst>
-                                      </p:cBhvr>
-                                      <p:to>
-                                        <p:strVal val="visible"/>
-                                      </p:to>
-                                    </p:set>
-                                  </p:childTnLst>
-                                </p:cTn>
-                              </p:par>
-                            </p:childTnLst>
-                          </p:cTn>
-                        </p:par>
-                      </p:childTnLst>
-                    </p:cTn>
-                  </p:par>
-                  <p:par>
-                    <p:cTn id="51" fill="hold">
-                      <p:stCondLst>
-                        <p:cond delay="indefinite"/>
-                      </p:stCondLst>
-                      <p:childTnLst>
-                        <p:par>
-                          <p:cTn id="52" fill="hold">
-                            <p:stCondLst>
-                              <p:cond delay="0"/>
-                            </p:stCondLst>
-                            <p:childTnLst>
-                              <p:par>
-                                <p:cTn id="53" presetID="1" presetClass="entr" presetSubtype="0" fill="hold" grpId="0" nodeType="clickEffect">
-                                  <p:stCondLst>
-                                    <p:cond delay="0"/>
-                                  </p:stCondLst>
-                                  <p:childTnLst>
-                                    <p:set>
-                                      <p:cBhvr>
-                                        <p:cTn id="54" dur="1" fill="hold">
-                                          <p:stCondLst>
-                                            <p:cond delay="0"/>
-                                          </p:stCondLst>
-                                        </p:cTn>
-                                        <p:tgtEl>
-                                          <p:spTgt spid="4">
-                                            <p:txEl>
-                                              <p:pRg st="16" end="16"/>
-                                            </p:txEl>
-                                          </p:spTgt>
-                                        </p:tgtEl>
-                                        <p:attrNameLst>
-                                          <p:attrName>style.visibility</p:attrName>
-                                        </p:attrNameLst>
-                                      </p:cBhvr>
-                                      <p:to>
-                                        <p:strVal val="visible"/>
-                                      </p:to>
-                                    </p:set>
-                                  </p:childTnLst>
-                                </p:cTn>
-                              </p:par>
-                            </p:childTnLst>
-                          </p:cTn>
-                        </p:par>
-                      </p:childTnLst>
-                    </p:cTn>
-                  </p:par>
-                  <p:par>
-                    <p:cTn id="55" fill="hold">
-                      <p:stCondLst>
-                        <p:cond delay="indefinite"/>
-                      </p:stCondLst>
-                      <p:childTnLst>
-                        <p:par>
-                          <p:cTn id="56" fill="hold">
-                            <p:stCondLst>
-                              <p:cond delay="0"/>
-                            </p:stCondLst>
-                            <p:childTnLst>
-                              <p:par>
-                                <p:cTn id="57" presetID="1" presetClass="entr" presetSubtype="0" fill="hold" grpId="0" nodeType="clickEffect">
-                                  <p:stCondLst>
-                                    <p:cond delay="0"/>
-                                  </p:stCondLst>
-                                  <p:childTnLst>
-                                    <p:set>
-                                      <p:cBhvr>
-                                        <p:cTn id="58" dur="1" fill="hold">
-                                          <p:stCondLst>
-                                            <p:cond delay="0"/>
-                                          </p:stCondLst>
-                                        </p:cTn>
-                                        <p:tgtEl>
-                                          <p:spTgt spid="4">
-                                            <p:txEl>
-                                              <p:pRg st="17" end="17"/>
-                                            </p:txEl>
-                                          </p:spTgt>
-                                        </p:tgtEl>
-                                        <p:attrNameLst>
-                                          <p:attrName>style.visibility</p:attrName>
-                                        </p:attrNameLst>
-                                      </p:cBhvr>
-                                      <p:to>
-                                        <p:strVal val="visible"/>
-                                      </p:to>
-                                    </p:set>
-                                  </p:childTnLst>
-                                </p:cTn>
-                              </p:par>
-                            </p:childTnLst>
-                          </p:cTn>
-                        </p:par>
-                      </p:childTnLst>
-                    </p:cTn>
-                  </p:par>
-                  <p:par>
-                    <p:cTn id="59" fill="hold">
-                      <p:stCondLst>
-                        <p:cond delay="indefinite"/>
-                      </p:stCondLst>
-                      <p:childTnLst>
-                        <p:par>
-                          <p:cTn id="60" fill="hold">
-                            <p:stCondLst>
-                              <p:cond delay="0"/>
-                            </p:stCondLst>
-                            <p:childTnLst>
-                              <p:par>
-                                <p:cTn id="61" presetID="1" presetClass="entr" presetSubtype="0" fill="hold" grpId="0" nodeType="clickEffect">
-                                  <p:stCondLst>
-                                    <p:cond delay="0"/>
-                                  </p:stCondLst>
-                                  <p:childTnLst>
-                                    <p:set>
-                                      <p:cBhvr>
-                                        <p:cTn id="62" dur="1" fill="hold">
-                                          <p:stCondLst>
-                                            <p:cond delay="0"/>
-                                          </p:stCondLst>
-                                        </p:cTn>
-                                        <p:tgtEl>
-                                          <p:spTgt spid="4">
-                                            <p:txEl>
-                                              <p:pRg st="18" end="18"/>
-                                            </p:txEl>
-                                          </p:spTgt>
-                                        </p:tgtEl>
-                                        <p:attrNameLst>
-                                          <p:attrName>style.visibility</p:attrName>
-                                        </p:attrNameLst>
-                                      </p:cBhvr>
-                                      <p:to>
-                                        <p:strVal val="visible"/>
-                                      </p:to>
-                                    </p:set>
-                                  </p:childTnLst>
-                                </p:cTn>
-                              </p:par>
-                            </p:childTnLst>
-                          </p:cTn>
-                        </p:par>
-                      </p:childTnLst>
-                    </p:cTn>
-                  </p:par>
-                  <p:par>
-                    <p:cTn id="63" fill="hold">
-                      <p:stCondLst>
-                        <p:cond delay="indefinite"/>
-                      </p:stCondLst>
-                      <p:childTnLst>
-                        <p:par>
-                          <p:cTn id="64" fill="hold">
-                            <p:stCondLst>
-                              <p:cond delay="0"/>
-                            </p:stCondLst>
-                            <p:childTnLst>
-                              <p:par>
-                                <p:cTn id="65" presetID="1" presetClass="entr" presetSubtype="0" fill="hold" grpId="0" nodeType="clickEffect">
-                                  <p:stCondLst>
-                                    <p:cond delay="0"/>
-                                  </p:stCondLst>
-                                  <p:childTnLst>
-                                    <p:set>
-                                      <p:cBhvr>
-                                        <p:cTn id="66" dur="1" fill="hold">
-                                          <p:stCondLst>
-                                            <p:cond delay="0"/>
-                                          </p:stCondLst>
-                                        </p:cTn>
-                                        <p:tgtEl>
-                                          <p:spTgt spid="4">
-                                            <p:txEl>
-                                              <p:pRg st="28" end="28"/>
-                                            </p:txEl>
-                                          </p:spTgt>
-                                        </p:tgtEl>
-                                        <p:attrNameLst>
-                                          <p:attrName>style.visibility</p:attrName>
-                                        </p:attrNameLst>
-                                      </p:cBhvr>
-                                      <p:to>
-                                        <p:strVal val="visible"/>
-                                      </p:to>
-                                    </p:set>
-                                  </p:childTnLst>
-                                </p:cTn>
-                              </p:par>
-                            </p:childTnLst>
-                          </p:cTn>
-                        </p:par>
-                      </p:childTnLst>
-                    </p:cTn>
-                  </p:par>
-                  <p:par>
-                    <p:cTn id="67" fill="hold">
-                      <p:stCondLst>
-                        <p:cond delay="indefinite"/>
-                      </p:stCondLst>
-                      <p:childTnLst>
-                        <p:par>
-                          <p:cTn id="68" fill="hold">
-                            <p:stCondLst>
-                              <p:cond delay="0"/>
-                            </p:stCondLst>
-                            <p:childTnLst>
-                              <p:par>
-                                <p:cTn id="69" presetID="1" presetClass="entr" presetSubtype="0" fill="hold" grpId="0" nodeType="clickEffect">
-                                  <p:stCondLst>
-                                    <p:cond delay="0"/>
-                                  </p:stCondLst>
-                                  <p:childTnLst>
-                                    <p:set>
-                                      <p:cBhvr>
-                                        <p:cTn id="70" dur="1" fill="hold">
-                                          <p:stCondLst>
-                                            <p:cond delay="0"/>
-                                          </p:stCondLst>
-                                        </p:cTn>
-                                        <p:tgtEl>
-                                          <p:spTgt spid="4">
-                                            <p:txEl>
-                                              <p:pRg st="29" end="29"/>
-                                            </p:txEl>
-                                          </p:spTgt>
-                                        </p:tgtEl>
-                                        <p:attrNameLst>
-                                          <p:attrName>style.visibility</p:attrName>
-                                        </p:attrNameLst>
-                                      </p:cBhvr>
-                                      <p:to>
-                                        <p:strVal val="visible"/>
-                                      </p:to>
-                                    </p:set>
-                                  </p:childTnLst>
-                                </p:cTn>
-                              </p:par>
-                            </p:childTnLst>
-                          </p:cTn>
-                        </p:par>
-                      </p:childTnLst>
-                    </p:cTn>
-                  </p:par>
-                  <p:par>
-                    <p:cTn id="71" fill="hold">
-                      <p:stCondLst>
-                        <p:cond delay="indefinite"/>
-                      </p:stCondLst>
-                      <p:childTnLst>
-                        <p:par>
-                          <p:cTn id="72" fill="hold">
-                            <p:stCondLst>
-                              <p:cond delay="0"/>
-                            </p:stCondLst>
-                            <p:childTnLst>
-                              <p:par>
-                                <p:cTn id="73" presetID="1" presetClass="entr" presetSubtype="0" fill="hold" grpId="0" nodeType="clickEffect">
-                                  <p:stCondLst>
-                                    <p:cond delay="0"/>
-                                  </p:stCondLst>
-                                  <p:childTnLst>
-                                    <p:set>
-                                      <p:cBhvr>
-                                        <p:cTn id="74" dur="1" fill="hold">
-                                          <p:stCondLst>
-                                            <p:cond delay="0"/>
-                                          </p:stCondLst>
-                                        </p:cTn>
-                                        <p:tgtEl>
-                                          <p:spTgt spid="4">
-                                            <p:txEl>
-                                              <p:pRg st="30" end="30"/>
-                                            </p:txEl>
-                                          </p:spTgt>
-                                        </p:tgtEl>
-                                        <p:attrNameLst>
-                                          <p:attrName>style.visibility</p:attrName>
-                                        </p:attrNameLst>
-                                      </p:cBhvr>
-                                      <p:to>
-                                        <p:strVal val="visible"/>
-                                      </p:to>
-                                    </p:set>
-                                  </p:childTnLst>
-                                </p:cTn>
-                              </p:par>
-                            </p:childTnLst>
-                          </p:cTn>
-                        </p:par>
-                      </p:childTnLst>
-                    </p:cTn>
-                  </p:par>
-                  <p:par>
-                    <p:cTn id="75" fill="hold">
-                      <p:stCondLst>
-                        <p:cond delay="indefinite"/>
-                      </p:stCondLst>
-                      <p:childTnLst>
-                        <p:par>
-                          <p:cTn id="76" fill="hold">
-                            <p:stCondLst>
-                              <p:cond delay="0"/>
-                            </p:stCondLst>
-                            <p:childTnLst>
-                              <p:par>
-                                <p:cTn id="77" presetID="1" presetClass="entr" presetSubtype="0" fill="hold" grpId="0" nodeType="clickEffect">
-                                  <p:stCondLst>
-                                    <p:cond delay="0"/>
-                                  </p:stCondLst>
-                                  <p:childTnLst>
-                                    <p:set>
-                                      <p:cBhvr>
-                                        <p:cTn id="78" dur="1" fill="hold">
-                                          <p:stCondLst>
-                                            <p:cond delay="0"/>
-                                          </p:stCondLst>
-                                        </p:cTn>
-                                        <p:tgtEl>
-                                          <p:spTgt spid="4">
-                                            <p:txEl>
-                                              <p:pRg st="31" end="31"/>
-                                            </p:txEl>
-                                          </p:spTgt>
-                                        </p:tgtEl>
-                                        <p:attrNameLst>
-                                          <p:attrName>style.visibility</p:attrName>
-                                        </p:attrNameLst>
-                                      </p:cBhvr>
-                                      <p:to>
-                                        <p:strVal val="visible"/>
-                                      </p:to>
-                                    </p:set>
-                                  </p:childTnLst>
-                                </p:cTn>
-                              </p:par>
-                            </p:childTnLst>
-                          </p:cTn>
-                        </p:par>
-                      </p:childTnLst>
-                    </p:cTn>
-                  </p:par>
-                  <p:par>
-                    <p:cTn id="79" fill="hold">
-                      <p:stCondLst>
-                        <p:cond delay="indefinite"/>
-                      </p:stCondLst>
-                      <p:childTnLst>
-                        <p:par>
-                          <p:cTn id="80" fill="hold">
-                            <p:stCondLst>
-                              <p:cond delay="0"/>
-                            </p:stCondLst>
-                            <p:childTnLst>
-                              <p:par>
-                                <p:cTn id="81" presetID="1" presetClass="entr" presetSubtype="0" fill="hold" grpId="0" nodeType="clickEffect">
-                                  <p:stCondLst>
-                                    <p:cond delay="0"/>
-                                  </p:stCondLst>
-                                  <p:childTnLst>
-                                    <p:set>
-                                      <p:cBhvr>
-                                        <p:cTn id="82" dur="1" fill="hold">
-                                          <p:stCondLst>
-                                            <p:cond delay="0"/>
-                                          </p:stCondLst>
-                                        </p:cTn>
-                                        <p:tgtEl>
-                                          <p:spTgt spid="4">
-                                            <p:txEl>
-                                              <p:pRg st="32" end="32"/>
-                                            </p:txEl>
-                                          </p:spTgt>
-                                        </p:tgtEl>
-                                        <p:attrNameLst>
-                                          <p:attrName>style.visibility</p:attrName>
-                                        </p:attrNameLst>
-                                      </p:cBhvr>
-                                      <p:to>
-                                        <p:strVal val="visible"/>
-                                      </p:to>
-                                    </p:set>
-                                  </p:childTnLst>
-                                </p:cTn>
-                              </p:par>
-                            </p:childTnLst>
-                          </p:cTn>
-                        </p:par>
-                      </p:childTnLst>
-                    </p:cTn>
-                  </p:par>
-                  <p:par>
-                    <p:cTn id="83" fill="hold">
-                      <p:stCondLst>
-                        <p:cond delay="indefinite"/>
-                      </p:stCondLst>
-                      <p:childTnLst>
-                        <p:par>
-                          <p:cTn id="84" fill="hold">
-                            <p:stCondLst>
-                              <p:cond delay="0"/>
-                            </p:stCondLst>
-                            <p:childTnLst>
-                              <p:par>
-                                <p:cTn id="85" presetID="1" presetClass="entr" presetSubtype="0" fill="hold" grpId="0" nodeType="clickEffect">
-                                  <p:stCondLst>
-                                    <p:cond delay="0"/>
-                                  </p:stCondLst>
-                                  <p:childTnLst>
-                                    <p:set>
-                                      <p:cBhvr>
-                                        <p:cTn id="86" dur="1" fill="hold">
-                                          <p:stCondLst>
-                                            <p:cond delay="0"/>
-                                          </p:stCondLst>
-                                        </p:cTn>
-                                        <p:tgtEl>
-                                          <p:spTgt spid="4">
-                                            <p:txEl>
-                                              <p:pRg st="33" end="33"/>
-                                            </p:txEl>
-                                          </p:spTgt>
-                                        </p:tgtEl>
-                                        <p:attrNameLst>
-                                          <p:attrName>style.visibility</p:attrName>
-                                        </p:attrNameLst>
-                                      </p:cBhvr>
-                                      <p:to>
-                                        <p:strVal val="visible"/>
-                                      </p:to>
-                                    </p:set>
-                                  </p:childTnLst>
-                                </p:cTn>
-                              </p:par>
-                            </p:childTnLst>
-                          </p:cTn>
-                        </p:par>
-                      </p:childTnLst>
-                    </p:cTn>
-                  </p:par>
-                </p:childTnLst>
-              </p:cTn>
-              <p:prevCondLst>
-                <p:cond evt="onPrev" delay="0">
-                  <p:tgtEl>
-                    <p:sldTgt/>
-                  </p:tgtEl>
-                </p:cond>
-              </p:prevCondLst>
-              <p:nextCondLst>
-                <p:cond evt="onNext" delay="0">
-                  <p:tgtEl>
-                    <p:sldTgt/>
-                  </p:tgtEl>
-                </p:cond>
-              </p:nextCondLst>
-            </p:seq>
-          </p:childTnLst>
-        </p:cTn>
-      </p:par>
-    </p:tnLst>
-    <p:bldLst>
-      <p:bldP spid="4" grpId="0" uiExpand="1" build="p"/>
-    </p:bldLst>
-  </p:timing>
-</p:sld>
-</file>
-
-<file path=ppt/slides/slide11.xml><?xml version="1.0" encoding="utf-8"?>
-<p:sld xmlns:a="http://schemas.openxmlformats.org/drawingml/2006/main" xmlns:r="http://schemas.openxmlformats.org/officeDocument/2006/relationships" xmlns:p="http://schemas.openxmlformats.org/presentationml/2006/main">
-  <p:cSld>
-    <p:spTree>
-      <p:nvGrpSpPr>
-        <p:cNvPr id="1" name=""/>
-        <p:cNvGrpSpPr/>
-        <p:nvPr/>
-      </p:nvGrpSpPr>
-      <p:grpSpPr>
-        <a:xfrm>
-          <a:off x="0" y="0"/>
-          <a:ext cx="0" cy="0"/>
-          <a:chOff x="0" y="0"/>
-          <a:chExt cx="0" cy="0"/>
-        </a:xfrm>
-      </p:grpSpPr>
-      <p:sp>
-        <p:nvSpPr>
-          <p:cNvPr id="3" name="Content Placeholder 2">
-            <a:extLst>
-              <a:ext uri="{FF2B5EF4-FFF2-40B4-BE49-F238E27FC236}">
-                <a16:creationId xmlns:a16="http://schemas.microsoft.com/office/drawing/2014/main" id="{A4EB24F9-04F1-C843-9D71-56C5C024552B}"/>
-              </a:ext>
-            </a:extLst>
-          </p:cNvPr>
-          <p:cNvSpPr>
-            <a:spLocks noGrp="1"/>
-          </p:cNvSpPr>
-          <p:nvPr>
-            <p:ph idx="1"/>
-          </p:nvPr>
-        </p:nvSpPr>
-        <p:spPr/>
-        <p:txBody>
-          <a:bodyPr/>
-          <a:lstStyle/>
-          <a:p>
-            <a:pPr lvl="0"/>
-            <a:r>
-              <a:rPr b="1"/>
-              <a:t>Lab Notebook</a:t>
-            </a:r>
-            <a:r>
-              <a:rPr/>
-              <a:t> - find a solution that works for you, but make sure that you have it every week, so a cloud-based system would be best. You will be expected to show notes of your progress to your Lab Tutor</a:t>
-            </a:r>
-          </a:p>
-          <a:p>
-            <a:pPr lvl="0"/>
-            <a:r>
-              <a:rPr/>
-              <a:t>Lots can be achieved in the labs, but independent study and coordinated group work will be required. We will be asking about this aspect of the process regularly.</a:t>
-            </a:r>
-          </a:p>
-          <a:p>
-            <a:pPr lvl="0" indent="0" marL="0">
-              <a:spcBef>
-                <a:spcPts val="3000"/>
-              </a:spcBef>
-              <a:buNone/>
-            </a:pPr>
-            <a:r>
-              <a:rPr b="1"/>
-              <a:t>DangerZone</a:t>
-            </a:r>
-          </a:p>
-        </p:txBody>
-      </p:sp>
-    </p:spTree>
-  </p:cSld>
-</p:sld>
-</file>
-
-<file path=ppt/slides/slide12.xml><?xml version="1.0" encoding="utf-8"?>
-<p:sld xmlns:a="http://schemas.openxmlformats.org/drawingml/2006/main" xmlns:r="http://schemas.openxmlformats.org/officeDocument/2006/relationships" xmlns:p="http://schemas.openxmlformats.org/presentationml/2006/main">
-  <p:cSld>
-    <p:spTree>
-      <p:nvGrpSpPr>
-        <p:cNvPr id="1" name=""/>
-        <p:cNvGrpSpPr/>
-        <p:nvPr/>
-      </p:nvGrpSpPr>
-      <p:grpSpPr>
-        <a:xfrm>
-          <a:off x="0" y="0"/>
-          <a:ext cx="0" cy="0"/>
-          <a:chOff x="0" y="0"/>
-          <a:chExt cx="0" cy="0"/>
-        </a:xfrm>
-      </p:grpSpPr>
-      <p:pic>
-        <p:nvPicPr>
-          <p:cNvPr descr="images/Kenny.jpeg" id="0" name="Picture 1"/>
-          <p:cNvPicPr>
-            <a:picLocks noGrp="1" noChangeAspect="1"/>
-          </p:cNvPicPr>
-          <p:nvPr/>
-        </p:nvPicPr>
-        <p:blipFill>
-          <a:blip r:embed="rId2"/>
-          <a:stretch>
-            <a:fillRect/>
-          </a:stretch>
-        </p:blipFill>
-        <p:spPr bwMode="auto">
-          <a:xfrm>
-            <a:off x="1511300" y="1816100"/>
-            <a:ext cx="3835400" cy="3835400"/>
-          </a:xfrm>
-          <a:prstGeom prst="rect">
-            <a:avLst/>
-          </a:prstGeom>
-          <a:noFill/>
-          <a:ln w="9525">
-            <a:noFill/>
-            <a:headEnd/>
-            <a:tailEnd/>
-          </a:ln>
-        </p:spPr>
-      </p:pic>
-      <p:sp>
-        <p:nvSpPr>
-          <p:cNvPr id="1" name="TextBox 3"/>
-          <p:cNvSpPr txBox="1"/>
-          <p:nvPr/>
-        </p:nvSpPr>
-        <p:spPr>
-          <a:xfrm>
-            <a:off x="838200" y="5651500"/>
-            <a:ext cx="5181600" cy="508000"/>
-          </a:xfrm>
-          <a:prstGeom prst="rect">
-            <a:avLst/>
-          </a:prstGeom>
-          <a:noFill/>
-        </p:spPr>
-        <p:txBody>
-          <a:bodyPr/>
-          <a:lstStyle/>
-          <a:p>
-            <a:pPr lvl="0" indent="0" marL="0" algn="ctr">
-              <a:buNone/>
-            </a:pPr>
-            <a:r>
-              <a:rPr/>
-              <a:t>All hail the Kenny!</a:t>
-            </a:r>
-          </a:p>
-        </p:txBody>
-      </p:sp>
-      <p:sp>
-        <p:nvSpPr>
-          <p:cNvPr id="4" name="Content Placeholder 3">
-            <a:extLst>
-              <a:ext uri="{FF2B5EF4-FFF2-40B4-BE49-F238E27FC236}">
-                <a16:creationId xmlns:a16="http://schemas.microsoft.com/office/drawing/2014/main" id="{3B974A49-6A1E-2F48-B419-02B0A17B9692}"/>
-              </a:ext>
-            </a:extLst>
-          </p:cNvPr>
-          <p:cNvSpPr>
-            <a:spLocks noGrp="1"/>
-          </p:cNvSpPr>
-          <p:nvPr>
-            <p:ph idx="2" sz="half"/>
-          </p:nvPr>
-        </p:nvSpPr>
-        <p:spPr/>
-        <p:txBody>
-          <a:bodyPr/>
-          <a:lstStyle/>
-          <a:p>
-            <a:pPr lvl="0" indent="0" marL="0">
-              <a:buNone/>
-            </a:pPr>
-            <a:r>
-              <a:rPr/>
-              <a:t>You’ll never say hello to you,</a:t>
-            </a:r>
-            <a:br/>
-            <a:r>
-              <a:rPr/>
-              <a:t>Until you get it on the red line overload.</a:t>
-            </a:r>
-            <a:br/>
-            <a:r>
-              <a:rPr/>
-              <a:t>You’ll never know what you can do,</a:t>
-            </a:r>
-            <a:br/>
-            <a:r>
-              <a:rPr/>
-              <a:t>Until you get it up as high as you can go!</a:t>
-            </a:r>
-          </a:p>
-        </p:txBody>
-      </p:sp>
-    </p:spTree>
-  </p:cSld>
-</p:sld>
-</file>
-
-<file path=ppt/slides/slide13.xml><?xml version="1.0" encoding="utf-8"?>
-<p:sld xmlns:a="http://schemas.openxmlformats.org/drawingml/2006/main" xmlns:r="http://schemas.openxmlformats.org/officeDocument/2006/relationships" xmlns:p="http://schemas.openxmlformats.org/presentationml/2006/main">
-  <p:cSld>
-    <p:spTree>
-      <p:nvGrpSpPr>
-        <p:cNvPr id="1" name=""/>
-        <p:cNvGrpSpPr/>
-        <p:nvPr/>
-      </p:nvGrpSpPr>
-      <p:grpSpPr>
-        <a:xfrm>
-          <a:off x="0" y="0"/>
-          <a:ext cx="0" cy="0"/>
-          <a:chOff x="0" y="0"/>
-          <a:chExt cx="0" cy="0"/>
-        </a:xfrm>
-      </p:grpSpPr>
-      <p:sp>
-        <p:nvSpPr>
-          <p:cNvPr id="4" name="Text Placeholder 3">
-            <a:extLst>
-              <a:ext uri="{FF2B5EF4-FFF2-40B4-BE49-F238E27FC236}">
-                <a16:creationId xmlns:a16="http://schemas.microsoft.com/office/drawing/2014/main" id="{898BA411-2A54-A94A-B3FC-826281DBEADF}"/>
-              </a:ext>
-            </a:extLst>
-          </p:cNvPr>
-          <p:cNvSpPr>
-            <a:spLocks noGrp="1"/>
-          </p:cNvSpPr>
-          <p:nvPr>
-            <p:ph idx="2" sz="half" type="body"/>
-          </p:nvPr>
-        </p:nvSpPr>
-        <p:spPr/>
-        <p:txBody>
-          <a:bodyPr/>
-          <a:lstStyle/>
-          <a:p>
-            <a:pPr lvl="0" indent="0" marL="0">
-              <a:spcBef>
-                <a:spcPts val="3000"/>
-              </a:spcBef>
-              <a:buNone/>
-            </a:pPr>
-            <a:r>
-              <a:rPr b="1"/>
-              <a:t>Coursework</a:t>
-            </a:r>
-          </a:p>
-          <a:p>
-            <a:pPr lvl="0" indent="0" marL="0">
-              <a:buNone/>
-            </a:pPr>
-            <a:r>
-              <a:rPr/>
-              <a:t>The courseworks ALL require critical reflection and meta-cognitive practice. This will be discussed in a number of lectures, but it contributes to effective learning and your integration of the skills and experience of doing this research exercise.</a:t>
-            </a:r>
-          </a:p>
-          <a:p>
-            <a:pPr lvl="0" indent="0" marL="0">
-              <a:spcBef>
-                <a:spcPts val="3000"/>
-              </a:spcBef>
-              <a:buNone/>
-            </a:pPr>
-            <a:r>
-              <a:rPr b="1"/>
-              <a:t>Time management and teamwork</a:t>
-            </a:r>
-          </a:p>
-          <a:p>
-            <a:pPr lvl="0" indent="0" marL="0">
-              <a:buNone/>
-            </a:pPr>
-            <a:r>
-              <a:rPr/>
-              <a:t>..will both be required.</a:t>
-            </a:r>
-          </a:p>
-          <a:p>
-            <a:pPr lvl="0" indent="0" marL="0">
-              <a:buNone/>
-            </a:pPr>
-            <a:r>
-              <a:rPr/>
-              <a:t>I ask you to see both as an opportunity to develop these important skills.</a:t>
-            </a:r>
-          </a:p>
-          <a:p>
-            <a:pPr lvl="0" indent="0" marL="0">
-              <a:buNone/>
-            </a:pPr>
-            <a:r>
-              <a:rPr/>
-              <a:t>You will see we have some ideas to make this more relevant to careers and employability</a:t>
-            </a:r>
-          </a:p>
-          <a:p>
-            <a:pPr lvl="0" indent="0" marL="0">
-              <a:buNone/>
-            </a:pPr>
-            <a:r>
-              <a:rPr/>
-              <a:t>It is easier to ‘keep up than to catch up’.</a:t>
-            </a:r>
-          </a:p>
-          <a:p>
-            <a:pPr lvl="0" indent="0" marL="0">
-              <a:spcBef>
-                <a:spcPts val="3000"/>
-              </a:spcBef>
-              <a:buNone/>
-            </a:pPr>
-            <a:r>
-              <a:rPr b="1"/>
-              <a:t>Resources</a:t>
-            </a:r>
-          </a:p>
-          <a:p>
-            <a:pPr lvl="0" indent="0" marL="0">
-              <a:buNone/>
-            </a:pPr>
-            <a:r>
-              <a:rPr/>
-              <a:t>We will be releasing a series of valuable resources to help you through every step of the process</a:t>
-            </a:r>
-          </a:p>
-          <a:p>
-            <a:pPr lvl="0" indent="0" marL="0">
-              <a:buNone/>
-            </a:pPr>
-            <a:r>
-              <a:rPr/>
-              <a:t>These will have value for your final year dissertation too.</a:t>
-            </a:r>
-          </a:p>
-          <a:p>
-            <a:pPr lvl="0" indent="0" marL="0">
-              <a:buNone/>
-            </a:pPr>
-            <a:r>
-              <a:rPr/>
-              <a:t>Contribution to and comment on these is welcome and hoped for!</a:t>
-            </a:r>
-          </a:p>
-          <a:p>
-            <a:pPr lvl="0" indent="0" marL="0">
-              <a:buNone/>
-            </a:pPr>
-            <a:r>
-              <a:rPr/>
-              <a:t>Open Educational Resources will be used extensively, and most core readings are available online via the library.</a:t>
-            </a:r>
-          </a:p>
-          <a:p>
-            <a:pPr lvl="0" indent="0" marL="0">
-              <a:spcBef>
-                <a:spcPts val="3000"/>
-              </a:spcBef>
-              <a:buNone/>
-            </a:pPr>
-            <a:r>
-              <a:rPr b="1"/>
-              <a:t>Before tomorrow, please…</a:t>
-            </a:r>
-          </a:p>
-          <a:p>
-            <a:pPr lvl="0" indent="0" marL="0">
-              <a:buNone/>
-            </a:pPr>
-            <a:r>
-              <a:rPr/>
-              <a:t>Add an email signature to your college email, including your student number, programme, lab tutor, and personal tutor. It will speed up responses to any emails you send to staff.</a:t>
-            </a:r>
-          </a:p>
-          <a:p>
-            <a:pPr lvl="0" indent="0" marL="0">
-              <a:spcBef>
-                <a:spcPts val="3000"/>
-              </a:spcBef>
-              <a:buNone/>
-            </a:pPr>
-            <a:r>
-              <a:rPr b="1"/>
-              <a:t>Lectures Term One</a:t>
-            </a:r>
-          </a:p>
-        </p:txBody>
-      </p:sp>
-      <p:pic>
-        <p:nvPicPr>
-          <p:cNvPr descr="images/Term1 Lectures.png" id="0" name="Picture 1"/>
-          <p:cNvPicPr>
-            <a:picLocks noGrp="1" noChangeAspect="1"/>
-          </p:cNvPicPr>
-          <p:nvPr/>
-        </p:nvPicPr>
-        <p:blipFill>
-          <a:blip r:embed="rId2"/>
-          <a:stretch>
-            <a:fillRect/>
-          </a:stretch>
-        </p:blipFill>
-        <p:spPr bwMode="auto">
-          <a:xfrm>
-            <a:off x="5181600" y="1155700"/>
-            <a:ext cx="6172200" cy="4508500"/>
-          </a:xfrm>
-          <a:prstGeom prst="rect">
-            <a:avLst/>
-          </a:prstGeom>
-          <a:noFill/>
-          <a:ln w="9525">
-            <a:noFill/>
-            <a:headEnd/>
-            <a:tailEnd/>
-          </a:ln>
-        </p:spPr>
-      </p:pic>
-    </p:spTree>
-  </p:cSld>
-</p:sld>
-</file>
-
-<file path=ppt/slides/slide14.xml><?xml version="1.0" encoding="utf-8"?>
-<p:sld xmlns:a="http://schemas.openxmlformats.org/drawingml/2006/main" xmlns:r="http://schemas.openxmlformats.org/officeDocument/2006/relationships" xmlns:p="http://schemas.openxmlformats.org/presentationml/2006/main">
-  <p:cSld>
-    <p:spTree>
-      <p:nvGrpSpPr>
-        <p:cNvPr id="1" name=""/>
-        <p:cNvGrpSpPr/>
-        <p:nvPr/>
-      </p:nvGrpSpPr>
-      <p:grpSpPr>
-        <a:xfrm>
-          <a:off x="0" y="0"/>
-          <a:ext cx="0" cy="0"/>
-          <a:chOff x="0" y="0"/>
-          <a:chExt cx="0" cy="0"/>
-        </a:xfrm>
-      </p:grpSpPr>
-      <p:sp>
-        <p:nvSpPr>
-          <p:cNvPr id="4" name="Text Placeholder 3">
-            <a:extLst>
-              <a:ext uri="{FF2B5EF4-FFF2-40B4-BE49-F238E27FC236}">
-                <a16:creationId xmlns:a16="http://schemas.microsoft.com/office/drawing/2014/main" id="{898BA411-2A54-A94A-B3FC-826281DBEADF}"/>
-              </a:ext>
-            </a:extLst>
-          </p:cNvPr>
-          <p:cNvSpPr>
-            <a:spLocks noGrp="1"/>
-          </p:cNvSpPr>
-          <p:nvPr>
-            <p:ph idx="2" sz="half" type="body"/>
-          </p:nvPr>
-        </p:nvSpPr>
-        <p:spPr/>
-        <p:txBody>
-          <a:bodyPr/>
-          <a:lstStyle/>
-          <a:p>
-            <a:pPr lvl="0" indent="0" marL="0">
-              <a:spcBef>
-                <a:spcPts val="3000"/>
-              </a:spcBef>
-              <a:buNone/>
-            </a:pPr>
-            <a:r>
-              <a:rPr b="1"/>
-              <a:t>Lectures Term Two</a:t>
-            </a:r>
-          </a:p>
-        </p:txBody>
-      </p:sp>
-      <p:pic>
-        <p:nvPicPr>
-          <p:cNvPr descr="images/Term2 Lectures.png" id="0" name="Picture 1"/>
-          <p:cNvPicPr>
-            <a:picLocks noGrp="1" noChangeAspect="1"/>
-          </p:cNvPicPr>
-          <p:nvPr/>
-        </p:nvPicPr>
-        <p:blipFill>
-          <a:blip r:embed="rId2"/>
-          <a:stretch>
-            <a:fillRect/>
-          </a:stretch>
-        </p:blipFill>
-        <p:spPr bwMode="auto">
-          <a:xfrm>
-            <a:off x="5181600" y="1155700"/>
-            <a:ext cx="6172200" cy="4508500"/>
-          </a:xfrm>
-          <a:prstGeom prst="rect">
-            <a:avLst/>
-          </a:prstGeom>
-          <a:noFill/>
-          <a:ln w="9525">
-            <a:noFill/>
-            <a:headEnd/>
-            <a:tailEnd/>
-          </a:ln>
-        </p:spPr>
-      </p:pic>
-    </p:spTree>
-  </p:cSld>
-</p:sld>
-</file>
-
-<file path=ppt/slides/slide15.xml><?xml version="1.0" encoding="utf-8"?>
-<p:sld xmlns:a="http://schemas.openxmlformats.org/drawingml/2006/main" xmlns:r="http://schemas.openxmlformats.org/officeDocument/2006/relationships" xmlns:p="http://schemas.openxmlformats.org/presentationml/2006/main">
-  <p:cSld>
-    <p:spTree>
-      <p:nvGrpSpPr>
-        <p:cNvPr id="1" name=""/>
-        <p:cNvGrpSpPr/>
-        <p:nvPr/>
-      </p:nvGrpSpPr>
-      <p:grpSpPr>
-        <a:xfrm>
-          <a:off x="0" y="0"/>
-          <a:ext cx="0" cy="0"/>
-          <a:chOff x="0" y="0"/>
-          <a:chExt cx="0" cy="0"/>
-        </a:xfrm>
-      </p:grpSpPr>
-      <p:sp>
-        <p:nvSpPr>
-          <p:cNvPr id="4" name="Text Placeholder 3">
-            <a:extLst>
-              <a:ext uri="{FF2B5EF4-FFF2-40B4-BE49-F238E27FC236}">
-                <a16:creationId xmlns:a16="http://schemas.microsoft.com/office/drawing/2014/main" id="{898BA411-2A54-A94A-B3FC-826281DBEADF}"/>
-              </a:ext>
-            </a:extLst>
-          </p:cNvPr>
-          <p:cNvSpPr>
-            <a:spLocks noGrp="1"/>
-          </p:cNvSpPr>
-          <p:nvPr>
-            <p:ph idx="2" sz="half" type="body"/>
-          </p:nvPr>
-        </p:nvSpPr>
-        <p:spPr/>
-        <p:txBody>
-          <a:bodyPr/>
-          <a:lstStyle/>
-          <a:p>
-            <a:pPr lvl="0" indent="0" marL="0">
-              <a:spcBef>
-                <a:spcPts val="3000"/>
-              </a:spcBef>
-              <a:buNone/>
-            </a:pPr>
-            <a:r>
-              <a:rPr b="1"/>
-              <a:t>Labs Term One</a:t>
-            </a:r>
-          </a:p>
-        </p:txBody>
-      </p:sp>
-      <p:pic>
-        <p:nvPicPr>
-          <p:cNvPr descr="images/Term1 Labs.png" id="0" name="Picture 1"/>
-          <p:cNvPicPr>
-            <a:picLocks noGrp="1" noChangeAspect="1"/>
-          </p:cNvPicPr>
-          <p:nvPr/>
-        </p:nvPicPr>
-        <p:blipFill>
-          <a:blip r:embed="rId2"/>
-          <a:stretch>
-            <a:fillRect/>
-          </a:stretch>
-        </p:blipFill>
-        <p:spPr bwMode="auto">
-          <a:xfrm>
-            <a:off x="5181600" y="1257300"/>
-            <a:ext cx="6172200" cy="4318000"/>
-          </a:xfrm>
-          <a:prstGeom prst="rect">
-            <a:avLst/>
-          </a:prstGeom>
-          <a:noFill/>
-          <a:ln w="9525">
-            <a:noFill/>
-            <a:headEnd/>
-            <a:tailEnd/>
-          </a:ln>
-        </p:spPr>
-      </p:pic>
-    </p:spTree>
-  </p:cSld>
-</p:sld>
-</file>
-
-<file path=ppt/slides/slide16.xml><?xml version="1.0" encoding="utf-8"?>
-<p:sld xmlns:a="http://schemas.openxmlformats.org/drawingml/2006/main" xmlns:r="http://schemas.openxmlformats.org/officeDocument/2006/relationships" xmlns:p="http://schemas.openxmlformats.org/presentationml/2006/main">
-  <p:cSld>
-    <p:spTree>
-      <p:nvGrpSpPr>
-        <p:cNvPr id="1" name=""/>
-        <p:cNvGrpSpPr/>
-        <p:nvPr/>
-      </p:nvGrpSpPr>
-      <p:grpSpPr>
-        <a:xfrm>
-          <a:off x="0" y="0"/>
-          <a:ext cx="0" cy="0"/>
-          <a:chOff x="0" y="0"/>
-          <a:chExt cx="0" cy="0"/>
-        </a:xfrm>
-      </p:grpSpPr>
-      <p:sp>
-        <p:nvSpPr>
-          <p:cNvPr id="4" name="Text Placeholder 3">
-            <a:extLst>
-              <a:ext uri="{FF2B5EF4-FFF2-40B4-BE49-F238E27FC236}">
-                <a16:creationId xmlns:a16="http://schemas.microsoft.com/office/drawing/2014/main" id="{898BA411-2A54-A94A-B3FC-826281DBEADF}"/>
-              </a:ext>
-            </a:extLst>
-          </p:cNvPr>
-          <p:cNvSpPr>
-            <a:spLocks noGrp="1"/>
-          </p:cNvSpPr>
-          <p:nvPr>
-            <p:ph idx="2" sz="half" type="body"/>
-          </p:nvPr>
-        </p:nvSpPr>
-        <p:spPr/>
-        <p:txBody>
-          <a:bodyPr/>
-          <a:lstStyle/>
-          <a:p>
-            <a:pPr lvl="0" indent="0" marL="0">
-              <a:spcBef>
-                <a:spcPts val="3000"/>
-              </a:spcBef>
-              <a:buNone/>
-            </a:pPr>
-            <a:r>
-              <a:rPr b="1"/>
-              <a:t>Labs Term Two</a:t>
-            </a:r>
-          </a:p>
-        </p:txBody>
-      </p:sp>
-      <p:pic>
-        <p:nvPicPr>
-          <p:cNvPr descr="images/Term2 labs.png" id="0" name="Picture 1"/>
-          <p:cNvPicPr>
-            <a:picLocks noGrp="1" noChangeAspect="1"/>
-          </p:cNvPicPr>
-          <p:nvPr/>
-        </p:nvPicPr>
-        <p:blipFill>
-          <a:blip r:embed="rId2"/>
-          <a:stretch>
-            <a:fillRect/>
-          </a:stretch>
-        </p:blipFill>
-        <p:spPr bwMode="auto">
-          <a:xfrm>
-            <a:off x="5181600" y="1498600"/>
-            <a:ext cx="6172200" cy="3822700"/>
-          </a:xfrm>
-          <a:prstGeom prst="rect">
-            <a:avLst/>
-          </a:prstGeom>
-          <a:noFill/>
-          <a:ln w="9525">
-            <a:noFill/>
-            <a:headEnd/>
-            <a:tailEnd/>
-          </a:ln>
-        </p:spPr>
-      </p:pic>
-    </p:spTree>
-  </p:cSld>
-</p:sld>
-</file>
-
-<file path=ppt/slides/slide17.xml><?xml version="1.0" encoding="utf-8"?>
-<p:sld xmlns:a="http://schemas.openxmlformats.org/drawingml/2006/main" xmlns:r="http://schemas.openxmlformats.org/officeDocument/2006/relationships" xmlns:p="http://schemas.openxmlformats.org/presentationml/2006/main">
-  <p:cSld>
-    <p:spTree>
-      <p:nvGrpSpPr>
-        <p:cNvPr id="1" name=""/>
-        <p:cNvGrpSpPr/>
-        <p:nvPr/>
-      </p:nvGrpSpPr>
-      <p:grpSpPr>
-        <a:xfrm>
-          <a:off x="0" y="0"/>
-          <a:ext cx="0" cy="0"/>
-          <a:chOff x="0" y="0"/>
-          <a:chExt cx="0" cy="0"/>
-        </a:xfrm>
-      </p:grpSpPr>
-      <p:sp>
-        <p:nvSpPr>
-          <p:cNvPr id="3" name="Content Placeholder 2">
-            <a:extLst>
-              <a:ext uri="{FF2B5EF4-FFF2-40B4-BE49-F238E27FC236}">
-                <a16:creationId xmlns:a16="http://schemas.microsoft.com/office/drawing/2014/main" id="{A4EB24F9-04F1-C843-9D71-56C5C024552B}"/>
-              </a:ext>
-            </a:extLst>
-          </p:cNvPr>
-          <p:cNvSpPr>
-            <a:spLocks noGrp="1"/>
-          </p:cNvSpPr>
-          <p:nvPr>
-            <p:ph idx="1"/>
-          </p:nvPr>
-        </p:nvSpPr>
-        <p:spPr/>
-        <p:txBody>
-          <a:bodyPr/>
-          <a:lstStyle/>
-          <a:p>
-            <a:pPr lvl="0" indent="0" marL="0">
-              <a:spcBef>
-                <a:spcPts val="3000"/>
-              </a:spcBef>
-              <a:buNone/>
-            </a:pPr>
-            <a:r>
-              <a:rPr b="1"/>
-              <a:t>Mini-Dissertation structure</a:t>
-            </a:r>
-          </a:p>
-          <a:p>
-            <a:pPr lvl="0" indent="0" marL="0">
-              <a:buNone/>
-            </a:pPr>
-            <a:r>
-              <a:rPr/>
-              <a:t>Your individual Mini-Dissertation project </a:t>
-            </a:r>
-            <a:r>
-              <a:rPr b="1"/>
-              <a:t>MUST</a:t>
-            </a:r>
-            <a:r>
-              <a:rPr/>
-              <a:t> conform to the following definitive rules:</a:t>
-            </a:r>
-          </a:p>
-          <a:p>
-            <a:pPr lvl="0"/>
-            <a:r>
-              <a:rPr b="1"/>
-              <a:t>2x2 ANOVA design with 2 categorical IVs (each with 2 levels) and a single continuous DV</a:t>
-            </a:r>
-          </a:p>
-          <a:p>
-            <a:pPr lvl="0"/>
-            <a:r>
-              <a:rPr b="1"/>
-              <a:t>You must obtain ethical approval and show individual involvement in the process of application</a:t>
-            </a:r>
-          </a:p>
-          <a:p>
-            <a:pPr lvl="0"/>
-            <a:r>
-              <a:rPr b="1"/>
-              <a:t>You must make a sample size estimation / Power calculation</a:t>
-            </a:r>
-          </a:p>
-          <a:p>
-            <a:pPr lvl="0"/>
-            <a:r>
-              <a:rPr b="1"/>
-              <a:t>You must contribute to group recruitment and data collection efforts either online or in-person</a:t>
-            </a:r>
-          </a:p>
-          <a:p>
-            <a:pPr lvl="0" indent="0" marL="0">
-              <a:spcBef>
-                <a:spcPts val="3000"/>
-              </a:spcBef>
-              <a:buNone/>
-            </a:pPr>
-            <a:r>
-              <a:rPr b="1"/>
-              <a:t>Mini-Dissertation Submission</a:t>
-            </a:r>
-          </a:p>
-          <a:p>
-            <a:pPr lvl="0" indent="0" marL="0">
-              <a:buNone/>
-            </a:pPr>
-            <a:r>
-              <a:rPr b="1"/>
-              <a:t>Your Mini-Dissertation final submission must comprise ALL of the following COMPULSORY elements:</a:t>
-            </a:r>
-          </a:p>
-          <a:p>
-            <a:pPr lvl="0"/>
-            <a:r>
-              <a:rPr/>
-              <a:t>a 2,500 word APA7 empirical paper with a complete reference list and appendices</a:t>
-            </a:r>
-          </a:p>
-          <a:p>
-            <a:pPr lvl="0"/>
-            <a:r>
-              <a:rPr/>
-              <a:t>Open Data - a single, cleaned, clearly-labelled data set</a:t>
-            </a:r>
-          </a:p>
-          <a:p>
-            <a:pPr lvl="0"/>
-            <a:r>
-              <a:rPr/>
-              <a:t>Open Materials - a complete, replication-ready materials package detailing materials relevant to your individual write-up</a:t>
-            </a:r>
-          </a:p>
-          <a:p>
-            <a:pPr lvl="0"/>
-            <a:r>
-              <a:rPr/>
-              <a:t>A reflective account covering the Mini-Dissertation (not a moan about your group or strikes or having to do research)</a:t>
-            </a:r>
-          </a:p>
-          <a:p>
-            <a:pPr lvl="0" indent="0" marL="0">
-              <a:spcBef>
-                <a:spcPts val="3000"/>
-              </a:spcBef>
-              <a:buNone/>
-            </a:pPr>
-            <a:r>
-              <a:rPr b="1"/>
-              <a:t>Illustrative MD topics</a:t>
-            </a:r>
-          </a:p>
-          <a:p>
-            <a:pPr lvl="0"/>
-            <a:r>
-              <a:rPr/>
-              <a:t>The effect of gender stereotype and task difficulty on memory performance</a:t>
-            </a:r>
-          </a:p>
-          <a:p>
-            <a:pPr lvl="0"/>
-            <a:r>
-              <a:rPr/>
-              <a:t>The role of facial symmetry and filter type on ratings of attractiveness of online dating profile pictures</a:t>
-            </a:r>
-          </a:p>
-          <a:p>
-            <a:pPr lvl="0"/>
-            <a:r>
-              <a:rPr/>
-              <a:t>Exposure to negative news media, trait anxiety and the BAME community under COVID-19</a:t>
-            </a:r>
-          </a:p>
-          <a:p>
-            <a:pPr lvl="0"/>
-            <a:r>
-              <a:rPr/>
-              <a:t>The effects of Agentic and Communal Narcissism, attitudes towards COVID-19 and lockdown compliance</a:t>
-            </a:r>
-          </a:p>
-          <a:p>
-            <a:pPr lvl="0"/>
-            <a:r>
-              <a:rPr/>
-              <a:t>The effect of personality and sleep disturbance on academic performance</a:t>
-            </a:r>
-          </a:p>
-          <a:p>
-            <a:pPr lvl="0"/>
-            <a:r>
-              <a:rPr/>
-              <a:t>Need for cognition, pre-sentencing information and perceptions of guilt in a jury decision making task</a:t>
-            </a:r>
-          </a:p>
-          <a:p>
-            <a:pPr lvl="0" indent="0" marL="0">
-              <a:spcBef>
-                <a:spcPts val="3000"/>
-              </a:spcBef>
-              <a:buNone/>
-            </a:pPr>
-            <a:r>
-              <a:rPr b="1"/>
-              <a:t>But let’s deep dive this one</a:t>
-            </a:r>
-          </a:p>
-          <a:p>
-            <a:pPr lvl="0" indent="0" marL="0">
-              <a:buNone/>
-            </a:pPr>
-            <a:r>
-              <a:rPr b="1"/>
-              <a:t>The effect of Conscientiousness and Caffeine intake on Academic Self-Handicapping</a:t>
-            </a:r>
-          </a:p>
-          <a:p>
-            <a:pPr lvl="0"/>
-            <a:r>
-              <a:rPr i="1"/>
-              <a:t>The effect of Independent Variable A and Independent Variable B on a continuous Dependent Variable</a:t>
-            </a:r>
-            <a:r>
-              <a:rPr/>
-              <a:t> </a:t>
-            </a:r>
-          </a:p>
-          <a:p>
-            <a:pPr lvl="0"/>
-            <a:r>
-              <a:rPr/>
-              <a:t>Conscientiousness IV(A1) Low or IV(A2) high - Independent Variable IV(A)</a:t>
-            </a:r>
-          </a:p>
-          <a:p>
-            <a:pPr lvl="0"/>
-            <a:r>
-              <a:rPr/>
-              <a:t>Caffeine intake IV(B1) Low or IV(B2) high - Independent Variable IV(B)</a:t>
-            </a:r>
-          </a:p>
-          <a:p>
-            <a:pPr lvl="0"/>
-            <a:r>
-              <a:rPr/>
-              <a:t>Academic Self-Handicapping (6 item 1-5 Likert style, ‘continuous’ Dependent Variable DV)</a:t>
-            </a:r>
-          </a:p>
-          <a:p>
-            <a:pPr lvl="0"/>
-            <a:r>
-              <a:rPr/>
-              <a:t>What about the other 3 people in the group?</a:t>
-            </a:r>
-          </a:p>
-          <a:p>
-            <a:pPr lvl="0" indent="0" marL="0">
-              <a:spcBef>
-                <a:spcPts val="3000"/>
-              </a:spcBef>
-              <a:buNone/>
-            </a:pPr>
-            <a:r>
-              <a:rPr b="1"/>
-              <a:t>Rest of the group:</a:t>
-            </a:r>
-          </a:p>
-          <a:p>
-            <a:pPr lvl="0" indent="0" marL="0">
-              <a:buNone/>
-            </a:pPr>
-            <a:r>
-              <a:rPr b="1"/>
-              <a:t>The effect of Conscientiousness and Caffeine intake on Academic Self-Handicapping</a:t>
-            </a:r>
-            <a:r>
-              <a:rPr/>
-              <a:t> </a:t>
-            </a:r>
-          </a:p>
-          <a:p>
-            <a:pPr lvl="0" indent="-257175" marL="257175">
-              <a:buAutoNum type="arabicPeriod"/>
-            </a:pPr>
-            <a:r>
-              <a:rPr u="sng"/>
-              <a:t>Extraversion</a:t>
-            </a:r>
-            <a:r>
-              <a:rPr/>
-              <a:t> (Low/High) &amp; Sleep (Sound/Disturbed) on </a:t>
-            </a:r>
-            <a:r>
-              <a:rPr u="sng"/>
-              <a:t>ASH</a:t>
-            </a:r>
-            <a:r>
-              <a:rPr/>
-              <a:t> </a:t>
-            </a:r>
-          </a:p>
-          <a:p>
-            <a:pPr lvl="0" indent="-257175" marL="257175">
-              <a:buAutoNum type="arabicPeriod"/>
-            </a:pPr>
-            <a:r>
-              <a:rPr u="sng"/>
-              <a:t>Openness to experience</a:t>
-            </a:r>
-            <a:r>
-              <a:rPr/>
-              <a:t> (Low/High) &amp; Family Attitude to Education (Pro/Con) on </a:t>
-            </a:r>
-            <a:r>
-              <a:rPr u="sng"/>
-              <a:t>ASH</a:t>
-            </a:r>
-            <a:r>
-              <a:rPr/>
-              <a:t> </a:t>
-            </a:r>
-          </a:p>
-          <a:p>
-            <a:pPr lvl="0" indent="-257175" marL="257175">
-              <a:buAutoNum type="arabicPeriod"/>
-            </a:pPr>
-            <a:r>
-              <a:rPr u="sng"/>
-              <a:t>Neuroticism</a:t>
-            </a:r>
-            <a:r>
-              <a:rPr/>
-              <a:t> (Low/High) &amp; Attitude to Feedback (Open/Sensitive) on </a:t>
-            </a:r>
-            <a:r>
-              <a:rPr u="sng"/>
-              <a:t>ASH</a:t>
-            </a:r>
-          </a:p>
-          <a:p>
-            <a:pPr lvl="1"/>
-            <a:r>
-              <a:rPr/>
-              <a:t>Not too complicated, right?</a:t>
-            </a:r>
-          </a:p>
-          <a:p>
-            <a:pPr lvl="1"/>
-            <a:r>
-              <a:rPr/>
-              <a:t>Can you see the economies of effort and implicit support opportunities?</a:t>
-            </a:r>
-          </a:p>
-        </p:txBody>
-      </p:sp>
-    </p:spTree>
-  </p:cSld>
-  <p:timing>
-    <p:tnLst>
-      <p:par>
-        <p:cTn id="1" dur="indefinite" restart="never" nodeType="tmRoot">
-          <p:childTnLst>
-            <p:seq concurrent="1" nextAc="seek">
-              <p:cTn id="2" dur="indefinite" nodeType="mainSeq">
-                <p:childTnLst>
-                  <p:par>
-                    <p:cTn id="3" fill="hold">
-                      <p:stCondLst>
-                        <p:cond delay="indefinite"/>
-                      </p:stCondLst>
-                      <p:childTnLst>
-                        <p:par>
-                          <p:cTn id="4" fill="hold">
-                            <p:stCondLst>
-                              <p:cond delay="0"/>
-                            </p:stCondLst>
-                            <p:childTnLst>
-                              <p:par>
-                                <p:cTn id="5" presetID="1" presetClass="entr" presetSubtype="0" fill="hold" grpId="0" nodeType="clickEffect">
-                                  <p:stCondLst>
-                                    <p:cond delay="0"/>
-                                  </p:stCondLst>
-                                  <p:childTnLst>
-                                    <p:set>
-                                      <p:cBhvr>
-                                        <p:cTn id="6" dur="1" fill="hold">
-                                          <p:stCondLst>
-                                            <p:cond delay="0"/>
-                                          </p:stCondLst>
-                                        </p:cTn>
-                                        <p:tgtEl>
-                                          <p:spTgt spid="3">
-                                            <p:txEl>
-                                              <p:pRg st="21" end="21"/>
-                                            </p:txEl>
-                                          </p:spTgt>
-                                        </p:tgtEl>
-                                        <p:attrNameLst>
-                                          <p:attrName>style.visibility</p:attrName>
-                                        </p:attrNameLst>
-                                      </p:cBhvr>
-                                      <p:to>
-                                        <p:strVal val="visible"/>
-                                      </p:to>
-                                    </p:set>
-                                  </p:childTnLst>
-                                </p:cTn>
-                              </p:par>
-                            </p:childTnLst>
-                          </p:cTn>
-                        </p:par>
-                      </p:childTnLst>
-                    </p:cTn>
-                  </p:par>
-                  <p:par>
-                    <p:cTn id="7" fill="hold">
-                      <p:stCondLst>
-                        <p:cond delay="indefinite"/>
-                      </p:stCondLst>
-                      <p:childTnLst>
-                        <p:par>
-                          <p:cTn id="8" fill="hold">
-                            <p:stCondLst>
-                              <p:cond delay="0"/>
-                            </p:stCondLst>
-                            <p:childTnLst>
-                              <p:par>
-                                <p:cTn id="9" presetID="1" presetClass="entr" presetSubtype="0" fill="hold" grpId="0" nodeType="clickEffect">
-                                  <p:stCondLst>
-                                    <p:cond delay="0"/>
-                                  </p:stCondLst>
-                                  <p:childTnLst>
-                                    <p:set>
-                                      <p:cBhvr>
-                                        <p:cTn id="10" dur="1" fill="hold">
-                                          <p:stCondLst>
-                                            <p:cond delay="0"/>
-                                          </p:stCondLst>
-                                        </p:cTn>
-                                        <p:tgtEl>
-                                          <p:spTgt spid="3">
-                                            <p:txEl>
-                                              <p:pRg st="22" end="22"/>
-                                            </p:txEl>
-                                          </p:spTgt>
-                                        </p:tgtEl>
-                                        <p:attrNameLst>
-                                          <p:attrName>style.visibility</p:attrName>
-                                        </p:attrNameLst>
-                                      </p:cBhvr>
-                                      <p:to>
-                                        <p:strVal val="visible"/>
-                                      </p:to>
-                                    </p:set>
-                                  </p:childTnLst>
-                                </p:cTn>
-                              </p:par>
-                            </p:childTnLst>
-                          </p:cTn>
-                        </p:par>
-                      </p:childTnLst>
-                    </p:cTn>
-                  </p:par>
-                  <p:par>
-                    <p:cTn id="11" fill="hold">
-                      <p:stCondLst>
-                        <p:cond delay="indefinite"/>
-                      </p:stCondLst>
-                      <p:childTnLst>
-                        <p:par>
-                          <p:cTn id="12" fill="hold">
-                            <p:stCondLst>
-                              <p:cond delay="0"/>
-                            </p:stCondLst>
-                            <p:childTnLst>
-                              <p:par>
-                                <p:cTn id="13" presetID="1" presetClass="entr" presetSubtype="0" fill="hold" grpId="0" nodeType="clickEffect">
-                                  <p:stCondLst>
-                                    <p:cond delay="0"/>
-                                  </p:stCondLst>
-                                  <p:childTnLst>
-                                    <p:set>
-                                      <p:cBhvr>
-                                        <p:cTn id="14" dur="1" fill="hold">
-                                          <p:stCondLst>
-                                            <p:cond delay="0"/>
-                                          </p:stCondLst>
-                                        </p:cTn>
-                                        <p:tgtEl>
-                                          <p:spTgt spid="3">
-                                            <p:txEl>
-                                              <p:pRg st="23" end="23"/>
-                                            </p:txEl>
-                                          </p:spTgt>
-                                        </p:tgtEl>
-                                        <p:attrNameLst>
-                                          <p:attrName>style.visibility</p:attrName>
-                                        </p:attrNameLst>
-                                      </p:cBhvr>
-                                      <p:to>
-                                        <p:strVal val="visible"/>
-                                      </p:to>
-                                    </p:set>
-                                  </p:childTnLst>
-                                </p:cTn>
-                              </p:par>
-                            </p:childTnLst>
-                          </p:cTn>
-                        </p:par>
-                      </p:childTnLst>
-                    </p:cTn>
-                  </p:par>
-                  <p:par>
-                    <p:cTn id="15" fill="hold">
-                      <p:stCondLst>
-                        <p:cond delay="indefinite"/>
-                      </p:stCondLst>
-                      <p:childTnLst>
-                        <p:par>
-                          <p:cTn id="16" fill="hold">
-                            <p:stCondLst>
-                              <p:cond delay="0"/>
-                            </p:stCondLst>
-                            <p:childTnLst>
-                              <p:par>
-                                <p:cTn id="17" presetID="1" presetClass="entr" presetSubtype="0" fill="hold" grpId="0" nodeType="clickEffect">
-                                  <p:stCondLst>
-                                    <p:cond delay="0"/>
-                                  </p:stCondLst>
-                                  <p:childTnLst>
-                                    <p:set>
-                                      <p:cBhvr>
-                                        <p:cTn id="18" dur="1" fill="hold">
-                                          <p:stCondLst>
-                                            <p:cond delay="0"/>
-                                          </p:stCondLst>
-                                        </p:cTn>
-                                        <p:tgtEl>
-                                          <p:spTgt spid="3">
-                                            <p:txEl>
-                                              <p:pRg st="24" end="24"/>
-                                            </p:txEl>
-                                          </p:spTgt>
-                                        </p:tgtEl>
-                                        <p:attrNameLst>
-                                          <p:attrName>style.visibility</p:attrName>
-                                        </p:attrNameLst>
-                                      </p:cBhvr>
-                                      <p:to>
-                                        <p:strVal val="visible"/>
-                                      </p:to>
-                                    </p:set>
-                                  </p:childTnLst>
-                                </p:cTn>
-                              </p:par>
-                            </p:childTnLst>
-                          </p:cTn>
-                        </p:par>
-                      </p:childTnLst>
-                    </p:cTn>
-                  </p:par>
-                  <p:par>
-                    <p:cTn id="19" fill="hold">
-                      <p:stCondLst>
-                        <p:cond delay="indefinite"/>
-                      </p:stCondLst>
-                      <p:childTnLst>
-                        <p:par>
-                          <p:cTn id="20" fill="hold">
-                            <p:stCondLst>
-                              <p:cond delay="0"/>
-                            </p:stCondLst>
-                            <p:childTnLst>
-                              <p:par>
-                                <p:cTn id="21" presetID="1" presetClass="entr" presetSubtype="0" fill="hold" grpId="0" nodeType="clickEffect">
-                                  <p:stCondLst>
-                                    <p:cond delay="0"/>
-                                  </p:stCondLst>
-                                  <p:childTnLst>
-                                    <p:set>
-                                      <p:cBhvr>
-                                        <p:cTn id="22" dur="1" fill="hold">
-                                          <p:stCondLst>
-                                            <p:cond delay="0"/>
-                                          </p:stCondLst>
-                                        </p:cTn>
-                                        <p:tgtEl>
-                                          <p:spTgt spid="3">
-                                            <p:txEl>
-                                              <p:pRg st="25" end="25"/>
-                                            </p:txEl>
-                                          </p:spTgt>
-                                        </p:tgtEl>
-                                        <p:attrNameLst>
-                                          <p:attrName>style.visibility</p:attrName>
-                                        </p:attrNameLst>
-                                      </p:cBhvr>
-                                      <p:to>
-                                        <p:strVal val="visible"/>
-                                      </p:to>
-                                    </p:set>
-                                  </p:childTnLst>
-                                </p:cTn>
-                              </p:par>
-                            </p:childTnLst>
-                          </p:cTn>
-                        </p:par>
-                      </p:childTnLst>
-                    </p:cTn>
-                  </p:par>
-                  <p:par>
-                    <p:cTn id="23" fill="hold">
-                      <p:stCondLst>
-                        <p:cond delay="indefinite"/>
-                      </p:stCondLst>
-                      <p:childTnLst>
-                        <p:par>
-                          <p:cTn id="24" fill="hold">
-                            <p:stCondLst>
-                              <p:cond delay="0"/>
-                            </p:stCondLst>
-                            <p:childTnLst>
-                              <p:par>
-                                <p:cTn id="25" presetID="1" presetClass="entr" presetSubtype="0" fill="hold" grpId="0" nodeType="clickEffect">
-                                  <p:stCondLst>
-                                    <p:cond delay="0"/>
-                                  </p:stCondLst>
-                                  <p:childTnLst>
-                                    <p:set>
-                                      <p:cBhvr>
-                                        <p:cTn id="26" dur="1" fill="hold">
-                                          <p:stCondLst>
-                                            <p:cond delay="0"/>
-                                          </p:stCondLst>
-                                        </p:cTn>
-                                        <p:tgtEl>
-                                          <p:spTgt spid="3">
-                                            <p:txEl>
-                                              <p:pRg st="28" end="28"/>
-                                            </p:txEl>
-                                          </p:spTgt>
-                                        </p:tgtEl>
-                                        <p:attrNameLst>
-                                          <p:attrName>style.visibility</p:attrName>
-                                        </p:attrNameLst>
-                                      </p:cBhvr>
-                                      <p:to>
-                                        <p:strVal val="visible"/>
-                                      </p:to>
-                                    </p:set>
-                                  </p:childTnLst>
-                                </p:cTn>
-                              </p:par>
-                            </p:childTnLst>
-                          </p:cTn>
-                        </p:par>
-                      </p:childTnLst>
-                    </p:cTn>
-                  </p:par>
-                  <p:par>
-                    <p:cTn id="27" fill="hold">
-                      <p:stCondLst>
-                        <p:cond delay="indefinite"/>
-                      </p:stCondLst>
-                      <p:childTnLst>
-                        <p:par>
-                          <p:cTn id="28" fill="hold">
-                            <p:stCondLst>
-                              <p:cond delay="0"/>
-                            </p:stCondLst>
-                            <p:childTnLst>
-                              <p:par>
-                                <p:cTn id="29" presetID="1" presetClass="entr" presetSubtype="0" fill="hold" grpId="0" nodeType="clickEffect">
-                                  <p:stCondLst>
-                                    <p:cond delay="0"/>
-                                  </p:stCondLst>
-                                  <p:childTnLst>
-                                    <p:set>
-                                      <p:cBhvr>
-                                        <p:cTn id="30" dur="1" fill="hold">
-                                          <p:stCondLst>
-                                            <p:cond delay="0"/>
-                                          </p:stCondLst>
-                                        </p:cTn>
-                                        <p:tgtEl>
-                                          <p:spTgt spid="3">
-                                            <p:txEl>
-                                              <p:pRg st="29" end="29"/>
-                                            </p:txEl>
-                                          </p:spTgt>
-                                        </p:tgtEl>
-                                        <p:attrNameLst>
-                                          <p:attrName>style.visibility</p:attrName>
-                                        </p:attrNameLst>
-                                      </p:cBhvr>
-                                      <p:to>
-                                        <p:strVal val="visible"/>
-                                      </p:to>
-                                    </p:set>
-                                  </p:childTnLst>
-                                </p:cTn>
-                              </p:par>
-                            </p:childTnLst>
-                          </p:cTn>
-                        </p:par>
-                      </p:childTnLst>
-                    </p:cTn>
-                  </p:par>
-                  <p:par>
-                    <p:cTn id="31" fill="hold">
-                      <p:stCondLst>
-                        <p:cond delay="indefinite"/>
-                      </p:stCondLst>
-                      <p:childTnLst>
-                        <p:par>
-                          <p:cTn id="32" fill="hold">
-                            <p:stCondLst>
-                              <p:cond delay="0"/>
-                            </p:stCondLst>
-                            <p:childTnLst>
-                              <p:par>
-                                <p:cTn id="33" presetID="1" presetClass="entr" presetSubtype="0" fill="hold" grpId="0" nodeType="clickEffect">
-                                  <p:stCondLst>
-                                    <p:cond delay="0"/>
-                                  </p:stCondLst>
-                                  <p:childTnLst>
-                                    <p:set>
-                                      <p:cBhvr>
-                                        <p:cTn id="34" dur="1" fill="hold">
-                                          <p:stCondLst>
-                                            <p:cond delay="0"/>
-                                          </p:stCondLst>
-                                        </p:cTn>
-                                        <p:tgtEl>
-                                          <p:spTgt spid="3">
-                                            <p:txEl>
-                                              <p:pRg st="30" end="30"/>
-                                            </p:txEl>
-                                          </p:spTgt>
-                                        </p:tgtEl>
-                                        <p:attrNameLst>
-                                          <p:attrName>style.visibility</p:attrName>
-                                        </p:attrNameLst>
-                                      </p:cBhvr>
-                                      <p:to>
-                                        <p:strVal val="visible"/>
-                                      </p:to>
-                                    </p:set>
-                                  </p:childTnLst>
-                                </p:cTn>
-                              </p:par>
-                            </p:childTnLst>
-                          </p:cTn>
-                        </p:par>
-                      </p:childTnLst>
-                    </p:cTn>
-                  </p:par>
-                  <p:par>
-                    <p:cTn id="35" fill="hold">
-                      <p:stCondLst>
-                        <p:cond delay="indefinite"/>
-                      </p:stCondLst>
-                      <p:childTnLst>
-                        <p:par>
-                          <p:cTn id="36" fill="hold">
-                            <p:stCondLst>
-                              <p:cond delay="0"/>
-                            </p:stCondLst>
-                            <p:childTnLst>
-                              <p:par>
-                                <p:cTn id="37" presetID="1" presetClass="entr" presetSubtype="0" fill="hold" grpId="0" nodeType="clickEffect">
-                                  <p:stCondLst>
-                                    <p:cond delay="0"/>
-                                  </p:stCondLst>
-                                  <p:childTnLst>
-                                    <p:set>
-                                      <p:cBhvr>
-                                        <p:cTn id="38" dur="1" fill="hold">
-                                          <p:stCondLst>
-                                            <p:cond delay="0"/>
-                                          </p:stCondLst>
-                                        </p:cTn>
-                                        <p:tgtEl>
-                                          <p:spTgt spid="3">
-                                            <p:txEl>
-                                              <p:pRg st="31" end="31"/>
-                                            </p:txEl>
-                                          </p:spTgt>
-                                        </p:tgtEl>
-                                        <p:attrNameLst>
-                                          <p:attrName>style.visibility</p:attrName>
-                                        </p:attrNameLst>
-                                      </p:cBhvr>
-                                      <p:to>
-                                        <p:strVal val="visible"/>
-                                      </p:to>
-                                    </p:set>
-                                  </p:childTnLst>
-                                </p:cTn>
-                              </p:par>
-                            </p:childTnLst>
-                          </p:cTn>
-                        </p:par>
-                      </p:childTnLst>
-                    </p:cTn>
-                  </p:par>
-                  <p:par>
-                    <p:cTn id="39" fill="hold">
-                      <p:stCondLst>
-                        <p:cond delay="indefinite"/>
-                      </p:stCondLst>
-                      <p:childTnLst>
-                        <p:par>
-                          <p:cTn id="40" fill="hold">
-                            <p:stCondLst>
-                              <p:cond delay="0"/>
-                            </p:stCondLst>
-                            <p:childTnLst>
-                              <p:par>
-                                <p:cTn id="41" presetID="1" presetClass="entr" presetSubtype="0" fill="hold" grpId="0" nodeType="clickEffect">
-                                  <p:stCondLst>
-                                    <p:cond delay="0"/>
-                                  </p:stCondLst>
-                                  <p:childTnLst>
-                                    <p:set>
-                                      <p:cBhvr>
-                                        <p:cTn id="42" dur="1" fill="hold">
-                                          <p:stCondLst>
-                                            <p:cond delay="0"/>
-                                          </p:stCondLst>
-                                        </p:cTn>
-                                        <p:tgtEl>
-                                          <p:spTgt spid="3">
-                                            <p:txEl>
-                                              <p:pRg st="32" end="32"/>
                                             </p:txEl>
                                           </p:spTgt>
                                         </p:tgtEl>
@@ -8192,6 +5440,575 @@
 </p:sld>
 </file>
 
+<file path=ppt/slides/slide11.xml><?xml version="1.0" encoding="utf-8"?>
+<p:sld xmlns:a="http://schemas.openxmlformats.org/drawingml/2006/main" xmlns:r="http://schemas.openxmlformats.org/officeDocument/2006/relationships" xmlns:p="http://schemas.openxmlformats.org/presentationml/2006/main">
+  <p:cSld>
+    <p:spTree>
+      <p:nvGrpSpPr>
+        <p:cNvPr id="1" name=""/>
+        <p:cNvGrpSpPr/>
+        <p:nvPr/>
+      </p:nvGrpSpPr>
+      <p:grpSpPr>
+        <a:xfrm>
+          <a:off x="0" y="0"/>
+          <a:ext cx="0" cy="0"/>
+          <a:chOff x="0" y="0"/>
+          <a:chExt cx="0" cy="0"/>
+        </a:xfrm>
+      </p:grpSpPr>
+      <p:sp>
+        <p:nvSpPr>
+          <p:cNvPr id="2" name="Title 1">
+            <a:extLst>
+              <a:ext uri="{FF2B5EF4-FFF2-40B4-BE49-F238E27FC236}">
+                <a16:creationId xmlns:a16="http://schemas.microsoft.com/office/drawing/2014/main" id="{FF6A6CB2-D1B6-B94A-84C1-83C65423C650}"/>
+              </a:ext>
+            </a:extLst>
+          </p:cNvPr>
+          <p:cNvSpPr>
+            <a:spLocks noGrp="1"/>
+          </p:cNvSpPr>
+          <p:nvPr>
+            <p:ph type="title"/>
+          </p:nvPr>
+        </p:nvSpPr>
+        <p:spPr>
+          <a:xfrm>
+            <a:off x="831851" y="1709742"/>
+            <a:ext cx="10515600" cy="2852737"/>
+          </a:xfrm>
+          <a:prstGeom prst="rect">
+            <a:avLst/>
+          </a:prstGeom>
+        </p:spPr>
+        <p:txBody>
+          <a:bodyPr/>
+          <a:lstStyle/>
+          <a:p>
+            <a:pPr lvl="0" indent="0" marL="0">
+              <a:buNone/>
+            </a:pPr>
+            <a:r>
+              <a:rPr/>
+              <a:t>I can’t make bricks without clay!</a:t>
+            </a:r>
+          </a:p>
+        </p:txBody>
+      </p:sp>
+    </p:spTree>
+  </p:cSld>
+</p:sld>
+</file>
+
+<file path=ppt/slides/slide12.xml><?xml version="1.0" encoding="utf-8"?>
+<p:sld xmlns:a="http://schemas.openxmlformats.org/drawingml/2006/main" xmlns:r="http://schemas.openxmlformats.org/officeDocument/2006/relationships" xmlns:p="http://schemas.openxmlformats.org/presentationml/2006/main">
+  <p:cSld>
+    <p:spTree>
+      <p:nvGrpSpPr>
+        <p:cNvPr id="1" name=""/>
+        <p:cNvGrpSpPr/>
+        <p:nvPr/>
+      </p:nvGrpSpPr>
+      <p:grpSpPr>
+        <a:xfrm>
+          <a:off x="0" y="0"/>
+          <a:ext cx="0" cy="0"/>
+          <a:chOff x="0" y="0"/>
+          <a:chExt cx="0" cy="0"/>
+        </a:xfrm>
+      </p:grpSpPr>
+      <p:sp>
+        <p:nvSpPr>
+          <p:cNvPr id="2" name="Title 1">
+            <a:extLst>
+              <a:ext uri="{FF2B5EF4-FFF2-40B4-BE49-F238E27FC236}">
+                <a16:creationId xmlns:a16="http://schemas.microsoft.com/office/drawing/2014/main" id="{DD9B8E45-0772-954C-8D4B-6E6808DFEDED}"/>
+              </a:ext>
+            </a:extLst>
+          </p:cNvPr>
+          <p:cNvSpPr>
+            <a:spLocks noGrp="1"/>
+          </p:cNvSpPr>
+          <p:nvPr>
+            <p:ph type="title"/>
+          </p:nvPr>
+        </p:nvSpPr>
+        <p:spPr>
+          <a:xfrm>
+            <a:off x="838200" y="365129"/>
+            <a:ext cx="10002520" cy="1325563"/>
+          </a:xfrm>
+          <a:prstGeom prst="rect">
+            <a:avLst/>
+          </a:prstGeom>
+        </p:spPr>
+        <p:txBody>
+          <a:bodyPr/>
+          <a:lstStyle/>
+          <a:p>
+            <a:pPr lvl="0" indent="0" marL="0">
+              <a:buNone/>
+            </a:pPr>
+            <a:r>
+              <a:rPr/>
+              <a:t>A psychologist? A scientist?</a:t>
+            </a:r>
+          </a:p>
+        </p:txBody>
+      </p:sp>
+      <p:pic>
+        <p:nvPicPr>
+          <p:cNvPr descr="images/paste-DE336E79.png" id="0" name="Picture 1"/>
+          <p:cNvPicPr>
+            <a:picLocks noGrp="1" noChangeAspect="1"/>
+          </p:cNvPicPr>
+          <p:nvPr/>
+        </p:nvPicPr>
+        <p:blipFill>
+          <a:blip r:embed="rId2"/>
+          <a:stretch>
+            <a:fillRect/>
+          </a:stretch>
+        </p:blipFill>
+        <p:spPr bwMode="auto">
+          <a:xfrm>
+            <a:off x="2222500" y="1816100"/>
+            <a:ext cx="7747000" cy="4343400"/>
+          </a:xfrm>
+          <a:prstGeom prst="rect">
+            <a:avLst/>
+          </a:prstGeom>
+          <a:noFill/>
+          <a:ln w="9525">
+            <a:noFill/>
+            <a:headEnd/>
+            <a:tailEnd/>
+          </a:ln>
+        </p:spPr>
+      </p:pic>
+    </p:spTree>
+  </p:cSld>
+</p:sld>
+</file>
+
+<file path=ppt/slides/slide13.xml><?xml version="1.0" encoding="utf-8"?>
+<p:sld xmlns:a="http://schemas.openxmlformats.org/drawingml/2006/main" xmlns:r="http://schemas.openxmlformats.org/officeDocument/2006/relationships" xmlns:p="http://schemas.openxmlformats.org/presentationml/2006/main">
+  <p:cSld>
+    <p:spTree>
+      <p:nvGrpSpPr>
+        <p:cNvPr id="1" name=""/>
+        <p:cNvGrpSpPr/>
+        <p:nvPr/>
+      </p:nvGrpSpPr>
+      <p:grpSpPr>
+        <a:xfrm>
+          <a:off x="0" y="0"/>
+          <a:ext cx="0" cy="0"/>
+          <a:chOff x="0" y="0"/>
+          <a:chExt cx="0" cy="0"/>
+        </a:xfrm>
+      </p:grpSpPr>
+      <p:sp>
+        <p:nvSpPr>
+          <p:cNvPr id="3" name="Content Placeholder 2">
+            <a:extLst>
+              <a:ext uri="{FF2B5EF4-FFF2-40B4-BE49-F238E27FC236}">
+                <a16:creationId xmlns:a16="http://schemas.microsoft.com/office/drawing/2014/main" id="{A4EB24F9-04F1-C843-9D71-56C5C024552B}"/>
+              </a:ext>
+            </a:extLst>
+          </p:cNvPr>
+          <p:cNvSpPr>
+            <a:spLocks noGrp="1"/>
+          </p:cNvSpPr>
+          <p:nvPr>
+            <p:ph idx="1"/>
+          </p:nvPr>
+        </p:nvSpPr>
+        <p:spPr/>
+        <p:txBody>
+          <a:bodyPr/>
+          <a:lstStyle/>
+          <a:p>
+            <a:pPr lvl="0" indent="0" marL="0">
+              <a:buNone/>
+            </a:pPr>
+            <a:r>
+              <a:rPr/>
+              <a:t>In this instance, Sherlock is talking about the need for data prior to solving a case. You can’t do science without data.</a:t>
+            </a:r>
+          </a:p>
+        </p:txBody>
+      </p:sp>
+    </p:spTree>
+  </p:cSld>
+</p:sld>
+</file>
+
+<file path=ppt/slides/slide14.xml><?xml version="1.0" encoding="utf-8"?>
+<p:sld xmlns:a="http://schemas.openxmlformats.org/drawingml/2006/main" xmlns:r="http://schemas.openxmlformats.org/officeDocument/2006/relationships" xmlns:p="http://schemas.openxmlformats.org/presentationml/2006/main">
+  <p:cSld>
+    <p:spTree>
+      <p:nvGrpSpPr>
+        <p:cNvPr id="1" name=""/>
+        <p:cNvGrpSpPr/>
+        <p:nvPr/>
+      </p:nvGrpSpPr>
+      <p:grpSpPr>
+        <a:xfrm>
+          <a:off x="0" y="0"/>
+          <a:ext cx="0" cy="0"/>
+          <a:chOff x="0" y="0"/>
+          <a:chExt cx="0" cy="0"/>
+        </a:xfrm>
+      </p:grpSpPr>
+      <p:sp>
+        <p:nvSpPr>
+          <p:cNvPr id="2" name="Title 1">
+            <a:extLst>
+              <a:ext uri="{FF2B5EF4-FFF2-40B4-BE49-F238E27FC236}">
+                <a16:creationId xmlns:a16="http://schemas.microsoft.com/office/drawing/2014/main" id="{DD9B8E45-0772-954C-8D4B-6E6808DFEDED}"/>
+              </a:ext>
+            </a:extLst>
+          </p:cNvPr>
+          <p:cNvSpPr>
+            <a:spLocks noGrp="1"/>
+          </p:cNvSpPr>
+          <p:nvPr>
+            <p:ph type="title"/>
+          </p:nvPr>
+        </p:nvSpPr>
+        <p:spPr>
+          <a:xfrm>
+            <a:off x="838200" y="365129"/>
+            <a:ext cx="10002520" cy="1325563"/>
+          </a:xfrm>
+          <a:prstGeom prst="rect">
+            <a:avLst/>
+          </a:prstGeom>
+        </p:spPr>
+        <p:txBody>
+          <a:bodyPr/>
+          <a:lstStyle/>
+          <a:p>
+            <a:pPr lvl="0" indent="0" marL="0">
+              <a:buNone/>
+            </a:pPr>
+            <a:r>
+              <a:rPr/>
+              <a:t>Scientists base their ‘claims’ on EVIDENCE</a:t>
+            </a:r>
+          </a:p>
+        </p:txBody>
+      </p:sp>
+      <p:pic>
+        <p:nvPicPr>
+          <p:cNvPr descr="images/paste-F158EEA8.png" id="0" name="Picture 1"/>
+          <p:cNvPicPr>
+            <a:picLocks noGrp="1" noChangeAspect="1"/>
+          </p:cNvPicPr>
+          <p:nvPr/>
+        </p:nvPicPr>
+        <p:blipFill>
+          <a:blip r:embed="rId2"/>
+          <a:stretch>
+            <a:fillRect/>
+          </a:stretch>
+        </p:blipFill>
+        <p:spPr bwMode="auto">
+          <a:xfrm>
+            <a:off x="1917700" y="1816100"/>
+            <a:ext cx="8356600" cy="4343400"/>
+          </a:xfrm>
+          <a:prstGeom prst="rect">
+            <a:avLst/>
+          </a:prstGeom>
+          <a:noFill/>
+          <a:ln w="9525">
+            <a:noFill/>
+            <a:headEnd/>
+            <a:tailEnd/>
+          </a:ln>
+        </p:spPr>
+      </p:pic>
+    </p:spTree>
+  </p:cSld>
+</p:sld>
+</file>
+
+<file path=ppt/slides/slide15.xml><?xml version="1.0" encoding="utf-8"?>
+<p:sld xmlns:a="http://schemas.openxmlformats.org/drawingml/2006/main" xmlns:r="http://schemas.openxmlformats.org/officeDocument/2006/relationships" xmlns:p="http://schemas.openxmlformats.org/presentationml/2006/main">
+  <p:cSld>
+    <p:spTree>
+      <p:nvGrpSpPr>
+        <p:cNvPr id="1" name=""/>
+        <p:cNvGrpSpPr/>
+        <p:nvPr/>
+      </p:nvGrpSpPr>
+      <p:grpSpPr>
+        <a:xfrm>
+          <a:off x="0" y="0"/>
+          <a:ext cx="0" cy="0"/>
+          <a:chOff x="0" y="0"/>
+          <a:chExt cx="0" cy="0"/>
+        </a:xfrm>
+      </p:grpSpPr>
+      <p:sp>
+        <p:nvSpPr>
+          <p:cNvPr id="2" name="Title 1">
+            <a:extLst>
+              <a:ext uri="{FF2B5EF4-FFF2-40B4-BE49-F238E27FC236}">
+                <a16:creationId xmlns:a16="http://schemas.microsoft.com/office/drawing/2014/main" id="{DD9B8E45-0772-954C-8D4B-6E6808DFEDED}"/>
+              </a:ext>
+            </a:extLst>
+          </p:cNvPr>
+          <p:cNvSpPr>
+            <a:spLocks noGrp="1"/>
+          </p:cNvSpPr>
+          <p:nvPr>
+            <p:ph type="title"/>
+          </p:nvPr>
+        </p:nvSpPr>
+        <p:spPr>
+          <a:xfrm>
+            <a:off x="838200" y="365129"/>
+            <a:ext cx="10002520" cy="1325563"/>
+          </a:xfrm>
+          <a:prstGeom prst="rect">
+            <a:avLst/>
+          </a:prstGeom>
+        </p:spPr>
+        <p:txBody>
+          <a:bodyPr/>
+          <a:lstStyle/>
+          <a:p>
+            <a:pPr lvl="0" indent="0" marL="0">
+              <a:buNone/>
+            </a:pPr>
+            <a:r>
+              <a:rPr/>
+              <a:t>Evidence quality = claim quality!</a:t>
+            </a:r>
+          </a:p>
+        </p:txBody>
+      </p:sp>
+      <p:pic>
+        <p:nvPicPr>
+          <p:cNvPr descr="images/paste-BD7BCD67.png" id="0" name="Picture 1"/>
+          <p:cNvPicPr>
+            <a:picLocks noGrp="1" noChangeAspect="1"/>
+          </p:cNvPicPr>
+          <p:nvPr/>
+        </p:nvPicPr>
+        <p:blipFill>
+          <a:blip r:embed="rId2"/>
+          <a:stretch>
+            <a:fillRect/>
+          </a:stretch>
+        </p:blipFill>
+        <p:spPr bwMode="auto">
+          <a:xfrm>
+            <a:off x="2260600" y="1816100"/>
+            <a:ext cx="7658100" cy="4343400"/>
+          </a:xfrm>
+          <a:prstGeom prst="rect">
+            <a:avLst/>
+          </a:prstGeom>
+          <a:noFill/>
+          <a:ln w="9525">
+            <a:noFill/>
+            <a:headEnd/>
+            <a:tailEnd/>
+          </a:ln>
+        </p:spPr>
+      </p:pic>
+    </p:spTree>
+  </p:cSld>
+</p:sld>
+</file>
+
+<file path=ppt/slides/slide16.xml><?xml version="1.0" encoding="utf-8"?>
+<p:sld xmlns:a="http://schemas.openxmlformats.org/drawingml/2006/main" xmlns:r="http://schemas.openxmlformats.org/officeDocument/2006/relationships" xmlns:p="http://schemas.openxmlformats.org/presentationml/2006/main">
+  <p:cSld>
+    <p:spTree>
+      <p:nvGrpSpPr>
+        <p:cNvPr id="1" name=""/>
+        <p:cNvGrpSpPr/>
+        <p:nvPr/>
+      </p:nvGrpSpPr>
+      <p:grpSpPr>
+        <a:xfrm>
+          <a:off x="0" y="0"/>
+          <a:ext cx="0" cy="0"/>
+          <a:chOff x="0" y="0"/>
+          <a:chExt cx="0" cy="0"/>
+        </a:xfrm>
+      </p:grpSpPr>
+      <p:sp>
+        <p:nvSpPr>
+          <p:cNvPr id="2" name="Title 1">
+            <a:extLst>
+              <a:ext uri="{FF2B5EF4-FFF2-40B4-BE49-F238E27FC236}">
+                <a16:creationId xmlns:a16="http://schemas.microsoft.com/office/drawing/2014/main" id="{DD9B8E45-0772-954C-8D4B-6E6808DFEDED}"/>
+              </a:ext>
+            </a:extLst>
+          </p:cNvPr>
+          <p:cNvSpPr>
+            <a:spLocks noGrp="1"/>
+          </p:cNvSpPr>
+          <p:nvPr>
+            <p:ph type="title"/>
+          </p:nvPr>
+        </p:nvSpPr>
+        <p:spPr>
+          <a:xfrm>
+            <a:off x="838200" y="365129"/>
+            <a:ext cx="10002520" cy="1325563"/>
+          </a:xfrm>
+          <a:prstGeom prst="rect">
+            <a:avLst/>
+          </a:prstGeom>
+        </p:spPr>
+        <p:txBody>
+          <a:bodyPr/>
+          <a:lstStyle/>
+          <a:p>
+            <a:pPr lvl="0" indent="0" marL="0">
+              <a:buNone/>
+            </a:pPr>
+            <a:r>
+              <a:rPr/>
+              <a:t>It starts with a hypothesis</a:t>
+            </a:r>
+          </a:p>
+        </p:txBody>
+      </p:sp>
+      <p:pic>
+        <p:nvPicPr>
+          <p:cNvPr descr="images/paste-D3D307F4.png" id="0" name="Picture 1"/>
+          <p:cNvPicPr>
+            <a:picLocks noGrp="1" noChangeAspect="1"/>
+          </p:cNvPicPr>
+          <p:nvPr/>
+        </p:nvPicPr>
+        <p:blipFill>
+          <a:blip r:embed="rId2"/>
+          <a:stretch>
+            <a:fillRect/>
+          </a:stretch>
+        </p:blipFill>
+        <p:spPr bwMode="auto">
+          <a:xfrm>
+            <a:off x="939800" y="1816100"/>
+            <a:ext cx="10312400" cy="4343400"/>
+          </a:xfrm>
+          <a:prstGeom prst="rect">
+            <a:avLst/>
+          </a:prstGeom>
+          <a:noFill/>
+          <a:ln w="9525">
+            <a:noFill/>
+            <a:headEnd/>
+            <a:tailEnd/>
+          </a:ln>
+        </p:spPr>
+      </p:pic>
+    </p:spTree>
+  </p:cSld>
+</p:sld>
+</file>
+
+<file path=ppt/slides/slide17.xml><?xml version="1.0" encoding="utf-8"?>
+<p:sld xmlns:a="http://schemas.openxmlformats.org/drawingml/2006/main" xmlns:r="http://schemas.openxmlformats.org/officeDocument/2006/relationships" xmlns:p="http://schemas.openxmlformats.org/presentationml/2006/main">
+  <p:cSld>
+    <p:spTree>
+      <p:nvGrpSpPr>
+        <p:cNvPr id="1" name=""/>
+        <p:cNvGrpSpPr/>
+        <p:nvPr/>
+      </p:nvGrpSpPr>
+      <p:grpSpPr>
+        <a:xfrm>
+          <a:off x="0" y="0"/>
+          <a:ext cx="0" cy="0"/>
+          <a:chOff x="0" y="0"/>
+          <a:chExt cx="0" cy="0"/>
+        </a:xfrm>
+      </p:grpSpPr>
+      <p:sp>
+        <p:nvSpPr>
+          <p:cNvPr id="2" name="Title 1">
+            <a:extLst>
+              <a:ext uri="{FF2B5EF4-FFF2-40B4-BE49-F238E27FC236}">
+                <a16:creationId xmlns:a16="http://schemas.microsoft.com/office/drawing/2014/main" id="{DD9B8E45-0772-954C-8D4B-6E6808DFEDED}"/>
+              </a:ext>
+            </a:extLst>
+          </p:cNvPr>
+          <p:cNvSpPr>
+            <a:spLocks noGrp="1"/>
+          </p:cNvSpPr>
+          <p:nvPr>
+            <p:ph type="title"/>
+          </p:nvPr>
+        </p:nvSpPr>
+        <p:spPr>
+          <a:xfrm>
+            <a:off x="838200" y="365129"/>
+            <a:ext cx="10002520" cy="1325563"/>
+          </a:xfrm>
+          <a:prstGeom prst="rect">
+            <a:avLst/>
+          </a:prstGeom>
+        </p:spPr>
+        <p:txBody>
+          <a:bodyPr/>
+          <a:lstStyle/>
+          <a:p>
+            <a:pPr lvl="0" indent="0" marL="0">
+              <a:buNone/>
+            </a:pPr>
+            <a:r>
+              <a:rPr/>
+              <a:t>recap on hypotheses</a:t>
+            </a:r>
+          </a:p>
+        </p:txBody>
+      </p:sp>
+      <p:pic>
+        <p:nvPicPr>
+          <p:cNvPr descr="images/paste-0E0430B8.png" id="0" name="Picture 1"/>
+          <p:cNvPicPr>
+            <a:picLocks noGrp="1" noChangeAspect="1"/>
+          </p:cNvPicPr>
+          <p:nvPr/>
+        </p:nvPicPr>
+        <p:blipFill>
+          <a:blip r:embed="rId2"/>
+          <a:stretch>
+            <a:fillRect/>
+          </a:stretch>
+        </p:blipFill>
+        <p:spPr bwMode="auto">
+          <a:xfrm>
+            <a:off x="838200" y="1981200"/>
+            <a:ext cx="10515600" cy="4000500"/>
+          </a:xfrm>
+          <a:prstGeom prst="rect">
+            <a:avLst/>
+          </a:prstGeom>
+          <a:noFill/>
+          <a:ln w="9525">
+            <a:noFill/>
+            <a:headEnd/>
+            <a:tailEnd/>
+          </a:ln>
+        </p:spPr>
+      </p:pic>
+    </p:spTree>
+  </p:cSld>
+</p:sld>
+</file>
+
 <file path=ppt/slides/slide18.xml><?xml version="1.0" encoding="utf-8"?>
 <p:sld xmlns:a="http://schemas.openxmlformats.org/drawingml/2006/main" xmlns:r="http://schemas.openxmlformats.org/officeDocument/2006/relationships" xmlns:p="http://schemas.openxmlformats.org/presentationml/2006/main">
   <p:cSld>
@@ -8214,7 +6031,7 @@
           <p:cNvPr id="2" name="Title 1">
             <a:extLst>
               <a:ext uri="{FF2B5EF4-FFF2-40B4-BE49-F238E27FC236}">
-                <a16:creationId xmlns:a16="http://schemas.microsoft.com/office/drawing/2014/main" id="{F3186003-B489-CA46-A95C-C1AECC0CA4D3}"/>
+                <a16:creationId xmlns:a16="http://schemas.microsoft.com/office/drawing/2014/main" id="{DD9B8E45-0772-954C-8D4B-6E6808DFEDED}"/>
               </a:ext>
             </a:extLst>
           </p:cNvPr>
@@ -8227,8 +6044,8 @@
         </p:nvSpPr>
         <p:spPr>
           <a:xfrm>
-            <a:off x="839788" y="457200"/>
-            <a:ext cx="3932237" cy="1600200"/>
+            <a:off x="838200" y="365129"/>
+            <a:ext cx="10002520" cy="1325563"/>
           </a:xfrm>
           <a:prstGeom prst="rect">
             <a:avLst/>
@@ -8243,48 +6060,14 @@
             </a:pPr>
             <a:r>
               <a:rPr/>
-              <a:t>Experimental Design Schematic</a:t>
-            </a:r>
-          </a:p>
-        </p:txBody>
-      </p:sp>
-      <p:sp>
-        <p:nvSpPr>
-          <p:cNvPr id="4" name="Text Placeholder 3">
-            <a:extLst>
-              <a:ext uri="{FF2B5EF4-FFF2-40B4-BE49-F238E27FC236}">
-                <a16:creationId xmlns:a16="http://schemas.microsoft.com/office/drawing/2014/main" id="{898BA411-2A54-A94A-B3FC-826281DBEADF}"/>
-              </a:ext>
-            </a:extLst>
-          </p:cNvPr>
-          <p:cNvSpPr>
-            <a:spLocks noGrp="1"/>
-          </p:cNvSpPr>
-          <p:nvPr>
-            <p:ph idx="2" sz="half" type="body"/>
-          </p:nvPr>
-        </p:nvSpPr>
-        <p:spPr/>
-        <p:txBody>
-          <a:bodyPr/>
-          <a:lstStyle/>
-          <a:p>
-            <a:pPr lvl="0" indent="0" marL="0">
-              <a:spcBef>
-                <a:spcPts val="3000"/>
-              </a:spcBef>
-              <a:buNone/>
-            </a:pPr>
-            <a:r>
-              <a:rPr b="1"/>
-              <a:t>You will be asked to keep and update the following image in draw.io</a:t>
+              <a:t>The research process</a:t>
             </a:r>
           </a:p>
         </p:txBody>
       </p:sp>
       <p:pic>
         <p:nvPicPr>
-          <p:cNvPr descr="images/Thisismydesign.drawio.png" id="0" name="Picture 1"/>
+          <p:cNvPr descr="images/paste-B4426E76.png" id="0" name="Picture 1"/>
           <p:cNvPicPr>
             <a:picLocks noGrp="1" noChangeAspect="1"/>
           </p:cNvPicPr>
@@ -8298,8 +6081,8 @@
         </p:blipFill>
         <p:spPr bwMode="auto">
           <a:xfrm>
-            <a:off x="5181600" y="1384300"/>
-            <a:ext cx="6172200" cy="4051300"/>
+            <a:off x="2222500" y="1816100"/>
+            <a:ext cx="7747000" cy="4343400"/>
           </a:xfrm>
           <a:prstGeom prst="rect">
             <a:avLst/>
@@ -8336,286 +6119,46 @@
       </p:grpSpPr>
       <p:sp>
         <p:nvSpPr>
-          <p:cNvPr id="4" name="Text Placeholder 3">
-            <a:extLst>
-              <a:ext uri="{FF2B5EF4-FFF2-40B4-BE49-F238E27FC236}">
-                <a16:creationId xmlns:a16="http://schemas.microsoft.com/office/drawing/2014/main" id="{898BA411-2A54-A94A-B3FC-826281DBEADF}"/>
-              </a:ext>
-            </a:extLst>
-          </p:cNvPr>
-          <p:cNvSpPr>
-            <a:spLocks noGrp="1"/>
-          </p:cNvSpPr>
-          <p:nvPr>
-            <p:ph idx="2" sz="half" type="body"/>
-          </p:nvPr>
-        </p:nvSpPr>
-        <p:spPr/>
+          <p:cNvPr id="2" name="Title 1">
+            <a:extLst>
+              <a:ext uri="{FF2B5EF4-FFF2-40B4-BE49-F238E27FC236}">
+                <a16:creationId xmlns:a16="http://schemas.microsoft.com/office/drawing/2014/main" id="{DD9B8E45-0772-954C-8D4B-6E6808DFEDED}"/>
+              </a:ext>
+            </a:extLst>
+          </p:cNvPr>
+          <p:cNvSpPr>
+            <a:spLocks noGrp="1"/>
+          </p:cNvSpPr>
+          <p:nvPr>
+            <p:ph type="title"/>
+          </p:nvPr>
+        </p:nvSpPr>
+        <p:spPr>
+          <a:xfrm>
+            <a:off x="838200" y="365129"/>
+            <a:ext cx="10002520" cy="1325563"/>
+          </a:xfrm>
+          <a:prstGeom prst="rect">
+            <a:avLst/>
+          </a:prstGeom>
+        </p:spPr>
         <p:txBody>
           <a:bodyPr/>
           <a:lstStyle/>
           <a:p>
             <a:pPr lvl="0" indent="0" marL="0">
-              <a:spcBef>
-                <a:spcPts val="3000"/>
-              </a:spcBef>
               <a:buNone/>
             </a:pPr>
             <a:r>
-              <a:rPr b="1"/>
-              <a:t>Lab 01</a:t>
-            </a:r>
-          </a:p>
-          <a:p>
-            <a:pPr lvl="0"/>
-            <a:r>
               <a:rPr/>
-              <a:t>Scan your attendance, find a place to sit.</a:t>
-            </a:r>
-          </a:p>
-          <a:p>
-            <a:pPr lvl="0"/>
-            <a:r>
-              <a:rPr/>
-              <a:t>Verify access to IT systems (e.g. the critically important OneDrive) and add a signature to your emails to assist College answering any questions you have.</a:t>
-            </a:r>
-          </a:p>
-          <a:p>
-            <a:pPr lvl="0"/>
-            <a:r>
-              <a:rPr/>
-              <a:t>Start brainstorming ideas for research topics for your Mini-Dissertation.</a:t>
-            </a:r>
-          </a:p>
-          <a:p>
-            <a:pPr lvl="0"/>
-            <a:r>
-              <a:rPr/>
-              <a:t>Consider ‘how’ you want to work this year</a:t>
-            </a:r>
-          </a:p>
-          <a:p>
-            <a:pPr lvl="0"/>
-            <a:r>
-              <a:rPr/>
-              <a:t>Detailed information in Lab 01 worksheet, but allow the Lab Tutor to guide you and try to get involved!</a:t>
-            </a:r>
-          </a:p>
-          <a:p>
-            <a:pPr lvl="0" indent="0" marL="0">
-              <a:spcBef>
-                <a:spcPts val="3000"/>
-              </a:spcBef>
-              <a:buNone/>
-            </a:pPr>
-            <a:r>
-              <a:rPr b="1"/>
-              <a:t>Please don’t get hung up on topic selection</a:t>
-            </a:r>
-          </a:p>
-          <a:p>
-            <a:pPr lvl="0" indent="0" marL="1270000">
-              <a:buNone/>
-            </a:pPr>
-            <a:r>
-              <a:rPr sz="2000" b="1"/>
-              <a:t>Tip</a:t>
-            </a:r>
-          </a:p>
-          <a:p>
-            <a:pPr lvl="0" indent="0" marL="1270000">
-              <a:buNone/>
-            </a:pPr>
-            <a:r>
-              <a:rPr sz="2000"/>
-              <a:t>You might think coming up with a research topic is a difficult thing. For this year, it is NOT super-important. Your Lab Tutors will be available to help you make sure it’s feasible, challenging enough but not too difficult etc.</a:t>
-            </a:r>
-          </a:p>
-          <a:p>
-            <a:pPr lvl="0" indent="0" marL="1270000">
-              <a:buNone/>
-            </a:pPr>
-            <a:r>
-              <a:rPr sz="2000"/>
-              <a:t>It does help if you are interested in it though, as it will help keep motivation up!</a:t>
-            </a:r>
-          </a:p>
-          <a:p>
-            <a:pPr lvl="0" indent="0" marL="1270000">
-              <a:buNone/>
-            </a:pPr>
-            <a:r>
-              <a:rPr sz="2000"/>
-              <a:t>If in doubt.. What about Academic Success? What aspects of personality, lifestyle, behaviour, attitude, life history etc contribute to it? And how on earth do you measure Academic Success?</a:t>
-            </a:r>
-          </a:p>
-          <a:p>
-            <a:pPr lvl="0" indent="0" marL="0">
-              <a:spcBef>
-                <a:spcPts val="3000"/>
-              </a:spcBef>
-              <a:buNone/>
-            </a:pPr>
-            <a:r>
-              <a:rPr b="1"/>
-              <a:t>Advance warning</a:t>
-            </a:r>
-          </a:p>
-          <a:p>
-            <a:pPr lvl="0" indent="0" marL="1270000">
-              <a:buNone/>
-            </a:pPr>
-          </a:p>
-          <a:p>
-            <a:pPr lvl="0" indent="0" marL="1270000">
-              <a:buNone/>
-            </a:pPr>
-            <a:r>
-              <a:rPr sz="2000"/>
-              <a:t>You will confirm your group members (3 or 4), a group name (puns encouraged), and maybe a topic area in the first half hour of Lab 02. There will be no more time available. But that will have allowed you over a week to work it out. Leave this week’s lab either with a pretty good idea of who you want to work with, ot a list of the people still un-grouped in your PT group. And then sort it out.</a:t>
-            </a:r>
-          </a:p>
-          <a:p>
-            <a:pPr lvl="0" indent="0" marL="0">
-              <a:spcBef>
-                <a:spcPts val="3000"/>
-              </a:spcBef>
-              <a:buNone/>
-            </a:pPr>
-            <a:r>
-              <a:rPr b="1"/>
-              <a:t>Some things to consider</a:t>
-            </a:r>
-          </a:p>
-          <a:p>
-            <a:pPr lvl="0" indent="0" marL="1270000">
-              <a:buNone/>
-            </a:pPr>
-            <a:r>
-              <a:rPr sz="2000" b="1"/>
-              <a:t>Caution</a:t>
-            </a:r>
-          </a:p>
-          <a:p>
-            <a:pPr lvl="0"/>
-            <a:r>
-              <a:rPr sz="2000"/>
-              <a:t>Picking something without much of a literature behind it can make life VERY difficult</a:t>
-            </a:r>
-          </a:p>
-          <a:p>
-            <a:pPr lvl="0"/>
-            <a:r>
-              <a:rPr sz="2000"/>
-              <a:t>We will try to make sure things remain manageable, we are not trying to ‘restrict’ you</a:t>
-            </a:r>
-          </a:p>
-          <a:p>
-            <a:pPr lvl="0"/>
-            <a:r>
-              <a:rPr sz="2000"/>
-              <a:t>You will not be able to do research</a:t>
-            </a:r>
-          </a:p>
-          <a:p>
-            <a:pPr lvl="1"/>
-            <a:r>
-              <a:rPr sz="2000"/>
-              <a:t>on Children</a:t>
-            </a:r>
-          </a:p>
-          <a:p>
-            <a:pPr lvl="1"/>
-            <a:r>
-              <a:rPr sz="2000"/>
-              <a:t>on Vulnerable or protected groups</a:t>
-            </a:r>
-          </a:p>
-          <a:p>
-            <a:pPr lvl="1"/>
-            <a:r>
-              <a:rPr sz="2000"/>
-              <a:t>using methods that require extensive training or specialist facilities (e.g. EEG, TMS)</a:t>
-            </a:r>
-          </a:p>
-          <a:p>
-            <a:pPr lvl="1"/>
-            <a:r>
-              <a:rPr sz="2000"/>
-              <a:t>that raises anything more than minimal ethical considerations</a:t>
-            </a:r>
-          </a:p>
-          <a:p>
-            <a:pPr lvl="1"/>
-            <a:r>
-              <a:rPr sz="2000"/>
-              <a:t>for which recruitment will be too onerous or time-consuming</a:t>
-            </a:r>
-          </a:p>
-          <a:p>
-            <a:pPr lvl="0" indent="0" marL="0">
-              <a:spcBef>
-                <a:spcPts val="3000"/>
-              </a:spcBef>
-              <a:buNone/>
-            </a:pPr>
-            <a:r>
-              <a:rPr b="1"/>
-              <a:t>Data Carpentry suggests the following for their labs</a:t>
-            </a:r>
-          </a:p>
-          <a:p>
-            <a:pPr lvl="0"/>
-            <a:r>
-              <a:rPr/>
-              <a:t>Use welcoming and inclusive language</a:t>
-            </a:r>
-          </a:p>
-          <a:p>
-            <a:pPr lvl="0"/>
-            <a:r>
-              <a:rPr/>
-              <a:t>Be respectful of different viewpoints and experiences</a:t>
-            </a:r>
-          </a:p>
-          <a:p>
-            <a:pPr lvl="0"/>
-            <a:r>
-              <a:rPr/>
-              <a:t>Gracefully accept constructive criticism</a:t>
-            </a:r>
-          </a:p>
-          <a:p>
-            <a:pPr lvl="0"/>
-            <a:r>
-              <a:rPr/>
-              <a:t>Focus on what is best for the community</a:t>
-            </a:r>
-          </a:p>
-          <a:p>
-            <a:pPr lvl="0"/>
-            <a:r>
-              <a:rPr/>
-              <a:t>Show courtesy and respect towards other community members</a:t>
-            </a:r>
-          </a:p>
-          <a:p>
-            <a:pPr lvl="0" indent="0" marL="0">
-              <a:spcBef>
-                <a:spcPts val="3000"/>
-              </a:spcBef>
-              <a:buNone/>
-            </a:pPr>
-            <a:r>
-              <a:rPr b="1"/>
-              <a:t>Recurse Center ‘Social Rules’</a:t>
+              <a:t>The simplicity of an experiment</a:t>
             </a:r>
           </a:p>
         </p:txBody>
       </p:sp>
       <p:pic>
         <p:nvPicPr>
-          <p:cNvPr descr="images/paste-753EB69B.png" id="0" name="Picture 1"/>
+          <p:cNvPr descr="images/paste-3D25B713.png" id="0" name="Picture 1"/>
           <p:cNvPicPr>
             <a:picLocks noGrp="1" noChangeAspect="1"/>
           </p:cNvPicPr>
@@ -8629,8 +6172,8 @@
         </p:blipFill>
         <p:spPr bwMode="auto">
           <a:xfrm>
-            <a:off x="6642100" y="977900"/>
-            <a:ext cx="3251200" cy="4864100"/>
+            <a:off x="2082800" y="1816100"/>
+            <a:ext cx="8039100" cy="4343400"/>
           </a:xfrm>
           <a:prstGeom prst="rect">
             <a:avLst/>
@@ -8645,529 +6188,6 @@
       </p:pic>
     </p:spTree>
   </p:cSld>
-  <p:timing>
-    <p:tnLst>
-      <p:par>
-        <p:cTn id="1" dur="indefinite" restart="never" nodeType="tmRoot">
-          <p:childTnLst>
-            <p:seq concurrent="1" nextAc="seek">
-              <p:cTn id="2" dur="indefinite" nodeType="mainSeq">
-                <p:childTnLst>
-                  <p:par>
-                    <p:cTn id="3" fill="hold">
-                      <p:stCondLst>
-                        <p:cond delay="indefinite"/>
-                      </p:stCondLst>
-                      <p:childTnLst>
-                        <p:par>
-                          <p:cTn id="4" fill="hold">
-                            <p:stCondLst>
-                              <p:cond delay="0"/>
-                            </p:stCondLst>
-                            <p:childTnLst>
-                              <p:par>
-                                <p:cTn id="5" presetID="1" presetClass="entr" presetSubtype="0" fill="hold" grpId="0" nodeType="clickEffect">
-                                  <p:stCondLst>
-                                    <p:cond delay="0"/>
-                                  </p:stCondLst>
-                                  <p:childTnLst>
-                                    <p:set>
-                                      <p:cBhvr>
-                                        <p:cTn id="6" dur="1" fill="hold">
-                                          <p:stCondLst>
-                                            <p:cond delay="0"/>
-                                          </p:stCondLst>
-                                        </p:cTn>
-                                        <p:tgtEl>
-                                          <p:spTgt spid="4">
-                                            <p:txEl>
-                                              <p:pRg st="1" end="1"/>
-                                            </p:txEl>
-                                          </p:spTgt>
-                                        </p:tgtEl>
-                                        <p:attrNameLst>
-                                          <p:attrName>style.visibility</p:attrName>
-                                        </p:attrNameLst>
-                                      </p:cBhvr>
-                                      <p:to>
-                                        <p:strVal val="visible"/>
-                                      </p:to>
-                                    </p:set>
-                                  </p:childTnLst>
-                                </p:cTn>
-                              </p:par>
-                            </p:childTnLst>
-                          </p:cTn>
-                        </p:par>
-                      </p:childTnLst>
-                    </p:cTn>
-                  </p:par>
-                  <p:par>
-                    <p:cTn id="7" fill="hold">
-                      <p:stCondLst>
-                        <p:cond delay="indefinite"/>
-                      </p:stCondLst>
-                      <p:childTnLst>
-                        <p:par>
-                          <p:cTn id="8" fill="hold">
-                            <p:stCondLst>
-                              <p:cond delay="0"/>
-                            </p:stCondLst>
-                            <p:childTnLst>
-                              <p:par>
-                                <p:cTn id="9" presetID="1" presetClass="entr" presetSubtype="0" fill="hold" grpId="0" nodeType="clickEffect">
-                                  <p:stCondLst>
-                                    <p:cond delay="0"/>
-                                  </p:stCondLst>
-                                  <p:childTnLst>
-                                    <p:set>
-                                      <p:cBhvr>
-                                        <p:cTn id="10" dur="1" fill="hold">
-                                          <p:stCondLst>
-                                            <p:cond delay="0"/>
-                                          </p:stCondLst>
-                                        </p:cTn>
-                                        <p:tgtEl>
-                                          <p:spTgt spid="4">
-                                            <p:txEl>
-                                              <p:pRg st="2" end="2"/>
-                                            </p:txEl>
-                                          </p:spTgt>
-                                        </p:tgtEl>
-                                        <p:attrNameLst>
-                                          <p:attrName>style.visibility</p:attrName>
-                                        </p:attrNameLst>
-                                      </p:cBhvr>
-                                      <p:to>
-                                        <p:strVal val="visible"/>
-                                      </p:to>
-                                    </p:set>
-                                  </p:childTnLst>
-                                </p:cTn>
-                              </p:par>
-                            </p:childTnLst>
-                          </p:cTn>
-                        </p:par>
-                      </p:childTnLst>
-                    </p:cTn>
-                  </p:par>
-                  <p:par>
-                    <p:cTn id="11" fill="hold">
-                      <p:stCondLst>
-                        <p:cond delay="indefinite"/>
-                      </p:stCondLst>
-                      <p:childTnLst>
-                        <p:par>
-                          <p:cTn id="12" fill="hold">
-                            <p:stCondLst>
-                              <p:cond delay="0"/>
-                            </p:stCondLst>
-                            <p:childTnLst>
-                              <p:par>
-                                <p:cTn id="13" presetID="1" presetClass="entr" presetSubtype="0" fill="hold" grpId="0" nodeType="clickEffect">
-                                  <p:stCondLst>
-                                    <p:cond delay="0"/>
-                                  </p:stCondLst>
-                                  <p:childTnLst>
-                                    <p:set>
-                                      <p:cBhvr>
-                                        <p:cTn id="14" dur="1" fill="hold">
-                                          <p:stCondLst>
-                                            <p:cond delay="0"/>
-                                          </p:stCondLst>
-                                        </p:cTn>
-                                        <p:tgtEl>
-                                          <p:spTgt spid="4">
-                                            <p:txEl>
-                                              <p:pRg st="3" end="3"/>
-                                            </p:txEl>
-                                          </p:spTgt>
-                                        </p:tgtEl>
-                                        <p:attrNameLst>
-                                          <p:attrName>style.visibility</p:attrName>
-                                        </p:attrNameLst>
-                                      </p:cBhvr>
-                                      <p:to>
-                                        <p:strVal val="visible"/>
-                                      </p:to>
-                                    </p:set>
-                                  </p:childTnLst>
-                                </p:cTn>
-                              </p:par>
-                            </p:childTnLst>
-                          </p:cTn>
-                        </p:par>
-                      </p:childTnLst>
-                    </p:cTn>
-                  </p:par>
-                  <p:par>
-                    <p:cTn id="15" fill="hold">
-                      <p:stCondLst>
-                        <p:cond delay="indefinite"/>
-                      </p:stCondLst>
-                      <p:childTnLst>
-                        <p:par>
-                          <p:cTn id="16" fill="hold">
-                            <p:stCondLst>
-                              <p:cond delay="0"/>
-                            </p:stCondLst>
-                            <p:childTnLst>
-                              <p:par>
-                                <p:cTn id="17" presetID="1" presetClass="entr" presetSubtype="0" fill="hold" grpId="0" nodeType="clickEffect">
-                                  <p:stCondLst>
-                                    <p:cond delay="0"/>
-                                  </p:stCondLst>
-                                  <p:childTnLst>
-                                    <p:set>
-                                      <p:cBhvr>
-                                        <p:cTn id="18" dur="1" fill="hold">
-                                          <p:stCondLst>
-                                            <p:cond delay="0"/>
-                                          </p:stCondLst>
-                                        </p:cTn>
-                                        <p:tgtEl>
-                                          <p:spTgt spid="4">
-                                            <p:txEl>
-                                              <p:pRg st="4" end="4"/>
-                                            </p:txEl>
-                                          </p:spTgt>
-                                        </p:tgtEl>
-                                        <p:attrNameLst>
-                                          <p:attrName>style.visibility</p:attrName>
-                                        </p:attrNameLst>
-                                      </p:cBhvr>
-                                      <p:to>
-                                        <p:strVal val="visible"/>
-                                      </p:to>
-                                    </p:set>
-                                  </p:childTnLst>
-                                </p:cTn>
-                              </p:par>
-                            </p:childTnLst>
-                          </p:cTn>
-                        </p:par>
-                      </p:childTnLst>
-                    </p:cTn>
-                  </p:par>
-                  <p:par>
-                    <p:cTn id="19" fill="hold">
-                      <p:stCondLst>
-                        <p:cond delay="indefinite"/>
-                      </p:stCondLst>
-                      <p:childTnLst>
-                        <p:par>
-                          <p:cTn id="20" fill="hold">
-                            <p:stCondLst>
-                              <p:cond delay="0"/>
-                            </p:stCondLst>
-                            <p:childTnLst>
-                              <p:par>
-                                <p:cTn id="21" presetID="1" presetClass="entr" presetSubtype="0" fill="hold" grpId="0" nodeType="clickEffect">
-                                  <p:stCondLst>
-                                    <p:cond delay="0"/>
-                                  </p:stCondLst>
-                                  <p:childTnLst>
-                                    <p:set>
-                                      <p:cBhvr>
-                                        <p:cTn id="22" dur="1" fill="hold">
-                                          <p:stCondLst>
-                                            <p:cond delay="0"/>
-                                          </p:stCondLst>
-                                        </p:cTn>
-                                        <p:tgtEl>
-                                          <p:spTgt spid="4">
-                                            <p:txEl>
-                                              <p:pRg st="5" end="5"/>
-                                            </p:txEl>
-                                          </p:spTgt>
-                                        </p:tgtEl>
-                                        <p:attrNameLst>
-                                          <p:attrName>style.visibility</p:attrName>
-                                        </p:attrNameLst>
-                                      </p:cBhvr>
-                                      <p:to>
-                                        <p:strVal val="visible"/>
-                                      </p:to>
-                                    </p:set>
-                                  </p:childTnLst>
-                                </p:cTn>
-                              </p:par>
-                            </p:childTnLst>
-                          </p:cTn>
-                        </p:par>
-                      </p:childTnLst>
-                    </p:cTn>
-                  </p:par>
-                  <p:par>
-                    <p:cTn id="23" fill="hold">
-                      <p:stCondLst>
-                        <p:cond delay="indefinite"/>
-                      </p:stCondLst>
-                      <p:childTnLst>
-                        <p:par>
-                          <p:cTn id="24" fill="hold">
-                            <p:stCondLst>
-                              <p:cond delay="0"/>
-                            </p:stCondLst>
-                            <p:childTnLst>
-                              <p:par>
-                                <p:cTn id="25" presetID="1" presetClass="entr" presetSubtype="0" fill="hold" grpId="0" nodeType="clickEffect">
-                                  <p:stCondLst>
-                                    <p:cond delay="0"/>
-                                  </p:stCondLst>
-                                  <p:childTnLst>
-                                    <p:set>
-                                      <p:cBhvr>
-                                        <p:cTn id="26" dur="1" fill="hold">
-                                          <p:stCondLst>
-                                            <p:cond delay="0"/>
-                                          </p:stCondLst>
-                                        </p:cTn>
-                                        <p:tgtEl>
-                                          <p:spTgt spid="4">
-                                            <p:txEl>
-                                              <p:pRg st="19" end="19"/>
-                                            </p:txEl>
-                                          </p:spTgt>
-                                        </p:tgtEl>
-                                        <p:attrNameLst>
-                                          <p:attrName>style.visibility</p:attrName>
-                                        </p:attrNameLst>
-                                      </p:cBhvr>
-                                      <p:to>
-                                        <p:strVal val="visible"/>
-                                      </p:to>
-                                    </p:set>
-                                  </p:childTnLst>
-                                </p:cTn>
-                              </p:par>
-                            </p:childTnLst>
-                          </p:cTn>
-                        </p:par>
-                      </p:childTnLst>
-                    </p:cTn>
-                  </p:par>
-                  <p:par>
-                    <p:cTn id="27" fill="hold">
-                      <p:stCondLst>
-                        <p:cond delay="indefinite"/>
-                      </p:stCondLst>
-                      <p:childTnLst>
-                        <p:par>
-                          <p:cTn id="28" fill="hold">
-                            <p:stCondLst>
-                              <p:cond delay="0"/>
-                            </p:stCondLst>
-                            <p:childTnLst>
-                              <p:par>
-                                <p:cTn id="29" presetID="1" presetClass="entr" presetSubtype="0" fill="hold" grpId="0" nodeType="clickEffect">
-                                  <p:stCondLst>
-                                    <p:cond delay="0"/>
-                                  </p:stCondLst>
-                                  <p:childTnLst>
-                                    <p:set>
-                                      <p:cBhvr>
-                                        <p:cTn id="30" dur="1" fill="hold">
-                                          <p:stCondLst>
-                                            <p:cond delay="0"/>
-                                          </p:stCondLst>
-                                        </p:cTn>
-                                        <p:tgtEl>
-                                          <p:spTgt spid="4">
-                                            <p:txEl>
-                                              <p:pRg st="20" end="20"/>
-                                            </p:txEl>
-                                          </p:spTgt>
-                                        </p:tgtEl>
-                                        <p:attrNameLst>
-                                          <p:attrName>style.visibility</p:attrName>
-                                        </p:attrNameLst>
-                                      </p:cBhvr>
-                                      <p:to>
-                                        <p:strVal val="visible"/>
-                                      </p:to>
-                                    </p:set>
-                                  </p:childTnLst>
-                                </p:cTn>
-                              </p:par>
-                            </p:childTnLst>
-                          </p:cTn>
-                        </p:par>
-                      </p:childTnLst>
-                    </p:cTn>
-                  </p:par>
-                  <p:par>
-                    <p:cTn id="31" fill="hold">
-                      <p:stCondLst>
-                        <p:cond delay="indefinite"/>
-                      </p:stCondLst>
-                      <p:childTnLst>
-                        <p:par>
-                          <p:cTn id="32" fill="hold">
-                            <p:stCondLst>
-                              <p:cond delay="0"/>
-                            </p:stCondLst>
-                            <p:childTnLst>
-                              <p:par>
-                                <p:cTn id="33" presetID="1" presetClass="entr" presetSubtype="0" fill="hold" grpId="0" nodeType="clickEffect">
-                                  <p:stCondLst>
-                                    <p:cond delay="0"/>
-                                  </p:stCondLst>
-                                  <p:childTnLst>
-                                    <p:set>
-                                      <p:cBhvr>
-                                        <p:cTn id="34" dur="1" fill="hold">
-                                          <p:stCondLst>
-                                            <p:cond delay="0"/>
-                                          </p:stCondLst>
-                                        </p:cTn>
-                                        <p:tgtEl>
-                                          <p:spTgt spid="4">
-                                            <p:txEl>
-                                              <p:pRg st="21" end="21"/>
-                                            </p:txEl>
-                                          </p:spTgt>
-                                        </p:tgtEl>
-                                        <p:attrNameLst>
-                                          <p:attrName>style.visibility</p:attrName>
-                                        </p:attrNameLst>
-                                      </p:cBhvr>
-                                      <p:to>
-                                        <p:strVal val="visible"/>
-                                      </p:to>
-                                    </p:set>
-                                  </p:childTnLst>
-                                </p:cTn>
-                              </p:par>
-                            </p:childTnLst>
-                          </p:cTn>
-                        </p:par>
-                      </p:childTnLst>
-                    </p:cTn>
-                  </p:par>
-                  <p:par>
-                    <p:cTn id="35" fill="hold">
-                      <p:stCondLst>
-                        <p:cond delay="indefinite"/>
-                      </p:stCondLst>
-                      <p:childTnLst>
-                        <p:par>
-                          <p:cTn id="36" fill="hold">
-                            <p:stCondLst>
-                              <p:cond delay="0"/>
-                            </p:stCondLst>
-                            <p:childTnLst>
-                              <p:par>
-                                <p:cTn id="37" presetID="1" presetClass="entr" presetSubtype="0" fill="hold" grpId="0" nodeType="clickEffect">
-                                  <p:stCondLst>
-                                    <p:cond delay="0"/>
-                                  </p:stCondLst>
-                                  <p:childTnLst>
-                                    <p:set>
-                                      <p:cBhvr>
-                                        <p:cTn id="38" dur="1" fill="hold">
-                                          <p:stCondLst>
-                                            <p:cond delay="0"/>
-                                          </p:stCondLst>
-                                        </p:cTn>
-                                        <p:tgtEl>
-                                          <p:spTgt spid="4">
-                                            <p:txEl>
-                                              <p:pRg st="22" end="22"/>
-                                            </p:txEl>
-                                          </p:spTgt>
-                                        </p:tgtEl>
-                                        <p:attrNameLst>
-                                          <p:attrName>style.visibility</p:attrName>
-                                        </p:attrNameLst>
-                                      </p:cBhvr>
-                                      <p:to>
-                                        <p:strVal val="visible"/>
-                                      </p:to>
-                                    </p:set>
-                                  </p:childTnLst>
-                                </p:cTn>
-                              </p:par>
-                            </p:childTnLst>
-                          </p:cTn>
-                        </p:par>
-                      </p:childTnLst>
-                    </p:cTn>
-                  </p:par>
-                  <p:par>
-                    <p:cTn id="39" fill="hold">
-                      <p:stCondLst>
-                        <p:cond delay="indefinite"/>
-                      </p:stCondLst>
-                      <p:childTnLst>
-                        <p:par>
-                          <p:cTn id="40" fill="hold">
-                            <p:stCondLst>
-                              <p:cond delay="0"/>
-                            </p:stCondLst>
-                            <p:childTnLst>
-                              <p:par>
-                                <p:cTn id="41" presetID="1" presetClass="entr" presetSubtype="0" fill="hold" grpId="0" nodeType="clickEffect">
-                                  <p:stCondLst>
-                                    <p:cond delay="0"/>
-                                  </p:stCondLst>
-                                  <p:childTnLst>
-                                    <p:set>
-                                      <p:cBhvr>
-                                        <p:cTn id="42" dur="1" fill="hold">
-                                          <p:stCondLst>
-                                            <p:cond delay="0"/>
-                                          </p:stCondLst>
-                                        </p:cTn>
-                                        <p:tgtEl>
-                                          <p:spTgt spid="4">
-                                            <p:txEl>
-                                              <p:pRg st="23" end="23"/>
-                                            </p:txEl>
-                                          </p:spTgt>
-                                        </p:tgtEl>
-                                        <p:attrNameLst>
-                                          <p:attrName>style.visibility</p:attrName>
-                                        </p:attrNameLst>
-                                      </p:cBhvr>
-                                      <p:to>
-                                        <p:strVal val="visible"/>
-                                      </p:to>
-                                    </p:set>
-                                  </p:childTnLst>
-                                </p:cTn>
-                              </p:par>
-                            </p:childTnLst>
-                          </p:cTn>
-                        </p:par>
-                      </p:childTnLst>
-                    </p:cTn>
-                  </p:par>
-                </p:childTnLst>
-              </p:cTn>
-              <p:prevCondLst>
-                <p:cond evt="onPrev" delay="0">
-                  <p:tgtEl>
-                    <p:sldTgt/>
-                  </p:tgtEl>
-                </p:cond>
-              </p:prevCondLst>
-              <p:nextCondLst>
-                <p:cond evt="onNext" delay="0">
-                  <p:tgtEl>
-                    <p:sldTgt/>
-                  </p:tgtEl>
-                </p:cond>
-              </p:nextCondLst>
-            </p:seq>
-          </p:childTnLst>
-        </p:cTn>
-      </p:par>
-    </p:tnLst>
-    <p:bldLst>
-      <p:bldP spid="4" grpId="0" uiExpand="1" build="p"/>
-    </p:bldLst>
-  </p:timing>
 </p:sld>
 </file>
 
@@ -9193,7 +6213,7 @@
           <p:cNvPr id="2" name="Title 1">
             <a:extLst>
               <a:ext uri="{FF2B5EF4-FFF2-40B4-BE49-F238E27FC236}">
-                <a16:creationId xmlns:a16="http://schemas.microsoft.com/office/drawing/2014/main" id="{DD9B8E45-0772-954C-8D4B-6E6808DFEDED}"/>
+                <a16:creationId xmlns:a16="http://schemas.microsoft.com/office/drawing/2014/main" id="{FF6A6CB2-D1B6-B94A-84C1-83C65423C650}"/>
               </a:ext>
             </a:extLst>
           </p:cNvPr>
@@ -9206,8 +6226,8 @@
         </p:nvSpPr>
         <p:spPr>
           <a:xfrm>
-            <a:off x="838200" y="365129"/>
-            <a:ext cx="10002520" cy="1325563"/>
+            <a:off x="831851" y="1709742"/>
+            <a:ext cx="10515600" cy="2852737"/>
           </a:xfrm>
           <a:prstGeom prst="rect">
             <a:avLst/>
@@ -9227,823 +6247,8 @@
           </a:p>
         </p:txBody>
       </p:sp>
-      <p:sp>
-        <p:nvSpPr>
-          <p:cNvPr id="3" name="Content Placeholder 2">
-            <a:extLst>
-              <a:ext uri="{FF2B5EF4-FFF2-40B4-BE49-F238E27FC236}">
-                <a16:creationId xmlns:a16="http://schemas.microsoft.com/office/drawing/2014/main" id="{A4EB24F9-04F1-C843-9D71-56C5C024552B}"/>
-              </a:ext>
-            </a:extLst>
-          </p:cNvPr>
-          <p:cNvSpPr>
-            <a:spLocks noGrp="1"/>
-          </p:cNvSpPr>
-          <p:nvPr>
-            <p:ph idx="1"/>
-          </p:nvPr>
-        </p:nvSpPr>
-        <p:spPr/>
-        <p:txBody>
-          <a:bodyPr/>
-          <a:lstStyle/>
-          <a:p>
-            <a:pPr lvl="0" indent="0" marL="0">
-              <a:spcBef>
-                <a:spcPts val="3000"/>
-              </a:spcBef>
-              <a:buNone/>
-            </a:pPr>
-            <a:r>
-              <a:rPr b="1"/>
-              <a:t>Key topics today</a:t>
-            </a:r>
-          </a:p>
-          <a:p>
-            <a:pPr lvl="0"/>
-            <a:r>
-              <a:rPr/>
-              <a:t>Module structure and coursework introduction</a:t>
-            </a:r>
-          </a:p>
-          <a:p>
-            <a:pPr lvl="1" indent="-257175" marL="514350">
-              <a:buAutoNum type="romanLcPeriod"/>
-            </a:pPr>
-            <a:r>
-              <a:rPr/>
-              <a:t>Critical Proposal (15%)</a:t>
-            </a:r>
-          </a:p>
-          <a:p>
-            <a:pPr lvl="1" indent="-257175" marL="514350">
-              <a:buAutoNum type="romanLcPeriod"/>
-            </a:pPr>
-            <a:r>
-              <a:rPr/>
-              <a:t>Mini-Dissertation (70%)</a:t>
-            </a:r>
-          </a:p>
-          <a:p>
-            <a:pPr lvl="1" indent="-257175" marL="514350">
-              <a:buAutoNum type="romanLcPeriod"/>
-            </a:pPr>
-            <a:r>
-              <a:rPr/>
-              <a:t>Conceptual, Historical &amp; Integrative Perspectives Log (CHIP Log) (15%)</a:t>
-            </a:r>
-          </a:p>
-          <a:p>
-            <a:pPr lvl="0"/>
-            <a:r>
-              <a:rPr/>
-              <a:t>Labs in general and the lab tomorrow</a:t>
-            </a:r>
-          </a:p>
-          <a:p>
-            <a:pPr lvl="0"/>
-            <a:r>
-              <a:rPr/>
-              <a:t>Materials, independent study, SUCCESS!</a:t>
-            </a:r>
-          </a:p>
-          <a:p>
-            <a:pPr lvl="0" indent="0" marL="0">
-              <a:spcBef>
-                <a:spcPts val="3000"/>
-              </a:spcBef>
-              <a:buNone/>
-            </a:pPr>
-            <a:r>
-              <a:rPr b="1"/>
-              <a:t>A bit about me…</a:t>
-            </a:r>
-          </a:p>
-          <a:p>
-            <a:pPr lvl="0"/>
-            <a:r>
-              <a:rPr/>
-              <a:t>Formerly worked in the advertising industry for top London agencies</a:t>
-            </a:r>
-          </a:p>
-          <a:p>
-            <a:pPr lvl="0"/>
-            <a:r>
-              <a:rPr/>
-              <a:t>Impulsively started a Psych degree in 2006 (age 30+)</a:t>
-            </a:r>
-          </a:p>
-          <a:p>
-            <a:pPr lvl="0"/>
-            <a:r>
-              <a:rPr/>
-              <a:t>My research interests are interpersonal deception, antagonistic personalities and behaviours, and how people obtain, process, and use social information/person perception in their everyday lives</a:t>
-            </a:r>
-          </a:p>
-          <a:p>
-            <a:pPr lvl="0"/>
-            <a:r>
-              <a:rPr/>
-              <a:t>Got my PhD in 2014, post-doc with the Intelligence Agencies, Teaching Fellow then Lecturer in the department of Psychology</a:t>
-            </a:r>
-          </a:p>
-          <a:p>
-            <a:pPr lvl="0"/>
-            <a:r>
-              <a:rPr/>
-              <a:t>And I LOVE IT !! The Psychology we do here is unique and thrilling!</a:t>
-            </a:r>
-          </a:p>
-          <a:p>
-            <a:pPr lvl="0"/>
-            <a:r>
-              <a:rPr/>
-              <a:t>My mission is to turn you into Research Rebels and Data-Driven Disruptors!</a:t>
-            </a:r>
-          </a:p>
-          <a:p>
-            <a:pPr lvl="0" indent="0" marL="0">
-              <a:spcBef>
-                <a:spcPts val="3000"/>
-              </a:spcBef>
-              <a:buNone/>
-            </a:pPr>
-            <a:r>
-              <a:rPr b="1"/>
-              <a:t>But first</a:t>
-            </a:r>
-          </a:p>
-          <a:p>
-            <a:pPr lvl="0"/>
-            <a:r>
-              <a:rPr/>
-              <a:t>The importance of your ‘participation’</a:t>
-            </a:r>
-          </a:p>
-          <a:p>
-            <a:pPr lvl="0"/>
-            <a:r>
-              <a:rPr/>
-              <a:t>If you don’t engage, it is difficult to respond to your needs</a:t>
-            </a:r>
-          </a:p>
-          <a:p>
-            <a:pPr lvl="0"/>
-            <a:r>
-              <a:rPr/>
-              <a:t>I want you to find </a:t>
-            </a:r>
-            <a:r>
-              <a:rPr b="1"/>
-              <a:t>“MyPsychology”</a:t>
-            </a:r>
-          </a:p>
-          <a:p>
-            <a:pPr lvl="0"/>
-            <a:r>
-              <a:rPr/>
-              <a:t>Easier to keep up than catch-up</a:t>
-            </a:r>
-          </a:p>
-          <a:p>
-            <a:pPr lvl="0"/>
-            <a:r>
-              <a:rPr/>
-              <a:t>We have numerous safeguards in place to protect you this year, but be your own best friend</a:t>
-            </a:r>
-          </a:p>
-          <a:p>
-            <a:pPr lvl="0"/>
-            <a:r>
-              <a:rPr/>
-              <a:t>The only thing that should be worried this year is Shoddy Science!</a:t>
-            </a:r>
-          </a:p>
-        </p:txBody>
-      </p:sp>
     </p:spTree>
   </p:cSld>
-  <p:timing>
-    <p:tnLst>
-      <p:par>
-        <p:cTn id="1" dur="indefinite" restart="never" nodeType="tmRoot">
-          <p:childTnLst>
-            <p:seq concurrent="1" nextAc="seek">
-              <p:cTn id="2" dur="indefinite" nodeType="mainSeq">
-                <p:childTnLst>
-                  <p:par>
-                    <p:cTn id="3" fill="hold">
-                      <p:stCondLst>
-                        <p:cond delay="indefinite"/>
-                      </p:stCondLst>
-                      <p:childTnLst>
-                        <p:par>
-                          <p:cTn id="4" fill="hold">
-                            <p:stCondLst>
-                              <p:cond delay="0"/>
-                            </p:stCondLst>
-                            <p:childTnLst>
-                              <p:par>
-                                <p:cTn id="5" presetID="1" presetClass="entr" presetSubtype="0" fill="hold" grpId="0" nodeType="clickEffect">
-                                  <p:stCondLst>
-                                    <p:cond delay="0"/>
-                                  </p:stCondLst>
-                                  <p:childTnLst>
-                                    <p:set>
-                                      <p:cBhvr>
-                                        <p:cTn id="6" dur="1" fill="hold">
-                                          <p:stCondLst>
-                                            <p:cond delay="0"/>
-                                          </p:stCondLst>
-                                        </p:cTn>
-                                        <p:tgtEl>
-                                          <p:spTgt spid="3">
-                                            <p:txEl>
-                                              <p:pRg st="8" end="8"/>
-                                            </p:txEl>
-                                          </p:spTgt>
-                                        </p:tgtEl>
-                                        <p:attrNameLst>
-                                          <p:attrName>style.visibility</p:attrName>
-                                        </p:attrNameLst>
-                                      </p:cBhvr>
-                                      <p:to>
-                                        <p:strVal val="visible"/>
-                                      </p:to>
-                                    </p:set>
-                                  </p:childTnLst>
-                                </p:cTn>
-                              </p:par>
-                            </p:childTnLst>
-                          </p:cTn>
-                        </p:par>
-                      </p:childTnLst>
-                    </p:cTn>
-                  </p:par>
-                  <p:par>
-                    <p:cTn id="7" fill="hold">
-                      <p:stCondLst>
-                        <p:cond delay="indefinite"/>
-                      </p:stCondLst>
-                      <p:childTnLst>
-                        <p:par>
-                          <p:cTn id="8" fill="hold">
-                            <p:stCondLst>
-                              <p:cond delay="0"/>
-                            </p:stCondLst>
-                            <p:childTnLst>
-                              <p:par>
-                                <p:cTn id="9" presetID="1" presetClass="entr" presetSubtype="0" fill="hold" grpId="0" nodeType="clickEffect">
-                                  <p:stCondLst>
-                                    <p:cond delay="0"/>
-                                  </p:stCondLst>
-                                  <p:childTnLst>
-                                    <p:set>
-                                      <p:cBhvr>
-                                        <p:cTn id="10" dur="1" fill="hold">
-                                          <p:stCondLst>
-                                            <p:cond delay="0"/>
-                                          </p:stCondLst>
-                                        </p:cTn>
-                                        <p:tgtEl>
-                                          <p:spTgt spid="3">
-                                            <p:txEl>
-                                              <p:pRg st="9" end="9"/>
-                                            </p:txEl>
-                                          </p:spTgt>
-                                        </p:tgtEl>
-                                        <p:attrNameLst>
-                                          <p:attrName>style.visibility</p:attrName>
-                                        </p:attrNameLst>
-                                      </p:cBhvr>
-                                      <p:to>
-                                        <p:strVal val="visible"/>
-                                      </p:to>
-                                    </p:set>
-                                  </p:childTnLst>
-                                </p:cTn>
-                              </p:par>
-                            </p:childTnLst>
-                          </p:cTn>
-                        </p:par>
-                      </p:childTnLst>
-                    </p:cTn>
-                  </p:par>
-                  <p:par>
-                    <p:cTn id="11" fill="hold">
-                      <p:stCondLst>
-                        <p:cond delay="indefinite"/>
-                      </p:stCondLst>
-                      <p:childTnLst>
-                        <p:par>
-                          <p:cTn id="12" fill="hold">
-                            <p:stCondLst>
-                              <p:cond delay="0"/>
-                            </p:stCondLst>
-                            <p:childTnLst>
-                              <p:par>
-                                <p:cTn id="13" presetID="1" presetClass="entr" presetSubtype="0" fill="hold" grpId="0" nodeType="clickEffect">
-                                  <p:stCondLst>
-                                    <p:cond delay="0"/>
-                                  </p:stCondLst>
-                                  <p:childTnLst>
-                                    <p:set>
-                                      <p:cBhvr>
-                                        <p:cTn id="14" dur="1" fill="hold">
-                                          <p:stCondLst>
-                                            <p:cond delay="0"/>
-                                          </p:stCondLst>
-                                        </p:cTn>
-                                        <p:tgtEl>
-                                          <p:spTgt spid="3">
-                                            <p:txEl>
-                                              <p:pRg st="10" end="10"/>
-                                            </p:txEl>
-                                          </p:spTgt>
-                                        </p:tgtEl>
-                                        <p:attrNameLst>
-                                          <p:attrName>style.visibility</p:attrName>
-                                        </p:attrNameLst>
-                                      </p:cBhvr>
-                                      <p:to>
-                                        <p:strVal val="visible"/>
-                                      </p:to>
-                                    </p:set>
-                                  </p:childTnLst>
-                                </p:cTn>
-                              </p:par>
-                            </p:childTnLst>
-                          </p:cTn>
-                        </p:par>
-                      </p:childTnLst>
-                    </p:cTn>
-                  </p:par>
-                  <p:par>
-                    <p:cTn id="15" fill="hold">
-                      <p:stCondLst>
-                        <p:cond delay="indefinite"/>
-                      </p:stCondLst>
-                      <p:childTnLst>
-                        <p:par>
-                          <p:cTn id="16" fill="hold">
-                            <p:stCondLst>
-                              <p:cond delay="0"/>
-                            </p:stCondLst>
-                            <p:childTnLst>
-                              <p:par>
-                                <p:cTn id="17" presetID="1" presetClass="entr" presetSubtype="0" fill="hold" grpId="0" nodeType="clickEffect">
-                                  <p:stCondLst>
-                                    <p:cond delay="0"/>
-                                  </p:stCondLst>
-                                  <p:childTnLst>
-                                    <p:set>
-                                      <p:cBhvr>
-                                        <p:cTn id="18" dur="1" fill="hold">
-                                          <p:stCondLst>
-                                            <p:cond delay="0"/>
-                                          </p:stCondLst>
-                                        </p:cTn>
-                                        <p:tgtEl>
-                                          <p:spTgt spid="3">
-                                            <p:txEl>
-                                              <p:pRg st="11" end="11"/>
-                                            </p:txEl>
-                                          </p:spTgt>
-                                        </p:tgtEl>
-                                        <p:attrNameLst>
-                                          <p:attrName>style.visibility</p:attrName>
-                                        </p:attrNameLst>
-                                      </p:cBhvr>
-                                      <p:to>
-                                        <p:strVal val="visible"/>
-                                      </p:to>
-                                    </p:set>
-                                  </p:childTnLst>
-                                </p:cTn>
-                              </p:par>
-                            </p:childTnLst>
-                          </p:cTn>
-                        </p:par>
-                      </p:childTnLst>
-                    </p:cTn>
-                  </p:par>
-                  <p:par>
-                    <p:cTn id="19" fill="hold">
-                      <p:stCondLst>
-                        <p:cond delay="indefinite"/>
-                      </p:stCondLst>
-                      <p:childTnLst>
-                        <p:par>
-                          <p:cTn id="20" fill="hold">
-                            <p:stCondLst>
-                              <p:cond delay="0"/>
-                            </p:stCondLst>
-                            <p:childTnLst>
-                              <p:par>
-                                <p:cTn id="21" presetID="1" presetClass="entr" presetSubtype="0" fill="hold" grpId="0" nodeType="clickEffect">
-                                  <p:stCondLst>
-                                    <p:cond delay="0"/>
-                                  </p:stCondLst>
-                                  <p:childTnLst>
-                                    <p:set>
-                                      <p:cBhvr>
-                                        <p:cTn id="22" dur="1" fill="hold">
-                                          <p:stCondLst>
-                                            <p:cond delay="0"/>
-                                          </p:stCondLst>
-                                        </p:cTn>
-                                        <p:tgtEl>
-                                          <p:spTgt spid="3">
-                                            <p:txEl>
-                                              <p:pRg st="12" end="12"/>
-                                            </p:txEl>
-                                          </p:spTgt>
-                                        </p:tgtEl>
-                                        <p:attrNameLst>
-                                          <p:attrName>style.visibility</p:attrName>
-                                        </p:attrNameLst>
-                                      </p:cBhvr>
-                                      <p:to>
-                                        <p:strVal val="visible"/>
-                                      </p:to>
-                                    </p:set>
-                                  </p:childTnLst>
-                                </p:cTn>
-                              </p:par>
-                            </p:childTnLst>
-                          </p:cTn>
-                        </p:par>
-                      </p:childTnLst>
-                    </p:cTn>
-                  </p:par>
-                  <p:par>
-                    <p:cTn id="23" fill="hold">
-                      <p:stCondLst>
-                        <p:cond delay="indefinite"/>
-                      </p:stCondLst>
-                      <p:childTnLst>
-                        <p:par>
-                          <p:cTn id="24" fill="hold">
-                            <p:stCondLst>
-                              <p:cond delay="0"/>
-                            </p:stCondLst>
-                            <p:childTnLst>
-                              <p:par>
-                                <p:cTn id="25" presetID="1" presetClass="entr" presetSubtype="0" fill="hold" grpId="0" nodeType="clickEffect">
-                                  <p:stCondLst>
-                                    <p:cond delay="0"/>
-                                  </p:stCondLst>
-                                  <p:childTnLst>
-                                    <p:set>
-                                      <p:cBhvr>
-                                        <p:cTn id="26" dur="1" fill="hold">
-                                          <p:stCondLst>
-                                            <p:cond delay="0"/>
-                                          </p:stCondLst>
-                                        </p:cTn>
-                                        <p:tgtEl>
-                                          <p:spTgt spid="3">
-                                            <p:txEl>
-                                              <p:pRg st="13" end="13"/>
-                                            </p:txEl>
-                                          </p:spTgt>
-                                        </p:tgtEl>
-                                        <p:attrNameLst>
-                                          <p:attrName>style.visibility</p:attrName>
-                                        </p:attrNameLst>
-                                      </p:cBhvr>
-                                      <p:to>
-                                        <p:strVal val="visible"/>
-                                      </p:to>
-                                    </p:set>
-                                  </p:childTnLst>
-                                </p:cTn>
-                              </p:par>
-                            </p:childTnLst>
-                          </p:cTn>
-                        </p:par>
-                      </p:childTnLst>
-                    </p:cTn>
-                  </p:par>
-                  <p:par>
-                    <p:cTn id="27" fill="hold">
-                      <p:stCondLst>
-                        <p:cond delay="indefinite"/>
-                      </p:stCondLst>
-                      <p:childTnLst>
-                        <p:par>
-                          <p:cTn id="28" fill="hold">
-                            <p:stCondLst>
-                              <p:cond delay="0"/>
-                            </p:stCondLst>
-                            <p:childTnLst>
-                              <p:par>
-                                <p:cTn id="29" presetID="1" presetClass="entr" presetSubtype="0" fill="hold" grpId="0" nodeType="clickEffect">
-                                  <p:stCondLst>
-                                    <p:cond delay="0"/>
-                                  </p:stCondLst>
-                                  <p:childTnLst>
-                                    <p:set>
-                                      <p:cBhvr>
-                                        <p:cTn id="30" dur="1" fill="hold">
-                                          <p:stCondLst>
-                                            <p:cond delay="0"/>
-                                          </p:stCondLst>
-                                        </p:cTn>
-                                        <p:tgtEl>
-                                          <p:spTgt spid="3">
-                                            <p:txEl>
-                                              <p:pRg st="15" end="15"/>
-                                            </p:txEl>
-                                          </p:spTgt>
-                                        </p:tgtEl>
-                                        <p:attrNameLst>
-                                          <p:attrName>style.visibility</p:attrName>
-                                        </p:attrNameLst>
-                                      </p:cBhvr>
-                                      <p:to>
-                                        <p:strVal val="visible"/>
-                                      </p:to>
-                                    </p:set>
-                                  </p:childTnLst>
-                                </p:cTn>
-                              </p:par>
-                            </p:childTnLst>
-                          </p:cTn>
-                        </p:par>
-                      </p:childTnLst>
-                    </p:cTn>
-                  </p:par>
-                  <p:par>
-                    <p:cTn id="31" fill="hold">
-                      <p:stCondLst>
-                        <p:cond delay="indefinite"/>
-                      </p:stCondLst>
-                      <p:childTnLst>
-                        <p:par>
-                          <p:cTn id="32" fill="hold">
-                            <p:stCondLst>
-                              <p:cond delay="0"/>
-                            </p:stCondLst>
-                            <p:childTnLst>
-                              <p:par>
-                                <p:cTn id="33" presetID="1" presetClass="entr" presetSubtype="0" fill="hold" grpId="0" nodeType="clickEffect">
-                                  <p:stCondLst>
-                                    <p:cond delay="0"/>
-                                  </p:stCondLst>
-                                  <p:childTnLst>
-                                    <p:set>
-                                      <p:cBhvr>
-                                        <p:cTn id="34" dur="1" fill="hold">
-                                          <p:stCondLst>
-                                            <p:cond delay="0"/>
-                                          </p:stCondLst>
-                                        </p:cTn>
-                                        <p:tgtEl>
-                                          <p:spTgt spid="3">
-                                            <p:txEl>
-                                              <p:pRg st="16" end="16"/>
-                                            </p:txEl>
-                                          </p:spTgt>
-                                        </p:tgtEl>
-                                        <p:attrNameLst>
-                                          <p:attrName>style.visibility</p:attrName>
-                                        </p:attrNameLst>
-                                      </p:cBhvr>
-                                      <p:to>
-                                        <p:strVal val="visible"/>
-                                      </p:to>
-                                    </p:set>
-                                  </p:childTnLst>
-                                </p:cTn>
-                              </p:par>
-                            </p:childTnLst>
-                          </p:cTn>
-                        </p:par>
-                      </p:childTnLst>
-                    </p:cTn>
-                  </p:par>
-                  <p:par>
-                    <p:cTn id="35" fill="hold">
-                      <p:stCondLst>
-                        <p:cond delay="indefinite"/>
-                      </p:stCondLst>
-                      <p:childTnLst>
-                        <p:par>
-                          <p:cTn id="36" fill="hold">
-                            <p:stCondLst>
-                              <p:cond delay="0"/>
-                            </p:stCondLst>
-                            <p:childTnLst>
-                              <p:par>
-                                <p:cTn id="37" presetID="1" presetClass="entr" presetSubtype="0" fill="hold" grpId="0" nodeType="clickEffect">
-                                  <p:stCondLst>
-                                    <p:cond delay="0"/>
-                                  </p:stCondLst>
-                                  <p:childTnLst>
-                                    <p:set>
-                                      <p:cBhvr>
-                                        <p:cTn id="38" dur="1" fill="hold">
-                                          <p:stCondLst>
-                                            <p:cond delay="0"/>
-                                          </p:stCondLst>
-                                        </p:cTn>
-                                        <p:tgtEl>
-                                          <p:spTgt spid="3">
-                                            <p:txEl>
-                                              <p:pRg st="17" end="17"/>
-                                            </p:txEl>
-                                          </p:spTgt>
-                                        </p:tgtEl>
-                                        <p:attrNameLst>
-                                          <p:attrName>style.visibility</p:attrName>
-                                        </p:attrNameLst>
-                                      </p:cBhvr>
-                                      <p:to>
-                                        <p:strVal val="visible"/>
-                                      </p:to>
-                                    </p:set>
-                                  </p:childTnLst>
-                                </p:cTn>
-                              </p:par>
-                            </p:childTnLst>
-                          </p:cTn>
-                        </p:par>
-                      </p:childTnLst>
-                    </p:cTn>
-                  </p:par>
-                  <p:par>
-                    <p:cTn id="39" fill="hold">
-                      <p:stCondLst>
-                        <p:cond delay="indefinite"/>
-                      </p:stCondLst>
-                      <p:childTnLst>
-                        <p:par>
-                          <p:cTn id="40" fill="hold">
-                            <p:stCondLst>
-                              <p:cond delay="0"/>
-                            </p:stCondLst>
-                            <p:childTnLst>
-                              <p:par>
-                                <p:cTn id="41" presetID="1" presetClass="entr" presetSubtype="0" fill="hold" grpId="0" nodeType="clickEffect">
-                                  <p:stCondLst>
-                                    <p:cond delay="0"/>
-                                  </p:stCondLst>
-                                  <p:childTnLst>
-                                    <p:set>
-                                      <p:cBhvr>
-                                        <p:cTn id="42" dur="1" fill="hold">
-                                          <p:stCondLst>
-                                            <p:cond delay="0"/>
-                                          </p:stCondLst>
-                                        </p:cTn>
-                                        <p:tgtEl>
-                                          <p:spTgt spid="3">
-                                            <p:txEl>
-                                              <p:pRg st="18" end="18"/>
-                                            </p:txEl>
-                                          </p:spTgt>
-                                        </p:tgtEl>
-                                        <p:attrNameLst>
-                                          <p:attrName>style.visibility</p:attrName>
-                                        </p:attrNameLst>
-                                      </p:cBhvr>
-                                      <p:to>
-                                        <p:strVal val="visible"/>
-                                      </p:to>
-                                    </p:set>
-                                  </p:childTnLst>
-                                </p:cTn>
-                              </p:par>
-                            </p:childTnLst>
-                          </p:cTn>
-                        </p:par>
-                      </p:childTnLst>
-                    </p:cTn>
-                  </p:par>
-                  <p:par>
-                    <p:cTn id="43" fill="hold">
-                      <p:stCondLst>
-                        <p:cond delay="indefinite"/>
-                      </p:stCondLst>
-                      <p:childTnLst>
-                        <p:par>
-                          <p:cTn id="44" fill="hold">
-                            <p:stCondLst>
-                              <p:cond delay="0"/>
-                            </p:stCondLst>
-                            <p:childTnLst>
-                              <p:par>
-                                <p:cTn id="45" presetID="1" presetClass="entr" presetSubtype="0" fill="hold" grpId="0" nodeType="clickEffect">
-                                  <p:stCondLst>
-                                    <p:cond delay="0"/>
-                                  </p:stCondLst>
-                                  <p:childTnLst>
-                                    <p:set>
-                                      <p:cBhvr>
-                                        <p:cTn id="46" dur="1" fill="hold">
-                                          <p:stCondLst>
-                                            <p:cond delay="0"/>
-                                          </p:stCondLst>
-                                        </p:cTn>
-                                        <p:tgtEl>
-                                          <p:spTgt spid="3">
-                                            <p:txEl>
-                                              <p:pRg st="19" end="19"/>
-                                            </p:txEl>
-                                          </p:spTgt>
-                                        </p:tgtEl>
-                                        <p:attrNameLst>
-                                          <p:attrName>style.visibility</p:attrName>
-                                        </p:attrNameLst>
-                                      </p:cBhvr>
-                                      <p:to>
-                                        <p:strVal val="visible"/>
-                                      </p:to>
-                                    </p:set>
-                                  </p:childTnLst>
-                                </p:cTn>
-                              </p:par>
-                            </p:childTnLst>
-                          </p:cTn>
-                        </p:par>
-                      </p:childTnLst>
-                    </p:cTn>
-                  </p:par>
-                  <p:par>
-                    <p:cTn id="47" fill="hold">
-                      <p:stCondLst>
-                        <p:cond delay="indefinite"/>
-                      </p:stCondLst>
-                      <p:childTnLst>
-                        <p:par>
-                          <p:cTn id="48" fill="hold">
-                            <p:stCondLst>
-                              <p:cond delay="0"/>
-                            </p:stCondLst>
-                            <p:childTnLst>
-                              <p:par>
-                                <p:cTn id="49" presetID="1" presetClass="entr" presetSubtype="0" fill="hold" grpId="0" nodeType="clickEffect">
-                                  <p:stCondLst>
-                                    <p:cond delay="0"/>
-                                  </p:stCondLst>
-                                  <p:childTnLst>
-                                    <p:set>
-                                      <p:cBhvr>
-                                        <p:cTn id="50" dur="1" fill="hold">
-                                          <p:stCondLst>
-                                            <p:cond delay="0"/>
-                                          </p:stCondLst>
-                                        </p:cTn>
-                                        <p:tgtEl>
-                                          <p:spTgt spid="3">
-                                            <p:txEl>
-                                              <p:pRg st="20" end="20"/>
-                                            </p:txEl>
-                                          </p:spTgt>
-                                        </p:tgtEl>
-                                        <p:attrNameLst>
-                                          <p:attrName>style.visibility</p:attrName>
-                                        </p:attrNameLst>
-                                      </p:cBhvr>
-                                      <p:to>
-                                        <p:strVal val="visible"/>
-                                      </p:to>
-                                    </p:set>
-                                  </p:childTnLst>
-                                </p:cTn>
-                              </p:par>
-                            </p:childTnLst>
-                          </p:cTn>
-                        </p:par>
-                      </p:childTnLst>
-                    </p:cTn>
-                  </p:par>
-                </p:childTnLst>
-              </p:cTn>
-              <p:prevCondLst>
-                <p:cond evt="onPrev" delay="0">
-                  <p:tgtEl>
-                    <p:sldTgt/>
-                  </p:tgtEl>
-                </p:cond>
-              </p:prevCondLst>
-              <p:nextCondLst>
-                <p:cond evt="onNext" delay="0">
-                  <p:tgtEl>
-                    <p:sldTgt/>
-                  </p:tgtEl>
-                </p:cond>
-              </p:nextCondLst>
-            </p:seq>
-          </p:childTnLst>
-        </p:cTn>
-      </p:par>
-    </p:tnLst>
-    <p:bldLst>
-      <p:bldP spid="3" grpId="0" uiExpand="1" build="p"/>
-    </p:bldLst>
-  </p:timing>
 </p:sld>
 </file>
 
@@ -10066,18 +6271,512 @@
       </p:grpSpPr>
       <p:sp>
         <p:nvSpPr>
-          <p:cNvPr id="3" name="Content Placeholder 2">
-            <a:extLst>
-              <a:ext uri="{FF2B5EF4-FFF2-40B4-BE49-F238E27FC236}">
-                <a16:creationId xmlns:a16="http://schemas.microsoft.com/office/drawing/2014/main" id="{A4EB24F9-04F1-C843-9D71-56C5C024552B}"/>
-              </a:ext>
-            </a:extLst>
-          </p:cNvPr>
-          <p:cNvSpPr>
-            <a:spLocks noGrp="1"/>
-          </p:cNvSpPr>
-          <p:nvPr>
-            <p:ph idx="1"/>
+          <p:cNvPr id="2" name="Title 1">
+            <a:extLst>
+              <a:ext uri="{FF2B5EF4-FFF2-40B4-BE49-F238E27FC236}">
+                <a16:creationId xmlns:a16="http://schemas.microsoft.com/office/drawing/2014/main" id="{DD9B8E45-0772-954C-8D4B-6E6808DFEDED}"/>
+              </a:ext>
+            </a:extLst>
+          </p:cNvPr>
+          <p:cNvSpPr>
+            <a:spLocks noGrp="1"/>
+          </p:cNvSpPr>
+          <p:nvPr>
+            <p:ph type="title"/>
+          </p:nvPr>
+        </p:nvSpPr>
+        <p:spPr>
+          <a:xfrm>
+            <a:off x="838200" y="365129"/>
+            <a:ext cx="10002520" cy="1325563"/>
+          </a:xfrm>
+          <a:prstGeom prst="rect">
+            <a:avLst/>
+          </a:prstGeom>
+        </p:spPr>
+        <p:txBody>
+          <a:bodyPr/>
+          <a:lstStyle/>
+          <a:p>
+            <a:pPr lvl="0" indent="0" marL="0">
+              <a:buNone/>
+            </a:pPr>
+            <a:r>
+              <a:rPr/>
+              <a:t>Operationalisation</a:t>
+            </a:r>
+          </a:p>
+        </p:txBody>
+      </p:sp>
+      <p:pic>
+        <p:nvPicPr>
+          <p:cNvPr descr="images/paste-A9D3934A.png" id="0" name="Picture 1"/>
+          <p:cNvPicPr>
+            <a:picLocks noGrp="1" noChangeAspect="1"/>
+          </p:cNvPicPr>
+          <p:nvPr/>
+        </p:nvPicPr>
+        <p:blipFill>
+          <a:blip r:embed="rId2"/>
+          <a:stretch>
+            <a:fillRect/>
+          </a:stretch>
+        </p:blipFill>
+        <p:spPr bwMode="auto">
+          <a:xfrm>
+            <a:off x="838200" y="1854200"/>
+            <a:ext cx="10515600" cy="4267200"/>
+          </a:xfrm>
+          <a:prstGeom prst="rect">
+            <a:avLst/>
+          </a:prstGeom>
+          <a:noFill/>
+          <a:ln w="9525">
+            <a:noFill/>
+            <a:headEnd/>
+            <a:tailEnd/>
+          </a:ln>
+        </p:spPr>
+      </p:pic>
+    </p:spTree>
+  </p:cSld>
+</p:sld>
+</file>
+
+<file path=ppt/slides/slide21.xml><?xml version="1.0" encoding="utf-8"?>
+<p:sld xmlns:a="http://schemas.openxmlformats.org/drawingml/2006/main" xmlns:r="http://schemas.openxmlformats.org/officeDocument/2006/relationships" xmlns:p="http://schemas.openxmlformats.org/presentationml/2006/main">
+  <p:cSld>
+    <p:spTree>
+      <p:nvGrpSpPr>
+        <p:cNvPr id="1" name=""/>
+        <p:cNvGrpSpPr/>
+        <p:nvPr/>
+      </p:nvGrpSpPr>
+      <p:grpSpPr>
+        <a:xfrm>
+          <a:off x="0" y="0"/>
+          <a:ext cx="0" cy="0"/>
+          <a:chOff x="0" y="0"/>
+          <a:chExt cx="0" cy="0"/>
+        </a:xfrm>
+      </p:grpSpPr>
+      <p:sp>
+        <p:nvSpPr>
+          <p:cNvPr id="2" name="Title 1">
+            <a:extLst>
+              <a:ext uri="{FF2B5EF4-FFF2-40B4-BE49-F238E27FC236}">
+                <a16:creationId xmlns:a16="http://schemas.microsoft.com/office/drawing/2014/main" id="{DD9B8E45-0772-954C-8D4B-6E6808DFEDED}"/>
+              </a:ext>
+            </a:extLst>
+          </p:cNvPr>
+          <p:cNvSpPr>
+            <a:spLocks noGrp="1"/>
+          </p:cNvSpPr>
+          <p:nvPr>
+            <p:ph type="title"/>
+          </p:nvPr>
+        </p:nvSpPr>
+        <p:spPr>
+          <a:xfrm>
+            <a:off x="838200" y="365129"/>
+            <a:ext cx="10002520" cy="1325563"/>
+          </a:xfrm>
+          <a:prstGeom prst="rect">
+            <a:avLst/>
+          </a:prstGeom>
+        </p:spPr>
+        <p:txBody>
+          <a:bodyPr/>
+          <a:lstStyle/>
+          <a:p>
+            <a:pPr lvl="0" indent="0" marL="0">
+              <a:buNone/>
+            </a:pPr>
+            <a:r>
+              <a:rPr/>
+              <a:t>The challenge of operationalisation</a:t>
+            </a:r>
+          </a:p>
+        </p:txBody>
+      </p:sp>
+      <p:pic>
+        <p:nvPicPr>
+          <p:cNvPr descr="images/paste-C6316887.png" id="0" name="Picture 1"/>
+          <p:cNvPicPr>
+            <a:picLocks noGrp="1" noChangeAspect="1"/>
+          </p:cNvPicPr>
+          <p:nvPr/>
+        </p:nvPicPr>
+        <p:blipFill>
+          <a:blip r:embed="rId2"/>
+          <a:stretch>
+            <a:fillRect/>
+          </a:stretch>
+        </p:blipFill>
+        <p:spPr bwMode="auto">
+          <a:xfrm>
+            <a:off x="1676400" y="1816100"/>
+            <a:ext cx="8851900" cy="4343400"/>
+          </a:xfrm>
+          <a:prstGeom prst="rect">
+            <a:avLst/>
+          </a:prstGeom>
+          <a:noFill/>
+          <a:ln w="9525">
+            <a:noFill/>
+            <a:headEnd/>
+            <a:tailEnd/>
+          </a:ln>
+        </p:spPr>
+      </p:pic>
+    </p:spTree>
+  </p:cSld>
+</p:sld>
+</file>
+
+<file path=ppt/slides/slide22.xml><?xml version="1.0" encoding="utf-8"?>
+<p:sld xmlns:a="http://schemas.openxmlformats.org/drawingml/2006/main" xmlns:r="http://schemas.openxmlformats.org/officeDocument/2006/relationships" xmlns:p="http://schemas.openxmlformats.org/presentationml/2006/main">
+  <p:cSld>
+    <p:spTree>
+      <p:nvGrpSpPr>
+        <p:cNvPr id="1" name=""/>
+        <p:cNvGrpSpPr/>
+        <p:nvPr/>
+      </p:nvGrpSpPr>
+      <p:grpSpPr>
+        <a:xfrm>
+          <a:off x="0" y="0"/>
+          <a:ext cx="0" cy="0"/>
+          <a:chOff x="0" y="0"/>
+          <a:chExt cx="0" cy="0"/>
+        </a:xfrm>
+      </p:grpSpPr>
+      <p:sp>
+        <p:nvSpPr>
+          <p:cNvPr id="2" name="Title 1">
+            <a:extLst>
+              <a:ext uri="{FF2B5EF4-FFF2-40B4-BE49-F238E27FC236}">
+                <a16:creationId xmlns:a16="http://schemas.microsoft.com/office/drawing/2014/main" id="{DD9B8E45-0772-954C-8D4B-6E6808DFEDED}"/>
+              </a:ext>
+            </a:extLst>
+          </p:cNvPr>
+          <p:cNvSpPr>
+            <a:spLocks noGrp="1"/>
+          </p:cNvSpPr>
+          <p:nvPr>
+            <p:ph type="title"/>
+          </p:nvPr>
+        </p:nvSpPr>
+        <p:spPr>
+          <a:xfrm>
+            <a:off x="838200" y="365129"/>
+            <a:ext cx="10002520" cy="1325563"/>
+          </a:xfrm>
+          <a:prstGeom prst="rect">
+            <a:avLst/>
+          </a:prstGeom>
+        </p:spPr>
+        <p:txBody>
+          <a:bodyPr/>
+          <a:lstStyle/>
+          <a:p>
+            <a:pPr lvl="0" indent="0" marL="0">
+              <a:buNone/>
+            </a:pPr>
+            <a:r>
+              <a:rPr/>
+              <a:t>A toy example</a:t>
+            </a:r>
+          </a:p>
+        </p:txBody>
+      </p:sp>
+      <p:pic>
+        <p:nvPicPr>
+          <p:cNvPr descr="images/paste-D76E2D76.png" id="0" name="Picture 1"/>
+          <p:cNvPicPr>
+            <a:picLocks noGrp="1" noChangeAspect="1"/>
+          </p:cNvPicPr>
+          <p:nvPr/>
+        </p:nvPicPr>
+        <p:blipFill>
+          <a:blip r:embed="rId2"/>
+          <a:stretch>
+            <a:fillRect/>
+          </a:stretch>
+        </p:blipFill>
+        <p:spPr bwMode="auto">
+          <a:xfrm>
+            <a:off x="2209800" y="1816100"/>
+            <a:ext cx="7785100" cy="4343400"/>
+          </a:xfrm>
+          <a:prstGeom prst="rect">
+            <a:avLst/>
+          </a:prstGeom>
+          <a:noFill/>
+          <a:ln w="9525">
+            <a:noFill/>
+            <a:headEnd/>
+            <a:tailEnd/>
+          </a:ln>
+        </p:spPr>
+      </p:pic>
+    </p:spTree>
+  </p:cSld>
+</p:sld>
+</file>
+
+<file path=ppt/slides/slide23.xml><?xml version="1.0" encoding="utf-8"?>
+<p:sld xmlns:a="http://schemas.openxmlformats.org/drawingml/2006/main" xmlns:r="http://schemas.openxmlformats.org/officeDocument/2006/relationships" xmlns:p="http://schemas.openxmlformats.org/presentationml/2006/main">
+  <p:cSld>
+    <p:spTree>
+      <p:nvGrpSpPr>
+        <p:cNvPr id="1" name=""/>
+        <p:cNvGrpSpPr/>
+        <p:nvPr/>
+      </p:nvGrpSpPr>
+      <p:grpSpPr>
+        <a:xfrm>
+          <a:off x="0" y="0"/>
+          <a:ext cx="0" cy="0"/>
+          <a:chOff x="0" y="0"/>
+          <a:chExt cx="0" cy="0"/>
+        </a:xfrm>
+      </p:grpSpPr>
+      <p:sp>
+        <p:nvSpPr>
+          <p:cNvPr id="2" name="Title 1">
+            <a:extLst>
+              <a:ext uri="{FF2B5EF4-FFF2-40B4-BE49-F238E27FC236}">
+                <a16:creationId xmlns:a16="http://schemas.microsoft.com/office/drawing/2014/main" id="{DD9B8E45-0772-954C-8D4B-6E6808DFEDED}"/>
+              </a:ext>
+            </a:extLst>
+          </p:cNvPr>
+          <p:cNvSpPr>
+            <a:spLocks noGrp="1"/>
+          </p:cNvSpPr>
+          <p:nvPr>
+            <p:ph type="title"/>
+          </p:nvPr>
+        </p:nvSpPr>
+        <p:spPr>
+          <a:xfrm>
+            <a:off x="838200" y="365129"/>
+            <a:ext cx="10002520" cy="1325563"/>
+          </a:xfrm>
+          <a:prstGeom prst="rect">
+            <a:avLst/>
+          </a:prstGeom>
+        </p:spPr>
+        <p:txBody>
+          <a:bodyPr/>
+          <a:lstStyle/>
+          <a:p>
+            <a:pPr lvl="0" indent="0" marL="0">
+              <a:buNone/>
+            </a:pPr>
+            <a:r>
+              <a:rPr/>
+              <a:t>Extraneous variables</a:t>
+            </a:r>
+          </a:p>
+        </p:txBody>
+      </p:sp>
+      <p:pic>
+        <p:nvPicPr>
+          <p:cNvPr descr="images/paste-4B088F3A.png" id="0" name="Picture 1"/>
+          <p:cNvPicPr>
+            <a:picLocks noGrp="1" noChangeAspect="1"/>
+          </p:cNvPicPr>
+          <p:nvPr/>
+        </p:nvPicPr>
+        <p:blipFill>
+          <a:blip r:embed="rId2"/>
+          <a:stretch>
+            <a:fillRect/>
+          </a:stretch>
+        </p:blipFill>
+        <p:spPr bwMode="auto">
+          <a:xfrm>
+            <a:off x="2184400" y="1816100"/>
+            <a:ext cx="7810500" cy="4343400"/>
+          </a:xfrm>
+          <a:prstGeom prst="rect">
+            <a:avLst/>
+          </a:prstGeom>
+          <a:noFill/>
+          <a:ln w="9525">
+            <a:noFill/>
+            <a:headEnd/>
+            <a:tailEnd/>
+          </a:ln>
+        </p:spPr>
+      </p:pic>
+    </p:spTree>
+  </p:cSld>
+</p:sld>
+</file>
+
+<file path=ppt/slides/slide24.xml><?xml version="1.0" encoding="utf-8"?>
+<p:sld xmlns:a="http://schemas.openxmlformats.org/drawingml/2006/main" xmlns:r="http://schemas.openxmlformats.org/officeDocument/2006/relationships" xmlns:p="http://schemas.openxmlformats.org/presentationml/2006/main">
+  <p:cSld>
+    <p:spTree>
+      <p:nvGrpSpPr>
+        <p:cNvPr id="1" name=""/>
+        <p:cNvGrpSpPr/>
+        <p:nvPr/>
+      </p:nvGrpSpPr>
+      <p:grpSpPr>
+        <a:xfrm>
+          <a:off x="0" y="0"/>
+          <a:ext cx="0" cy="0"/>
+          <a:chOff x="0" y="0"/>
+          <a:chExt cx="0" cy="0"/>
+        </a:xfrm>
+      </p:grpSpPr>
+      <p:sp>
+        <p:nvSpPr>
+          <p:cNvPr id="2" name="Title 1">
+            <a:extLst>
+              <a:ext uri="{FF2B5EF4-FFF2-40B4-BE49-F238E27FC236}">
+                <a16:creationId xmlns:a16="http://schemas.microsoft.com/office/drawing/2014/main" id="{DD9B8E45-0772-954C-8D4B-6E6808DFEDED}"/>
+              </a:ext>
+            </a:extLst>
+          </p:cNvPr>
+          <p:cNvSpPr>
+            <a:spLocks noGrp="1"/>
+          </p:cNvSpPr>
+          <p:nvPr>
+            <p:ph type="title"/>
+          </p:nvPr>
+        </p:nvSpPr>
+        <p:spPr>
+          <a:xfrm>
+            <a:off x="838200" y="365129"/>
+            <a:ext cx="10002520" cy="1325563"/>
+          </a:xfrm>
+          <a:prstGeom prst="rect">
+            <a:avLst/>
+          </a:prstGeom>
+        </p:spPr>
+        <p:txBody>
+          <a:bodyPr/>
+          <a:lstStyle/>
+          <a:p>
+            <a:pPr lvl="0" indent="0" marL="0">
+              <a:buNone/>
+            </a:pPr>
+            <a:r>
+              <a:rPr/>
+              <a:t>Usually…</a:t>
+            </a:r>
+          </a:p>
+        </p:txBody>
+      </p:sp>
+      <p:pic>
+        <p:nvPicPr>
+          <p:cNvPr descr="images/paste-5770750E.png" id="0" name="Picture 1"/>
+          <p:cNvPicPr>
+            <a:picLocks noGrp="1" noChangeAspect="1"/>
+          </p:cNvPicPr>
+          <p:nvPr/>
+        </p:nvPicPr>
+        <p:blipFill>
+          <a:blip r:embed="rId2"/>
+          <a:stretch>
+            <a:fillRect/>
+          </a:stretch>
+        </p:blipFill>
+        <p:spPr bwMode="auto">
+          <a:xfrm>
+            <a:off x="2070100" y="1816100"/>
+            <a:ext cx="8051800" cy="4343400"/>
+          </a:xfrm>
+          <a:prstGeom prst="rect">
+            <a:avLst/>
+          </a:prstGeom>
+          <a:noFill/>
+          <a:ln w="9525">
+            <a:noFill/>
+            <a:headEnd/>
+            <a:tailEnd/>
+          </a:ln>
+        </p:spPr>
+      </p:pic>
+    </p:spTree>
+  </p:cSld>
+</p:sld>
+</file>
+
+<file path=ppt/slides/slide25.xml><?xml version="1.0" encoding="utf-8"?>
+<p:sld xmlns:a="http://schemas.openxmlformats.org/drawingml/2006/main" xmlns:r="http://schemas.openxmlformats.org/officeDocument/2006/relationships" xmlns:p="http://schemas.openxmlformats.org/presentationml/2006/main">
+  <p:cSld>
+    <p:spTree>
+      <p:nvGrpSpPr>
+        <p:cNvPr id="1" name=""/>
+        <p:cNvGrpSpPr/>
+        <p:nvPr/>
+      </p:nvGrpSpPr>
+      <p:grpSpPr>
+        <a:xfrm>
+          <a:off x="0" y="0"/>
+          <a:ext cx="0" cy="0"/>
+          <a:chOff x="0" y="0"/>
+          <a:chExt cx="0" cy="0"/>
+        </a:xfrm>
+      </p:grpSpPr>
+      <p:sp>
+        <p:nvSpPr>
+          <p:cNvPr id="2" name="Title 1">
+            <a:extLst>
+              <a:ext uri="{FF2B5EF4-FFF2-40B4-BE49-F238E27FC236}">
+                <a16:creationId xmlns:a16="http://schemas.microsoft.com/office/drawing/2014/main" id="{F3186003-B489-CA46-A95C-C1AECC0CA4D3}"/>
+              </a:ext>
+            </a:extLst>
+          </p:cNvPr>
+          <p:cNvSpPr>
+            <a:spLocks noGrp="1"/>
+          </p:cNvSpPr>
+          <p:nvPr>
+            <p:ph type="title"/>
+          </p:nvPr>
+        </p:nvSpPr>
+        <p:spPr>
+          <a:xfrm>
+            <a:off x="839788" y="457200"/>
+            <a:ext cx="3932237" cy="1600200"/>
+          </a:xfrm>
+          <a:prstGeom prst="rect">
+            <a:avLst/>
+          </a:prstGeom>
+        </p:spPr>
+        <p:txBody>
+          <a:bodyPr/>
+          <a:lstStyle/>
+          <a:p>
+            <a:pPr lvl="0" indent="0" marL="0">
+              <a:buNone/>
+            </a:pPr>
+            <a:r>
+              <a:rPr/>
+              <a:t>but occasionally…</a:t>
+            </a:r>
+          </a:p>
+        </p:txBody>
+      </p:sp>
+      <p:sp>
+        <p:nvSpPr>
+          <p:cNvPr id="4" name="Text Placeholder 3">
+            <a:extLst>
+              <a:ext uri="{FF2B5EF4-FFF2-40B4-BE49-F238E27FC236}">
+                <a16:creationId xmlns:a16="http://schemas.microsoft.com/office/drawing/2014/main" id="{898BA411-2A54-A94A-B3FC-826281DBEADF}"/>
+              </a:ext>
+            </a:extLst>
+          </p:cNvPr>
+          <p:cNvSpPr>
+            <a:spLocks noGrp="1"/>
+          </p:cNvSpPr>
+          <p:nvPr>
+            <p:ph idx="2" sz="half" type="body"/>
           </p:nvPr>
         </p:nvSpPr>
         <p:spPr/>
@@ -10086,14 +6785,11 @@
           <a:lstStyle/>
           <a:p>
             <a:pPr lvl="0" indent="0" marL="0">
-              <a:spcBef>
-                <a:spcPts val="3000"/>
-              </a:spcBef>
               <a:buNone/>
             </a:pPr>
             <a:r>
-              <a:rPr b="1"/>
-              <a:t>On behalf of the whole teaching team</a:t>
+              <a:rPr/>
+              <a:t>you hear of ‘confounds’ or ‘confounding variables’</a:t>
             </a:r>
           </a:p>
           <a:p>
@@ -10102,35 +6798,413 @@
             </a:pPr>
             <a:r>
               <a:rPr/>
-              <a:t>Have a wonderful year!</a:t>
-            </a:r>
-          </a:p>
+              <a:t>A confounding variable is an extraneous variable that </a:t>
+            </a:r>
+            <a:r>
+              <a:rPr u="sng"/>
+              <a:t>systematically varies</a:t>
+            </a:r>
+            <a:r>
+              <a:rPr/>
+              <a:t> with one of your independent variables. These are rare, but nothing can save the experiment.</a:t>
+            </a:r>
+          </a:p>
+        </p:txBody>
+      </p:sp>
+      <p:pic>
+        <p:nvPicPr>
+          <p:cNvPr descr="images/paste-B5DC6F1B.png" id="0" name="Picture 1"/>
+          <p:cNvPicPr>
+            <a:picLocks noGrp="1" noChangeAspect="1"/>
+          </p:cNvPicPr>
+          <p:nvPr/>
+        </p:nvPicPr>
+        <p:blipFill>
+          <a:blip r:embed="rId2"/>
+          <a:stretch>
+            <a:fillRect/>
+          </a:stretch>
+        </p:blipFill>
+        <p:spPr bwMode="auto">
+          <a:xfrm>
+            <a:off x="5181600" y="2184400"/>
+            <a:ext cx="6172200" cy="2438400"/>
+          </a:xfrm>
+          <a:prstGeom prst="rect">
+            <a:avLst/>
+          </a:prstGeom>
+          <a:noFill/>
+          <a:ln w="9525">
+            <a:noFill/>
+            <a:headEnd/>
+            <a:tailEnd/>
+          </a:ln>
+        </p:spPr>
+      </p:pic>
+    </p:spTree>
+  </p:cSld>
+</p:sld>
+</file>
+
+<file path=ppt/slides/slide26.xml><?xml version="1.0" encoding="utf-8"?>
+<p:sld xmlns:a="http://schemas.openxmlformats.org/drawingml/2006/main" xmlns:r="http://schemas.openxmlformats.org/officeDocument/2006/relationships" xmlns:p="http://schemas.openxmlformats.org/presentationml/2006/main">
+  <p:cSld>
+    <p:spTree>
+      <p:nvGrpSpPr>
+        <p:cNvPr id="1" name=""/>
+        <p:cNvGrpSpPr/>
+        <p:nvPr/>
+      </p:nvGrpSpPr>
+      <p:grpSpPr>
+        <a:xfrm>
+          <a:off x="0" y="0"/>
+          <a:ext cx="0" cy="0"/>
+          <a:chOff x="0" y="0"/>
+          <a:chExt cx="0" cy="0"/>
+        </a:xfrm>
+      </p:grpSpPr>
+      <p:sp>
+        <p:nvSpPr>
+          <p:cNvPr id="2" name="Title 1">
+            <a:extLst>
+              <a:ext uri="{FF2B5EF4-FFF2-40B4-BE49-F238E27FC236}">
+                <a16:creationId xmlns:a16="http://schemas.microsoft.com/office/drawing/2014/main" id="{DD9B8E45-0772-954C-8D4B-6E6808DFEDED}"/>
+              </a:ext>
+            </a:extLst>
+          </p:cNvPr>
+          <p:cNvSpPr>
+            <a:spLocks noGrp="1"/>
+          </p:cNvSpPr>
+          <p:nvPr>
+            <p:ph type="title"/>
+          </p:nvPr>
+        </p:nvSpPr>
+        <p:spPr>
+          <a:xfrm>
+            <a:off x="838200" y="365129"/>
+            <a:ext cx="10002520" cy="1325563"/>
+          </a:xfrm>
+          <a:prstGeom prst="rect">
+            <a:avLst/>
+          </a:prstGeom>
+        </p:spPr>
+        <p:txBody>
+          <a:bodyPr/>
+          <a:lstStyle/>
           <a:p>
             <a:pPr lvl="0" indent="0" marL="0">
-              <a:spcBef>
-                <a:spcPts val="3000"/>
-              </a:spcBef>
               <a:buNone/>
             </a:pPr>
             <a:r>
-              <a:rPr b="1"/>
-              <a:t>Any Questions?</a:t>
-            </a:r>
-          </a:p>
+              <a:rPr/>
+              <a:t>An impossible interpretation</a:t>
+            </a:r>
+          </a:p>
+        </p:txBody>
+      </p:sp>
+      <p:pic>
+        <p:nvPicPr>
+          <p:cNvPr descr="images/paste-755BCA67.png" id="0" name="Picture 1"/>
+          <p:cNvPicPr>
+            <a:picLocks noGrp="1" noChangeAspect="1"/>
+          </p:cNvPicPr>
+          <p:nvPr/>
+        </p:nvPicPr>
+        <p:blipFill>
+          <a:blip r:embed="rId2"/>
+          <a:stretch>
+            <a:fillRect/>
+          </a:stretch>
+        </p:blipFill>
+        <p:spPr bwMode="auto">
+          <a:xfrm>
+            <a:off x="1689100" y="1816100"/>
+            <a:ext cx="8813800" cy="4343400"/>
+          </a:xfrm>
+          <a:prstGeom prst="rect">
+            <a:avLst/>
+          </a:prstGeom>
+          <a:noFill/>
+          <a:ln w="9525">
+            <a:noFill/>
+            <a:headEnd/>
+            <a:tailEnd/>
+          </a:ln>
+        </p:spPr>
+      </p:pic>
+    </p:spTree>
+  </p:cSld>
+</p:sld>
+</file>
+
+<file path=ppt/slides/slide27.xml><?xml version="1.0" encoding="utf-8"?>
+<p:sld xmlns:a="http://schemas.openxmlformats.org/drawingml/2006/main" xmlns:r="http://schemas.openxmlformats.org/officeDocument/2006/relationships" xmlns:p="http://schemas.openxmlformats.org/presentationml/2006/main">
+  <p:cSld>
+    <p:spTree>
+      <p:nvGrpSpPr>
+        <p:cNvPr id="1" name=""/>
+        <p:cNvGrpSpPr/>
+        <p:nvPr/>
+      </p:nvGrpSpPr>
+      <p:grpSpPr>
+        <a:xfrm>
+          <a:off x="0" y="0"/>
+          <a:ext cx="0" cy="0"/>
+          <a:chOff x="0" y="0"/>
+          <a:chExt cx="0" cy="0"/>
+        </a:xfrm>
+      </p:grpSpPr>
+      <p:sp>
+        <p:nvSpPr>
+          <p:cNvPr id="2" name="Title 1">
+            <a:extLst>
+              <a:ext uri="{FF2B5EF4-FFF2-40B4-BE49-F238E27FC236}">
+                <a16:creationId xmlns:a16="http://schemas.microsoft.com/office/drawing/2014/main" id="{DD9B8E45-0772-954C-8D4B-6E6808DFEDED}"/>
+              </a:ext>
+            </a:extLst>
+          </p:cNvPr>
+          <p:cNvSpPr>
+            <a:spLocks noGrp="1"/>
+          </p:cNvSpPr>
+          <p:nvPr>
+            <p:ph type="title"/>
+          </p:nvPr>
+        </p:nvSpPr>
+        <p:spPr>
+          <a:xfrm>
+            <a:off x="838200" y="365129"/>
+            <a:ext cx="10002520" cy="1325563"/>
+          </a:xfrm>
+          <a:prstGeom prst="rect">
+            <a:avLst/>
+          </a:prstGeom>
+        </p:spPr>
+        <p:txBody>
+          <a:bodyPr/>
+          <a:lstStyle/>
           <a:p>
             <a:pPr lvl="0" indent="0" marL="0">
-              <a:spcBef>
-                <a:spcPts val="3000"/>
-              </a:spcBef>
               <a:buNone/>
             </a:pPr>
             <a:r>
-              <a:rPr b="1"/>
-              <a:t>References</a:t>
-            </a:r>
-          </a:p>
-        </p:txBody>
-      </p:sp>
+              <a:rPr/>
+              <a:t>Manipulations almost always introduce potential confounds</a:t>
+            </a:r>
+          </a:p>
+        </p:txBody>
+      </p:sp>
+      <p:pic>
+        <p:nvPicPr>
+          <p:cNvPr descr="images/paste-EF9EB1AF.png" id="0" name="Picture 1"/>
+          <p:cNvPicPr>
+            <a:picLocks noGrp="1" noChangeAspect="1"/>
+          </p:cNvPicPr>
+          <p:nvPr/>
+        </p:nvPicPr>
+        <p:blipFill>
+          <a:blip r:embed="rId2"/>
+          <a:stretch>
+            <a:fillRect/>
+          </a:stretch>
+        </p:blipFill>
+        <p:spPr bwMode="auto">
+          <a:xfrm>
+            <a:off x="1790700" y="1816100"/>
+            <a:ext cx="8597900" cy="4343400"/>
+          </a:xfrm>
+          <a:prstGeom prst="rect">
+            <a:avLst/>
+          </a:prstGeom>
+          <a:noFill/>
+          <a:ln w="9525">
+            <a:noFill/>
+            <a:headEnd/>
+            <a:tailEnd/>
+          </a:ln>
+        </p:spPr>
+      </p:pic>
+    </p:spTree>
+  </p:cSld>
+</p:sld>
+</file>
+
+<file path=ppt/slides/slide28.xml><?xml version="1.0" encoding="utf-8"?>
+<p:sld xmlns:a="http://schemas.openxmlformats.org/drawingml/2006/main" xmlns:r="http://schemas.openxmlformats.org/officeDocument/2006/relationships" xmlns:p="http://schemas.openxmlformats.org/presentationml/2006/main">
+  <p:cSld>
+    <p:spTree>
+      <p:nvGrpSpPr>
+        <p:cNvPr id="1" name=""/>
+        <p:cNvGrpSpPr/>
+        <p:nvPr/>
+      </p:nvGrpSpPr>
+      <p:grpSpPr>
+        <a:xfrm>
+          <a:off x="0" y="0"/>
+          <a:ext cx="0" cy="0"/>
+          <a:chOff x="0" y="0"/>
+          <a:chExt cx="0" cy="0"/>
+        </a:xfrm>
+      </p:grpSpPr>
+      <p:sp>
+        <p:nvSpPr>
+          <p:cNvPr id="2" name="Title 1">
+            <a:extLst>
+              <a:ext uri="{FF2B5EF4-FFF2-40B4-BE49-F238E27FC236}">
+                <a16:creationId xmlns:a16="http://schemas.microsoft.com/office/drawing/2014/main" id="{DD9B8E45-0772-954C-8D4B-6E6808DFEDED}"/>
+              </a:ext>
+            </a:extLst>
+          </p:cNvPr>
+          <p:cNvSpPr>
+            <a:spLocks noGrp="1"/>
+          </p:cNvSpPr>
+          <p:nvPr>
+            <p:ph type="title"/>
+          </p:nvPr>
+        </p:nvSpPr>
+        <p:spPr>
+          <a:xfrm>
+            <a:off x="838200" y="365129"/>
+            <a:ext cx="10002520" cy="1325563"/>
+          </a:xfrm>
+          <a:prstGeom prst="rect">
+            <a:avLst/>
+          </a:prstGeom>
+        </p:spPr>
+        <p:txBody>
+          <a:bodyPr/>
+          <a:lstStyle/>
+          <a:p>
+            <a:pPr lvl="0" indent="0" marL="0">
+              <a:buNone/>
+            </a:pPr>
+            <a:r>
+              <a:rPr/>
+              <a:t>Experimental skill + careful thought + piloting + randomness!</a:t>
+            </a:r>
+          </a:p>
+        </p:txBody>
+      </p:sp>
+      <p:pic>
+        <p:nvPicPr>
+          <p:cNvPr descr="images/paste-1931EC21.png" id="0" name="Picture 1"/>
+          <p:cNvPicPr>
+            <a:picLocks noGrp="1" noChangeAspect="1"/>
+          </p:cNvPicPr>
+          <p:nvPr/>
+        </p:nvPicPr>
+        <p:blipFill>
+          <a:blip r:embed="rId2"/>
+          <a:stretch>
+            <a:fillRect/>
+          </a:stretch>
+        </p:blipFill>
+        <p:spPr bwMode="auto">
+          <a:xfrm>
+            <a:off x="2159000" y="1816100"/>
+            <a:ext cx="7874000" cy="4343400"/>
+          </a:xfrm>
+          <a:prstGeom prst="rect">
+            <a:avLst/>
+          </a:prstGeom>
+          <a:noFill/>
+          <a:ln w="9525">
+            <a:noFill/>
+            <a:headEnd/>
+            <a:tailEnd/>
+          </a:ln>
+        </p:spPr>
+      </p:pic>
+    </p:spTree>
+  </p:cSld>
+</p:sld>
+</file>
+
+<file path=ppt/slides/slide29.xml><?xml version="1.0" encoding="utf-8"?>
+<p:sld xmlns:a="http://schemas.openxmlformats.org/drawingml/2006/main" xmlns:r="http://schemas.openxmlformats.org/officeDocument/2006/relationships" xmlns:p="http://schemas.openxmlformats.org/presentationml/2006/main">
+  <p:cSld>
+    <p:spTree>
+      <p:nvGrpSpPr>
+        <p:cNvPr id="1" name=""/>
+        <p:cNvGrpSpPr/>
+        <p:nvPr/>
+      </p:nvGrpSpPr>
+      <p:grpSpPr>
+        <a:xfrm>
+          <a:off x="0" y="0"/>
+          <a:ext cx="0" cy="0"/>
+          <a:chOff x="0" y="0"/>
+          <a:chExt cx="0" cy="0"/>
+        </a:xfrm>
+      </p:grpSpPr>
+      <p:sp>
+        <p:nvSpPr>
+          <p:cNvPr id="2" name="Title 1">
+            <a:extLst>
+              <a:ext uri="{FF2B5EF4-FFF2-40B4-BE49-F238E27FC236}">
+                <a16:creationId xmlns:a16="http://schemas.microsoft.com/office/drawing/2014/main" id="{DD9B8E45-0772-954C-8D4B-6E6808DFEDED}"/>
+              </a:ext>
+            </a:extLst>
+          </p:cNvPr>
+          <p:cNvSpPr>
+            <a:spLocks noGrp="1"/>
+          </p:cNvSpPr>
+          <p:nvPr>
+            <p:ph type="title"/>
+          </p:nvPr>
+        </p:nvSpPr>
+        <p:spPr>
+          <a:xfrm>
+            <a:off x="838200" y="365129"/>
+            <a:ext cx="10002520" cy="1325563"/>
+          </a:xfrm>
+          <a:prstGeom prst="rect">
+            <a:avLst/>
+          </a:prstGeom>
+        </p:spPr>
+        <p:txBody>
+          <a:bodyPr/>
+          <a:lstStyle/>
+          <a:p>
+            <a:pPr lvl="0" indent="0" marL="0">
+              <a:buNone/>
+            </a:pPr>
+            <a:r>
+              <a:rPr/>
+              <a:t>The importance of operationalising your variables well</a:t>
+            </a:r>
+          </a:p>
+        </p:txBody>
+      </p:sp>
+      <p:pic>
+        <p:nvPicPr>
+          <p:cNvPr descr="images/paste-9B52240F.png" id="0" name="Picture 1"/>
+          <p:cNvPicPr>
+            <a:picLocks noGrp="1" noChangeAspect="1"/>
+          </p:cNvPicPr>
+          <p:nvPr/>
+        </p:nvPicPr>
+        <p:blipFill>
+          <a:blip r:embed="rId2"/>
+          <a:stretch>
+            <a:fillRect/>
+          </a:stretch>
+        </p:blipFill>
+        <p:spPr bwMode="auto">
+          <a:xfrm>
+            <a:off x="1130300" y="1816100"/>
+            <a:ext cx="9918700" cy="4343400"/>
+          </a:xfrm>
+          <a:prstGeom prst="rect">
+            <a:avLst/>
+          </a:prstGeom>
+          <a:noFill/>
+          <a:ln w="9525">
+            <a:noFill/>
+            <a:headEnd/>
+            <a:tailEnd/>
+          </a:ln>
+        </p:spPr>
+      </p:pic>
     </p:spTree>
   </p:cSld>
 </p:sld>
@@ -10158,7 +7232,7 @@
           <p:cNvPr id="2" name="Title 1">
             <a:extLst>
               <a:ext uri="{FF2B5EF4-FFF2-40B4-BE49-F238E27FC236}">
-                <a16:creationId xmlns:a16="http://schemas.microsoft.com/office/drawing/2014/main" id="{F3186003-B489-CA46-A95C-C1AECC0CA4D3}"/>
+                <a16:creationId xmlns:a16="http://schemas.microsoft.com/office/drawing/2014/main" id="{DD9B8E45-0772-954C-8D4B-6E6808DFEDED}"/>
               </a:ext>
             </a:extLst>
           </p:cNvPr>
@@ -10171,8 +7245,8 @@
         </p:nvSpPr>
         <p:spPr>
           <a:xfrm>
-            <a:off x="839788" y="457200"/>
-            <a:ext cx="3932237" cy="1600200"/>
+            <a:off x="838200" y="365129"/>
+            <a:ext cx="10002520" cy="1325563"/>
           </a:xfrm>
           <a:prstGeom prst="rect">
             <a:avLst/>
@@ -10187,25 +7261,25 @@
             </a:pPr>
             <a:r>
               <a:rPr/>
-              <a:t>Module Overview</a:t>
-            </a:r>
-          </a:p>
-        </p:txBody>
-      </p:sp>
-      <p:sp>
-        <p:nvSpPr>
-          <p:cNvPr id="4" name="Text Placeholder 3">
-            <a:extLst>
-              <a:ext uri="{FF2B5EF4-FFF2-40B4-BE49-F238E27FC236}">
-                <a16:creationId xmlns:a16="http://schemas.microsoft.com/office/drawing/2014/main" id="{898BA411-2A54-A94A-B3FC-826281DBEADF}"/>
-              </a:ext>
-            </a:extLst>
-          </p:cNvPr>
-          <p:cNvSpPr>
-            <a:spLocks noGrp="1"/>
-          </p:cNvSpPr>
-          <p:nvPr>
-            <p:ph idx="2" sz="half" type="body"/>
+              <a:t>Key topics today</a:t>
+            </a:r>
+          </a:p>
+        </p:txBody>
+      </p:sp>
+      <p:sp>
+        <p:nvSpPr>
+          <p:cNvPr id="3" name="Content Placeholder 2">
+            <a:extLst>
+              <a:ext uri="{FF2B5EF4-FFF2-40B4-BE49-F238E27FC236}">
+                <a16:creationId xmlns:a16="http://schemas.microsoft.com/office/drawing/2014/main" id="{A4EB24F9-04F1-C843-9D71-56C5C024552B}"/>
+              </a:ext>
+            </a:extLst>
+          </p:cNvPr>
+          <p:cNvSpPr>
+            <a:spLocks noGrp="1"/>
+          </p:cNvSpPr>
+          <p:nvPr>
+            <p:ph idx="1"/>
           </p:nvPr>
         </p:nvSpPr>
         <p:spPr/>
@@ -10213,132 +7287,827 @@
           <a:bodyPr/>
           <a:lstStyle/>
           <a:p>
-            <a:pPr lvl="0" indent="0" marL="0">
-              <a:spcBef>
-                <a:spcPts val="3000"/>
-              </a:spcBef>
-              <a:buNone/>
-            </a:pPr>
-            <a:r>
-              <a:rPr b="1"/>
-              <a:t>Module weighting and assessment</a:t>
-            </a:r>
-          </a:p>
-          <a:p>
-            <a:pPr lvl="0" indent="0" marL="0">
-              <a:buNone/>
-            </a:pPr>
+            <a:pPr lvl="0"/>
             <a:r>
               <a:rPr/>
-              <a:t>Research Methods is a 30 credit weighted module. As I always say, a coursework essay, say for Cognitive Psychology, is worth 1/10th of your Mini-Dissertation. It does NOT make sense to miss a lab working on an essay that might not even count towards your grade.</a:t>
-            </a:r>
-          </a:p>
-          <a:p>
-            <a:pPr lvl="0" indent="0" marL="0">
-              <a:buNone/>
-            </a:pPr>
+              <a:t>The week ahead</a:t>
+            </a:r>
+          </a:p>
+          <a:p>
+            <a:pPr lvl="0"/>
             <a:r>
               <a:rPr/>
-              <a:t>To pass, you must pass all 3 assessment elements:</a:t>
-            </a:r>
-          </a:p>
-          <a:p>
-            <a:pPr lvl="0" indent="0" marL="0">
-              <a:buNone/>
-            </a:pPr>
+              <a:t>The research process you are beginning</a:t>
+            </a:r>
+          </a:p>
+          <a:p>
+            <a:pPr lvl="0"/>
             <a:r>
               <a:rPr/>
-              <a:t>Critical Proposal 1,800 words (15%)</a:t>
-            </a:r>
-          </a:p>
-          <a:p>
-            <a:pPr lvl="0" indent="0" marL="0">
-              <a:buNone/>
-            </a:pPr>
+              <a:t>Effect sizes</a:t>
+            </a:r>
+          </a:p>
+          <a:p>
+            <a:pPr lvl="0"/>
             <a:r>
               <a:rPr/>
-              <a:t>Mini-Dissertation 2,500 words (70%)</a:t>
-            </a:r>
-          </a:p>
-          <a:p>
-            <a:pPr lvl="0" indent="0" marL="0">
-              <a:buNone/>
-            </a:pPr>
-            <a:r>
-              <a:rPr/>
-              <a:t>CHIP Learning Log 1,200 words (15%)</a:t>
-            </a:r>
-          </a:p>
-          <a:p>
-            <a:pPr lvl="0" indent="0" marL="0">
-              <a:spcBef>
-                <a:spcPts val="3000"/>
-              </a:spcBef>
-              <a:buNone/>
-            </a:pPr>
-            <a:r>
-              <a:rPr b="1"/>
-              <a:t>Gannt Chart</a:t>
-            </a:r>
-          </a:p>
-        </p:txBody>
-      </p:sp>
-      <p:pic>
-        <p:nvPicPr>
-          <p:cNvPr descr="images/Gantt of deadlines.png" id="0" name="Picture 1"/>
-          <p:cNvPicPr>
-            <a:picLocks noGrp="1" noChangeAspect="1"/>
-          </p:cNvPicPr>
-          <p:nvPr/>
-        </p:nvPicPr>
-        <p:blipFill>
-          <a:blip r:embed="rId2"/>
-          <a:stretch>
-            <a:fillRect/>
-          </a:stretch>
-        </p:blipFill>
-        <p:spPr bwMode="auto">
-          <a:xfrm>
-            <a:off x="5181600" y="1155700"/>
-            <a:ext cx="6172200" cy="4000500"/>
+              <a:t>Lab preview - Literature, and making it your friend</a:t>
+            </a:r>
+          </a:p>
+        </p:txBody>
+      </p:sp>
+    </p:spTree>
+  </p:cSld>
+</p:sld>
+</file>
+
+<file path=ppt/slides/slide30.xml><?xml version="1.0" encoding="utf-8"?>
+<p:sld xmlns:a="http://schemas.openxmlformats.org/drawingml/2006/main" xmlns:r="http://schemas.openxmlformats.org/officeDocument/2006/relationships" xmlns:p="http://schemas.openxmlformats.org/presentationml/2006/main">
+  <p:cSld>
+    <p:spTree>
+      <p:nvGrpSpPr>
+        <p:cNvPr id="1" name=""/>
+        <p:cNvGrpSpPr/>
+        <p:nvPr/>
+      </p:nvGrpSpPr>
+      <p:grpSpPr>
+        <a:xfrm>
+          <a:off x="0" y="0"/>
+          <a:ext cx="0" cy="0"/>
+          <a:chOff x="0" y="0"/>
+          <a:chExt cx="0" cy="0"/>
+        </a:xfrm>
+      </p:grpSpPr>
+      <p:sp>
+        <p:nvSpPr>
+          <p:cNvPr id="2" name="Title 1">
+            <a:extLst>
+              <a:ext uri="{FF2B5EF4-FFF2-40B4-BE49-F238E27FC236}">
+                <a16:creationId xmlns:a16="http://schemas.microsoft.com/office/drawing/2014/main" id="{DD9B8E45-0772-954C-8D4B-6E6808DFEDED}"/>
+              </a:ext>
+            </a:extLst>
+          </p:cNvPr>
+          <p:cNvSpPr>
+            <a:spLocks noGrp="1"/>
+          </p:cNvSpPr>
+          <p:nvPr>
+            <p:ph type="title"/>
+          </p:nvPr>
+        </p:nvSpPr>
+        <p:spPr>
+          <a:xfrm>
+            <a:off x="838200" y="365129"/>
+            <a:ext cx="10002520" cy="1325563"/>
           </a:xfrm>
           <a:prstGeom prst="rect">
             <a:avLst/>
           </a:prstGeom>
-          <a:noFill/>
-          <a:ln w="9525">
-            <a:noFill/>
-            <a:headEnd/>
-            <a:tailEnd/>
-          </a:ln>
-        </p:spPr>
-      </p:pic>
-      <p:sp>
-        <p:nvSpPr>
-          <p:cNvPr id="1" name="TextBox 3"/>
-          <p:cNvSpPr txBox="1"/>
-          <p:nvPr/>
+        </p:spPr>
+        <p:txBody>
+          <a:bodyPr/>
+          <a:lstStyle/>
+          <a:p>
+            <a:pPr lvl="0" indent="0" marL="0">
+              <a:buNone/>
+            </a:pPr>
+            <a:r>
+              <a:rPr/>
+              <a:t>Reading along</a:t>
+            </a:r>
+          </a:p>
+        </p:txBody>
+      </p:sp>
+      <p:sp>
+        <p:nvSpPr>
+          <p:cNvPr id="3" name="Content Placeholder 2">
+            <a:extLst>
+              <a:ext uri="{FF2B5EF4-FFF2-40B4-BE49-F238E27FC236}">
+                <a16:creationId xmlns:a16="http://schemas.microsoft.com/office/drawing/2014/main" id="{A4EB24F9-04F1-C843-9D71-56C5C024552B}"/>
+              </a:ext>
+            </a:extLst>
+          </p:cNvPr>
+          <p:cNvSpPr>
+            <a:spLocks noGrp="1"/>
+          </p:cNvSpPr>
+          <p:nvPr>
+            <p:ph idx="1"/>
+          </p:nvPr>
+        </p:nvSpPr>
+        <p:spPr/>
+        <p:txBody>
+          <a:bodyPr/>
+          <a:lstStyle/>
+          <a:p>
+            <a:pPr lvl="0" indent="0" marL="0">
+              <a:buNone/>
+            </a:pPr>
+            <a:r>
+              <a:rPr/>
+              <a:t>I highly recommend reading along with the general topics we cover in the first few weeks.</a:t>
+            </a:r>
+          </a:p>
+          <a:p>
+            <a:pPr lvl="0" indent="0" marL="0">
+              <a:buNone/>
+            </a:pPr>
+            <a:r>
+              <a:rPr/>
+              <a:t>Research Methods in Psychology by Dennis Howitt and Duncan Cramer is excellent. Chapter 2 in that book (right at the top of the module reading list and </a:t>
+            </a:r>
+            <a:r>
+              <a:rPr>
+                <a:hlinkClick r:id="rId2"/>
+              </a:rPr>
+              <a:t>here</a:t>
+            </a:r>
+            <a:r>
+              <a:rPr/>
+              <a:t>) deals with Hypotheses and aims of research, essentially what we cover this week, and Chapter 1 deals with the basics and golden rules of research design and designing good experiments.</a:t>
+            </a:r>
+          </a:p>
+        </p:txBody>
+      </p:sp>
+    </p:spTree>
+  </p:cSld>
+</p:sld>
+</file>
+
+<file path=ppt/slides/slide31.xml><?xml version="1.0" encoding="utf-8"?>
+<p:sld xmlns:a="http://schemas.openxmlformats.org/drawingml/2006/main" xmlns:r="http://schemas.openxmlformats.org/officeDocument/2006/relationships" xmlns:p="http://schemas.openxmlformats.org/presentationml/2006/main">
+  <p:cSld>
+    <p:spTree>
+      <p:nvGrpSpPr>
+        <p:cNvPr id="1" name=""/>
+        <p:cNvGrpSpPr/>
+        <p:nvPr/>
+      </p:nvGrpSpPr>
+      <p:grpSpPr>
+        <a:xfrm>
+          <a:off x="0" y="0"/>
+          <a:ext cx="0" cy="0"/>
+          <a:chOff x="0" y="0"/>
+          <a:chExt cx="0" cy="0"/>
+        </a:xfrm>
+      </p:grpSpPr>
+      <p:sp>
+        <p:nvSpPr>
+          <p:cNvPr id="2" name="Title 1">
+            <a:extLst>
+              <a:ext uri="{FF2B5EF4-FFF2-40B4-BE49-F238E27FC236}">
+                <a16:creationId xmlns:a16="http://schemas.microsoft.com/office/drawing/2014/main" id="{FF6A6CB2-D1B6-B94A-84C1-83C65423C650}"/>
+              </a:ext>
+            </a:extLst>
+          </p:cNvPr>
+          <p:cNvSpPr>
+            <a:spLocks noGrp="1"/>
+          </p:cNvSpPr>
+          <p:nvPr>
+            <p:ph type="title"/>
+          </p:nvPr>
         </p:nvSpPr>
         <p:spPr>
           <a:xfrm>
-            <a:off x="5181600" y="5334000"/>
-            <a:ext cx="6172200" cy="508000"/>
+            <a:off x="831851" y="1709742"/>
+            <a:ext cx="10515600" cy="2852737"/>
           </a:xfrm>
           <a:prstGeom prst="rect">
             <a:avLst/>
           </a:prstGeom>
-          <a:noFill/>
         </p:spPr>
         <p:txBody>
           <a:bodyPr/>
           <a:lstStyle/>
           <a:p>
-            <a:pPr lvl="0" indent="0" marL="0" algn="ctr">
+            <a:pPr lvl="0" indent="0" marL="0">
               <a:buNone/>
             </a:pPr>
             <a:r>
               <a:rPr/>
-              <a:t>Deadlines</a:t>
+              <a:t>Another interpretation of “I can’t make bricks without clay!”</a:t>
+            </a:r>
+          </a:p>
+        </p:txBody>
+      </p:sp>
+    </p:spTree>
+  </p:cSld>
+</p:sld>
+</file>
+
+<file path=ppt/slides/slide32.xml><?xml version="1.0" encoding="utf-8"?>
+<p:sld xmlns:a="http://schemas.openxmlformats.org/drawingml/2006/main" xmlns:r="http://schemas.openxmlformats.org/officeDocument/2006/relationships" xmlns:p="http://schemas.openxmlformats.org/presentationml/2006/main">
+  <p:cSld>
+    <p:spTree>
+      <p:nvGrpSpPr>
+        <p:cNvPr id="1" name=""/>
+        <p:cNvGrpSpPr/>
+        <p:nvPr/>
+      </p:nvGrpSpPr>
+      <p:grpSpPr>
+        <a:xfrm>
+          <a:off x="0" y="0"/>
+          <a:ext cx="0" cy="0"/>
+          <a:chOff x="0" y="0"/>
+          <a:chExt cx="0" cy="0"/>
+        </a:xfrm>
+      </p:grpSpPr>
+      <p:sp>
+        <p:nvSpPr>
+          <p:cNvPr id="2" name="Title 1">
+            <a:extLst>
+              <a:ext uri="{FF2B5EF4-FFF2-40B4-BE49-F238E27FC236}">
+                <a16:creationId xmlns:a16="http://schemas.microsoft.com/office/drawing/2014/main" id="{DD9B8E45-0772-954C-8D4B-6E6808DFEDED}"/>
+              </a:ext>
+            </a:extLst>
+          </p:cNvPr>
+          <p:cNvSpPr>
+            <a:spLocks noGrp="1"/>
+          </p:cNvSpPr>
+          <p:nvPr>
+            <p:ph type="title"/>
+          </p:nvPr>
+        </p:nvSpPr>
+        <p:spPr>
+          <a:xfrm>
+            <a:off x="838200" y="365129"/>
+            <a:ext cx="10002520" cy="1325563"/>
+          </a:xfrm>
+          <a:prstGeom prst="rect">
+            <a:avLst/>
+          </a:prstGeom>
+        </p:spPr>
+        <p:txBody>
+          <a:bodyPr/>
+          <a:lstStyle/>
+          <a:p>
+            <a:pPr lvl="0" indent="0" marL="0">
+              <a:buNone/>
+            </a:pPr>
+            <a:r>
+              <a:rPr/>
+              <a:t>Garbage in, Garbage out</a:t>
+            </a:r>
+          </a:p>
+        </p:txBody>
+      </p:sp>
+      <p:sp>
+        <p:nvSpPr>
+          <p:cNvPr id="3" name="Content Placeholder 2">
+            <a:extLst>
+              <a:ext uri="{FF2B5EF4-FFF2-40B4-BE49-F238E27FC236}">
+                <a16:creationId xmlns:a16="http://schemas.microsoft.com/office/drawing/2014/main" id="{A4EB24F9-04F1-C843-9D71-56C5C024552B}"/>
+              </a:ext>
+            </a:extLst>
+          </p:cNvPr>
+          <p:cNvSpPr>
+            <a:spLocks noGrp="1"/>
+          </p:cNvSpPr>
+          <p:nvPr>
+            <p:ph idx="1"/>
+          </p:nvPr>
+        </p:nvSpPr>
+        <p:spPr/>
+        <p:txBody>
+          <a:bodyPr/>
+          <a:lstStyle/>
+          <a:p>
+            <a:pPr lvl="0" indent="0" marL="0">
+              <a:buNone/>
+            </a:pPr>
+            <a:r>
+              <a:rPr/>
+              <a:t>Last year someone selected a ‘target paper’ for their Critical Proposal [next week’s lecture topic] from a Sociology Journal - it presented a ‘thought experiment’.</a:t>
+            </a:r>
+          </a:p>
+          <a:p>
+            <a:pPr lvl="0" indent="0" marL="0">
+              <a:buNone/>
+            </a:pPr>
+            <a:r>
+              <a:rPr/>
+              <a:t>No data, no methodology, no participants, no actual experiment.</a:t>
+            </a:r>
+          </a:p>
+          <a:p>
+            <a:pPr lvl="0" indent="0" marL="0">
+              <a:buNone/>
+            </a:pPr>
+            <a:r>
+              <a:rPr/>
+              <a:t>How do you think they did?</a:t>
+            </a:r>
+          </a:p>
+        </p:txBody>
+      </p:sp>
+    </p:spTree>
+  </p:cSld>
+</p:sld>
+</file>
+
+<file path=ppt/slides/slide33.xml><?xml version="1.0" encoding="utf-8"?>
+<p:sld xmlns:a="http://schemas.openxmlformats.org/drawingml/2006/main" xmlns:r="http://schemas.openxmlformats.org/officeDocument/2006/relationships" xmlns:p="http://schemas.openxmlformats.org/presentationml/2006/main">
+  <p:cSld>
+    <p:spTree>
+      <p:nvGrpSpPr>
+        <p:cNvPr id="1" name=""/>
+        <p:cNvGrpSpPr/>
+        <p:nvPr/>
+      </p:nvGrpSpPr>
+      <p:grpSpPr>
+        <a:xfrm>
+          <a:off x="0" y="0"/>
+          <a:ext cx="0" cy="0"/>
+          <a:chOff x="0" y="0"/>
+          <a:chExt cx="0" cy="0"/>
+        </a:xfrm>
+      </p:grpSpPr>
+      <p:sp>
+        <p:nvSpPr>
+          <p:cNvPr id="2" name="Title 1">
+            <a:extLst>
+              <a:ext uri="{FF2B5EF4-FFF2-40B4-BE49-F238E27FC236}">
+                <a16:creationId xmlns:a16="http://schemas.microsoft.com/office/drawing/2014/main" id="{DD9B8E45-0772-954C-8D4B-6E6808DFEDED}"/>
+              </a:ext>
+            </a:extLst>
+          </p:cNvPr>
+          <p:cNvSpPr>
+            <a:spLocks noGrp="1"/>
+          </p:cNvSpPr>
+          <p:nvPr>
+            <p:ph type="title"/>
+          </p:nvPr>
+        </p:nvSpPr>
+        <p:spPr>
+          <a:xfrm>
+            <a:off x="838200" y="365129"/>
+            <a:ext cx="10002520" cy="1325563"/>
+          </a:xfrm>
+          <a:prstGeom prst="rect">
+            <a:avLst/>
+          </a:prstGeom>
+        </p:spPr>
+        <p:txBody>
+          <a:bodyPr/>
+          <a:lstStyle/>
+          <a:p>
+            <a:pPr lvl="0" indent="0" marL="0">
+              <a:buNone/>
+            </a:pPr>
+            <a:r>
+              <a:rPr/>
+              <a:t>The literature you read will drive the quality of your output</a:t>
+            </a:r>
+          </a:p>
+        </p:txBody>
+      </p:sp>
+      <p:sp>
+        <p:nvSpPr>
+          <p:cNvPr id="3" name="Content Placeholder 2">
+            <a:extLst>
+              <a:ext uri="{FF2B5EF4-FFF2-40B4-BE49-F238E27FC236}">
+                <a16:creationId xmlns:a16="http://schemas.microsoft.com/office/drawing/2014/main" id="{A4EB24F9-04F1-C843-9D71-56C5C024552B}"/>
+              </a:ext>
+            </a:extLst>
+          </p:cNvPr>
+          <p:cNvSpPr>
+            <a:spLocks noGrp="1"/>
+          </p:cNvSpPr>
+          <p:nvPr>
+            <p:ph idx="1"/>
+          </p:nvPr>
+        </p:nvSpPr>
+        <p:spPr/>
+        <p:txBody>
+          <a:bodyPr/>
+          <a:lstStyle/>
+          <a:p>
+            <a:pPr lvl="0"/>
+            <a:r>
+              <a:rPr/>
+              <a:t>This applies to the study you design for your Mini-Dissertation</a:t>
+            </a:r>
+          </a:p>
+          <a:p>
+            <a:pPr lvl="0"/>
+            <a:r>
+              <a:rPr/>
+              <a:t>This applies to your Module Essays</a:t>
+            </a:r>
+          </a:p>
+          <a:p>
+            <a:pPr lvl="0"/>
+            <a:r>
+              <a:rPr/>
+              <a:t>This applies to your Critical Proposal</a:t>
+            </a:r>
+          </a:p>
+          <a:p>
+            <a:pPr lvl="0"/>
+            <a:r>
+              <a:rPr/>
+              <a:t>It is NOT a question of QUANTITY</a:t>
+            </a:r>
+          </a:p>
+          <a:p>
+            <a:pPr lvl="0"/>
+            <a:r>
+              <a:rPr/>
+              <a:t>It is very much a question of QUALITY</a:t>
+            </a:r>
+          </a:p>
+          <a:p>
+            <a:pPr lvl="0"/>
+            <a:r>
+              <a:rPr/>
+              <a:t>It is a function of QUALITY and QUANTITY</a:t>
+            </a:r>
+          </a:p>
+        </p:txBody>
+      </p:sp>
+    </p:spTree>
+  </p:cSld>
+</p:sld>
+</file>
+
+<file path=ppt/slides/slide34.xml><?xml version="1.0" encoding="utf-8"?>
+<p:sld xmlns:a="http://schemas.openxmlformats.org/drawingml/2006/main" xmlns:r="http://schemas.openxmlformats.org/officeDocument/2006/relationships" xmlns:p="http://schemas.openxmlformats.org/presentationml/2006/main">
+  <p:cSld>
+    <p:spTree>
+      <p:nvGrpSpPr>
+        <p:cNvPr id="1" name=""/>
+        <p:cNvGrpSpPr/>
+        <p:nvPr/>
+      </p:nvGrpSpPr>
+      <p:grpSpPr>
+        <a:xfrm>
+          <a:off x="0" y="0"/>
+          <a:ext cx="0" cy="0"/>
+          <a:chOff x="0" y="0"/>
+          <a:chExt cx="0" cy="0"/>
+        </a:xfrm>
+      </p:grpSpPr>
+      <p:sp>
+        <p:nvSpPr>
+          <p:cNvPr id="2" name="Title 1">
+            <a:extLst>
+              <a:ext uri="{FF2B5EF4-FFF2-40B4-BE49-F238E27FC236}">
+                <a16:creationId xmlns:a16="http://schemas.microsoft.com/office/drawing/2014/main" id="{FF6A6CB2-D1B6-B94A-84C1-83C65423C650}"/>
+              </a:ext>
+            </a:extLst>
+          </p:cNvPr>
+          <p:cNvSpPr>
+            <a:spLocks noGrp="1"/>
+          </p:cNvSpPr>
+          <p:nvPr>
+            <p:ph type="title"/>
+          </p:nvPr>
+        </p:nvSpPr>
+        <p:spPr>
+          <a:xfrm>
+            <a:off x="831851" y="1709742"/>
+            <a:ext cx="10515600" cy="2852737"/>
+          </a:xfrm>
+          <a:prstGeom prst="rect">
+            <a:avLst/>
+          </a:prstGeom>
+        </p:spPr>
+        <p:txBody>
+          <a:bodyPr/>
+          <a:lstStyle/>
+          <a:p>
+            <a:pPr lvl="0" indent="0" marL="0">
+              <a:buNone/>
+            </a:pPr>
+            <a:r>
+              <a:rPr/>
+              <a:t>Lab 2 is about Literature Search and Management</a:t>
+            </a:r>
+          </a:p>
+        </p:txBody>
+      </p:sp>
+    </p:spTree>
+  </p:cSld>
+</p:sld>
+</file>
+
+<file path=ppt/slides/slide35.xml><?xml version="1.0" encoding="utf-8"?>
+<p:sld xmlns:a="http://schemas.openxmlformats.org/drawingml/2006/main" xmlns:r="http://schemas.openxmlformats.org/officeDocument/2006/relationships" xmlns:p="http://schemas.openxmlformats.org/presentationml/2006/main">
+  <p:cSld>
+    <p:spTree>
+      <p:nvGrpSpPr>
+        <p:cNvPr id="1" name=""/>
+        <p:cNvGrpSpPr/>
+        <p:nvPr/>
+      </p:nvGrpSpPr>
+      <p:grpSpPr>
+        <a:xfrm>
+          <a:off x="0" y="0"/>
+          <a:ext cx="0" cy="0"/>
+          <a:chOff x="0" y="0"/>
+          <a:chExt cx="0" cy="0"/>
+        </a:xfrm>
+      </p:grpSpPr>
+      <p:sp>
+        <p:nvSpPr>
+          <p:cNvPr id="2" name="Title 1">
+            <a:extLst>
+              <a:ext uri="{FF2B5EF4-FFF2-40B4-BE49-F238E27FC236}">
+                <a16:creationId xmlns:a16="http://schemas.microsoft.com/office/drawing/2014/main" id="{FF6A6CB2-D1B6-B94A-84C1-83C65423C650}"/>
+              </a:ext>
+            </a:extLst>
+          </p:cNvPr>
+          <p:cNvSpPr>
+            <a:spLocks noGrp="1"/>
+          </p:cNvSpPr>
+          <p:nvPr>
+            <p:ph type="title"/>
+          </p:nvPr>
+        </p:nvSpPr>
+        <p:spPr>
+          <a:xfrm>
+            <a:off x="831851" y="1709742"/>
+            <a:ext cx="10515600" cy="2852737"/>
+          </a:xfrm>
+          <a:prstGeom prst="rect">
+            <a:avLst/>
+          </a:prstGeom>
+        </p:spPr>
+        <p:txBody>
+          <a:bodyPr/>
+          <a:lstStyle/>
+          <a:p>
+            <a:pPr lvl="0" indent="0" marL="0">
+              <a:buNone/>
+            </a:pPr>
+            <a:r>
+              <a:rPr/>
+              <a:t>Effect Sizes</a:t>
+            </a:r>
+          </a:p>
+        </p:txBody>
+      </p:sp>
+    </p:spTree>
+  </p:cSld>
+</p:sld>
+</file>
+
+<file path=ppt/slides/slide36.xml><?xml version="1.0" encoding="utf-8"?>
+<p:sld xmlns:a="http://schemas.openxmlformats.org/drawingml/2006/main" xmlns:r="http://schemas.openxmlformats.org/officeDocument/2006/relationships" xmlns:p="http://schemas.openxmlformats.org/presentationml/2006/main">
+  <p:cSld>
+    <p:spTree>
+      <p:nvGrpSpPr>
+        <p:cNvPr id="1" name=""/>
+        <p:cNvGrpSpPr/>
+        <p:nvPr/>
+      </p:nvGrpSpPr>
+      <p:grpSpPr>
+        <a:xfrm>
+          <a:off x="0" y="0"/>
+          <a:ext cx="0" cy="0"/>
+          <a:chOff x="0" y="0"/>
+          <a:chExt cx="0" cy="0"/>
+        </a:xfrm>
+      </p:grpSpPr>
+      <p:sp>
+        <p:nvSpPr>
+          <p:cNvPr id="2" name="Title 1">
+            <a:extLst>
+              <a:ext uri="{FF2B5EF4-FFF2-40B4-BE49-F238E27FC236}">
+                <a16:creationId xmlns:a16="http://schemas.microsoft.com/office/drawing/2014/main" id="{DD9B8E45-0772-954C-8D4B-6E6808DFEDED}"/>
+              </a:ext>
+            </a:extLst>
+          </p:cNvPr>
+          <p:cNvSpPr>
+            <a:spLocks noGrp="1"/>
+          </p:cNvSpPr>
+          <p:nvPr>
+            <p:ph type="title"/>
+          </p:nvPr>
+        </p:nvSpPr>
+        <p:spPr>
+          <a:xfrm>
+            <a:off x="838200" y="365129"/>
+            <a:ext cx="10002520" cy="1325563"/>
+          </a:xfrm>
+          <a:prstGeom prst="rect">
+            <a:avLst/>
+          </a:prstGeom>
+        </p:spPr>
+        <p:txBody>
+          <a:bodyPr/>
+          <a:lstStyle/>
+          <a:p>
+            <a:pPr lvl="0" indent="0" marL="0">
+              <a:buNone/>
+            </a:pPr>
+            <a:r>
+              <a:rPr/>
+              <a:t>A measure of the Effect (MOTE)</a:t>
+            </a:r>
+          </a:p>
+        </p:txBody>
+      </p:sp>
+      <p:sp>
+        <p:nvSpPr>
+          <p:cNvPr id="3" name="Content Placeholder 2">
+            <a:extLst>
+              <a:ext uri="{FF2B5EF4-FFF2-40B4-BE49-F238E27FC236}">
+                <a16:creationId xmlns:a16="http://schemas.microsoft.com/office/drawing/2014/main" id="{A4EB24F9-04F1-C843-9D71-56C5C024552B}"/>
+              </a:ext>
+            </a:extLst>
+          </p:cNvPr>
+          <p:cNvSpPr>
+            <a:spLocks noGrp="1"/>
+          </p:cNvSpPr>
+          <p:nvPr>
+            <p:ph idx="1"/>
+          </p:nvPr>
+        </p:nvSpPr>
+        <p:spPr/>
+        <p:txBody>
+          <a:bodyPr/>
+          <a:lstStyle/>
+          <a:p>
+            <a:pPr lvl="0" indent="0" marL="0">
+              <a:buNone/>
+            </a:pPr>
+            <a:r>
+              <a:rPr/>
+              <a:t>Effect sizes represent the magnitude of a relationship between variables, for example between a Manipulation and the Dependent Variable.</a:t>
+            </a:r>
+          </a:p>
+          <a:p>
+            <a:pPr lvl="0" indent="0" marL="0">
+              <a:buNone/>
+            </a:pPr>
+            <a:r>
+              <a:rPr/>
+              <a:t>It’s like the ‘strength’ of your pill, or intervention, or manipulation.</a:t>
+            </a:r>
+          </a:p>
+          <a:p>
+            <a:pPr lvl="0" indent="0" marL="0">
+              <a:buNone/>
+            </a:pPr>
+            <a:r>
+              <a:rPr/>
+              <a:t>Do not run an experiment that is designed to fail - you must believe a manipulation will have an ‘Effect’</a:t>
+            </a:r>
+          </a:p>
+          <a:p>
+            <a:pPr lvl="0" indent="0" marL="0">
+              <a:buNone/>
+            </a:pPr>
+            <a:r>
+              <a:rPr/>
+              <a:t>If the manipulation works, then there will be an Effect</a:t>
+            </a:r>
+          </a:p>
+          <a:p>
+            <a:pPr lvl="0" indent="0" marL="0">
+              <a:buNone/>
+            </a:pPr>
+            <a:r>
+              <a:rPr/>
+              <a:t>The Effect Size is just how big that visible effect was.</a:t>
+            </a:r>
+          </a:p>
+        </p:txBody>
+      </p:sp>
+    </p:spTree>
+  </p:cSld>
+</p:sld>
+</file>
+
+<file path=ppt/slides/slide37.xml><?xml version="1.0" encoding="utf-8"?>
+<p:sld xmlns:a="http://schemas.openxmlformats.org/drawingml/2006/main" xmlns:r="http://schemas.openxmlformats.org/officeDocument/2006/relationships" xmlns:p="http://schemas.openxmlformats.org/presentationml/2006/main">
+  <p:cSld>
+    <p:spTree>
+      <p:nvGrpSpPr>
+        <p:cNvPr id="1" name=""/>
+        <p:cNvGrpSpPr/>
+        <p:nvPr/>
+      </p:nvGrpSpPr>
+      <p:grpSpPr>
+        <a:xfrm>
+          <a:off x="0" y="0"/>
+          <a:ext cx="0" cy="0"/>
+          <a:chOff x="0" y="0"/>
+          <a:chExt cx="0" cy="0"/>
+        </a:xfrm>
+      </p:grpSpPr>
+      <p:sp>
+        <p:nvSpPr>
+          <p:cNvPr id="2" name="Title 1">
+            <a:extLst>
+              <a:ext uri="{FF2B5EF4-FFF2-40B4-BE49-F238E27FC236}">
+                <a16:creationId xmlns:a16="http://schemas.microsoft.com/office/drawing/2014/main" id="{DD9B8E45-0772-954C-8D4B-6E6808DFEDED}"/>
+              </a:ext>
+            </a:extLst>
+          </p:cNvPr>
+          <p:cNvSpPr>
+            <a:spLocks noGrp="1"/>
+          </p:cNvSpPr>
+          <p:nvPr>
+            <p:ph type="title"/>
+          </p:nvPr>
+        </p:nvSpPr>
+        <p:spPr>
+          <a:xfrm>
+            <a:off x="838200" y="365129"/>
+            <a:ext cx="10002520" cy="1325563"/>
+          </a:xfrm>
+          <a:prstGeom prst="rect">
+            <a:avLst/>
+          </a:prstGeom>
+        </p:spPr>
+        <p:txBody>
+          <a:bodyPr/>
+          <a:lstStyle/>
+          <a:p>
+            <a:pPr lvl="0" indent="0" marL="0">
+              <a:buNone/>
+            </a:pPr>
+            <a:r>
+              <a:rPr/>
+              <a:t>Let’s imagine the simplest example possible</a:t>
+            </a:r>
+          </a:p>
+        </p:txBody>
+      </p:sp>
+      <p:sp>
+        <p:nvSpPr>
+          <p:cNvPr id="3" name="Content Placeholder 2">
+            <a:extLst>
+              <a:ext uri="{FF2B5EF4-FFF2-40B4-BE49-F238E27FC236}">
+                <a16:creationId xmlns:a16="http://schemas.microsoft.com/office/drawing/2014/main" id="{A4EB24F9-04F1-C843-9D71-56C5C024552B}"/>
+              </a:ext>
+            </a:extLst>
+          </p:cNvPr>
+          <p:cNvSpPr>
+            <a:spLocks noGrp="1"/>
+          </p:cNvSpPr>
+          <p:nvPr>
+            <p:ph idx="1"/>
+          </p:nvPr>
+        </p:nvSpPr>
+        <p:spPr/>
+        <p:txBody>
+          <a:bodyPr/>
+          <a:lstStyle/>
+          <a:p>
+            <a:pPr lvl="0" indent="0" marL="0">
+              <a:buNone/>
+            </a:pPr>
+            <a:r>
+              <a:rPr/>
+              <a:t>An independent t-test. Working Memory Capacity.</a:t>
+            </a:r>
+          </a:p>
+          <a:p>
+            <a:pPr lvl="0" indent="0" marL="0">
+              <a:buNone/>
+            </a:pPr>
+            <a:r>
+              <a:rPr/>
+              <a:t>I have a magic pill to increase working memory capacity.</a:t>
+            </a:r>
+          </a:p>
+          <a:p>
+            <a:pPr lvl="0" indent="0" marL="0">
+              <a:buNone/>
+            </a:pPr>
+            <a:r>
+              <a:rPr/>
+              <a:t>7 ± 2 is the Miller Law. Let’s read this as normal mean working memory capacity for a group of humans is mean 7 units with a standard deviation of 2 units.</a:t>
+            </a:r>
+          </a:p>
+          <a:p>
+            <a:pPr lvl="0" indent="0" marL="0">
+              <a:buNone/>
+            </a:pPr>
+            <a:r>
+              <a:rPr/>
+              <a:t>Let’s say my pill was tried on a group of humans, and when we measured their mean working memory capacity it was 11 units with a standard deviation of 2 units. Wowsers!</a:t>
+            </a:r>
+          </a:p>
+          <a:p>
+            <a:pPr lvl="0" indent="0" marL="0">
+              <a:buNone/>
+            </a:pPr>
+            <a:r>
+              <a:rPr/>
+              <a:t>That’s an effect size of d=2. Simply put, Cohen’s d is always presented in units equivalent to 1 standard deviation. So 11 is 2 SDs higher than 7.</a:t>
+            </a:r>
+          </a:p>
+          <a:p>
+            <a:pPr lvl="0" indent="0" marL="0">
+              <a:buNone/>
+            </a:pPr>
+            <a:r>
+              <a:rPr>
+                <a:hlinkClick r:id="rId2"/>
+              </a:rPr>
+              <a:t>Calculating Effect Sizes (shinyapps.io)</a:t>
             </a:r>
           </a:p>
         </p:txBody>
@@ -10370,7 +8139,7 @@
           <p:cNvPr id="2" name="Title 1">
             <a:extLst>
               <a:ext uri="{FF2B5EF4-FFF2-40B4-BE49-F238E27FC236}">
-                <a16:creationId xmlns:a16="http://schemas.microsoft.com/office/drawing/2014/main" id="{F3186003-B489-CA46-A95C-C1AECC0CA4D3}"/>
+                <a16:creationId xmlns:a16="http://schemas.microsoft.com/office/drawing/2014/main" id="{DD9B8E45-0772-954C-8D4B-6E6808DFEDED}"/>
               </a:ext>
             </a:extLst>
           </p:cNvPr>
@@ -10383,8 +8152,8 @@
         </p:nvSpPr>
         <p:spPr>
           <a:xfrm>
-            <a:off x="839788" y="457200"/>
-            <a:ext cx="3932237" cy="1600200"/>
+            <a:off x="838200" y="365129"/>
+            <a:ext cx="10002520" cy="1325563"/>
           </a:xfrm>
           <a:prstGeom prst="rect">
             <a:avLst/>
@@ -10399,25 +8168,25 @@
             </a:pPr>
             <a:r>
               <a:rPr/>
-              <a:t>So what’s the point?</a:t>
-            </a:r>
-          </a:p>
-        </p:txBody>
-      </p:sp>
-      <p:sp>
-        <p:nvSpPr>
-          <p:cNvPr id="4" name="Text Placeholder 3">
-            <a:extLst>
-              <a:ext uri="{FF2B5EF4-FFF2-40B4-BE49-F238E27FC236}">
-                <a16:creationId xmlns:a16="http://schemas.microsoft.com/office/drawing/2014/main" id="{898BA411-2A54-A94A-B3FC-826281DBEADF}"/>
-              </a:ext>
-            </a:extLst>
-          </p:cNvPr>
-          <p:cNvSpPr>
-            <a:spLocks noGrp="1"/>
-          </p:cNvSpPr>
-          <p:nvPr>
-            <p:ph idx="2" sz="half" type="body"/>
+              <a:t>The week ahead</a:t>
+            </a:r>
+          </a:p>
+        </p:txBody>
+      </p:sp>
+      <p:sp>
+        <p:nvSpPr>
+          <p:cNvPr id="3" name="Content Placeholder 2">
+            <a:extLst>
+              <a:ext uri="{FF2B5EF4-FFF2-40B4-BE49-F238E27FC236}">
+                <a16:creationId xmlns:a16="http://schemas.microsoft.com/office/drawing/2014/main" id="{A4EB24F9-04F1-C843-9D71-56C5C024552B}"/>
+              </a:ext>
+            </a:extLst>
+          </p:cNvPr>
+          <p:cNvSpPr>
+            <a:spLocks noGrp="1"/>
+          </p:cNvSpPr>
+          <p:nvPr>
+            <p:ph idx="1"/>
           </p:nvPr>
         </p:nvSpPr>
         <p:spPr/>
@@ -10429,44 +8198,48 @@
               <a:buNone/>
             </a:pPr>
             <a:r>
-              <a:rPr>
-                <a:hlinkClick r:id="rId2"/>
-              </a:rPr>
-              <a:t>APA Skillful Psychology Student</a:t>
-            </a:r>
-          </a:p>
-        </p:txBody>
-      </p:sp>
-      <p:pic>
-        <p:nvPicPr>
-          <p:cNvPr descr="images/paste-51D3847E.png" id="0" name="Picture 1"/>
-          <p:cNvPicPr>
-            <a:picLocks noGrp="1" noChangeAspect="1"/>
-          </p:cNvPicPr>
-          <p:nvPr/>
-        </p:nvPicPr>
-        <p:blipFill>
-          <a:blip r:embed="rId3"/>
-          <a:stretch>
-            <a:fillRect/>
-          </a:stretch>
-        </p:blipFill>
-        <p:spPr bwMode="auto">
-          <a:xfrm>
-            <a:off x="6400800" y="977900"/>
-            <a:ext cx="3733800" cy="4864100"/>
-          </a:xfrm>
-          <a:prstGeom prst="rect">
-            <a:avLst/>
-          </a:prstGeom>
-          <a:noFill/>
-          <a:ln w="9525">
-            <a:noFill/>
-            <a:headEnd/>
-            <a:tailEnd/>
-          </a:ln>
-        </p:spPr>
-      </p:pic>
+              <a:rPr/>
+              <a:t>This week (week 2) you have your Personality Essay Tutorial</a:t>
+            </a:r>
+          </a:p>
+          <a:p>
+            <a:pPr lvl="0" indent="0" marL="0">
+              <a:buNone/>
+            </a:pPr>
+            <a:r>
+              <a:rPr/>
+              <a:t>“Insert info”</a:t>
+            </a:r>
+          </a:p>
+          <a:p>
+            <a:pPr lvl="0" indent="0" marL="1270000">
+              <a:buNone/>
+            </a:pPr>
+            <a:r>
+              <a:rPr sz="2000"/>
+              <a:t>title</a:t>
+            </a:r>
+          </a:p>
+          <a:p>
+            <a:pPr lvl="0" indent="0" marL="1270000">
+              <a:buNone/>
+            </a:pPr>
+            <a:r>
+              <a:rPr sz="2000"/>
+              <a:t>Deadline 10am Friday x</a:t>
+            </a:r>
+          </a:p>
+          <a:p>
+            <a:pPr lvl="0" indent="0" marL="1270000">
+              <a:buNone/>
+            </a:pPr>
+            <a:r>
+              <a:rPr sz="2000"/>
+              <a:t>Feedback on/by x</a:t>
+            </a:r>
+          </a:p>
+        </p:txBody>
+      </p:sp>
     </p:spTree>
   </p:cSld>
 </p:sld>
@@ -10491,83 +8264,83 @@
       </p:grpSpPr>
       <p:sp>
         <p:nvSpPr>
-          <p:cNvPr id="4" name="Text Placeholder 3">
-            <a:extLst>
-              <a:ext uri="{FF2B5EF4-FFF2-40B4-BE49-F238E27FC236}">
-                <a16:creationId xmlns:a16="http://schemas.microsoft.com/office/drawing/2014/main" id="{898BA411-2A54-A94A-B3FC-826281DBEADF}"/>
-              </a:ext>
-            </a:extLst>
-          </p:cNvPr>
-          <p:cNvSpPr>
-            <a:spLocks noGrp="1"/>
-          </p:cNvSpPr>
-          <p:nvPr>
-            <p:ph idx="2" sz="half" type="body"/>
-          </p:nvPr>
-        </p:nvSpPr>
-        <p:spPr/>
-        <p:txBody>
-          <a:bodyPr/>
-          <a:lstStyle/>
-          <a:p>
-            <a:pPr lvl="0" indent="0" marL="0">
-              <a:buNone/>
-            </a:pPr>
-            <a:r>
-              <a:rPr/>
-              <a:t>Naufel, K. Z., Appleby, D. C., Young, J., Van Kirk, J. F., Spencer, S. M., Rudmann, J., …Richmond, A. S. (2018).The skillful psychology student: Prepared for success in the 21st century workplace. Retrieved from: </a:t>
-            </a:r>
-            <a:r>
-              <a:rPr>
-                <a:hlinkClick r:id="rId2"/>
-              </a:rPr>
-              <a:t>https://www.apa.org/careers/resources/guides/transferable-skills.pdf</a:t>
-            </a:r>
-          </a:p>
-          <a:p>
-            <a:pPr lvl="0" indent="0" marL="0">
-              <a:spcBef>
-                <a:spcPts val="3000"/>
-              </a:spcBef>
-              <a:buNone/>
-            </a:pPr>
-            <a:r>
-              <a:rPr b="1"/>
-              <a:t>Cognitive Skills</a:t>
-            </a:r>
-          </a:p>
-        </p:txBody>
-      </p:sp>
-      <p:pic>
-        <p:nvPicPr>
-          <p:cNvPr descr="images/paste-B0779020.png" id="0" name="Picture 1"/>
-          <p:cNvPicPr>
-            <a:picLocks noGrp="1" noChangeAspect="1"/>
-          </p:cNvPicPr>
-          <p:nvPr/>
-        </p:nvPicPr>
-        <p:blipFill>
-          <a:blip r:embed="rId3"/>
-          <a:stretch>
-            <a:fillRect/>
-          </a:stretch>
-        </p:blipFill>
-        <p:spPr bwMode="auto">
-          <a:xfrm>
-            <a:off x="5181600" y="2578100"/>
-            <a:ext cx="6172200" cy="1651000"/>
+          <p:cNvPr id="2" name="Title 1">
+            <a:extLst>
+              <a:ext uri="{FF2B5EF4-FFF2-40B4-BE49-F238E27FC236}">
+                <a16:creationId xmlns:a16="http://schemas.microsoft.com/office/drawing/2014/main" id="{DD9B8E45-0772-954C-8D4B-6E6808DFEDED}"/>
+              </a:ext>
+            </a:extLst>
+          </p:cNvPr>
+          <p:cNvSpPr>
+            <a:spLocks noGrp="1"/>
+          </p:cNvSpPr>
+          <p:nvPr>
+            <p:ph type="title"/>
+          </p:nvPr>
+        </p:nvSpPr>
+        <p:spPr>
+          <a:xfrm>
+            <a:off x="838200" y="365129"/>
+            <a:ext cx="10002520" cy="1325563"/>
           </a:xfrm>
           <a:prstGeom prst="rect">
             <a:avLst/>
           </a:prstGeom>
-          <a:noFill/>
-          <a:ln w="9525">
-            <a:noFill/>
-            <a:headEnd/>
-            <a:tailEnd/>
-          </a:ln>
-        </p:spPr>
-      </p:pic>
+        </p:spPr>
+        <p:txBody>
+          <a:bodyPr/>
+          <a:lstStyle/>
+          <a:p>
+            <a:pPr lvl="0" indent="0" marL="0">
+              <a:buNone/>
+            </a:pPr>
+            <a:r>
+              <a:rPr/>
+              <a:t>Perennial CHIP topics</a:t>
+            </a:r>
+          </a:p>
+        </p:txBody>
+      </p:sp>
+      <p:sp>
+        <p:nvSpPr>
+          <p:cNvPr id="3" name="Content Placeholder 2">
+            <a:extLst>
+              <a:ext uri="{FF2B5EF4-FFF2-40B4-BE49-F238E27FC236}">
+                <a16:creationId xmlns:a16="http://schemas.microsoft.com/office/drawing/2014/main" id="{A4EB24F9-04F1-C843-9D71-56C5C024552B}"/>
+              </a:ext>
+            </a:extLst>
+          </p:cNvPr>
+          <p:cNvSpPr>
+            <a:spLocks noGrp="1"/>
+          </p:cNvSpPr>
+          <p:nvPr>
+            <p:ph idx="1"/>
+          </p:nvPr>
+        </p:nvSpPr>
+        <p:spPr/>
+        <p:txBody>
+          <a:bodyPr/>
+          <a:lstStyle/>
+          <a:p>
+            <a:pPr lvl="0" indent="0" marL="0">
+              <a:buNone/>
+            </a:pPr>
+            <a:r>
+              <a:rPr/>
+              <a:t>I want to briefly draw your attention to the third (final) piece of coursework for this module, the so-called ‘CHIP Learning Log’</a:t>
+            </a:r>
+          </a:p>
+          <a:p>
+            <a:pPr lvl="0" indent="0" marL="0">
+              <a:buNone/>
+            </a:pPr>
+            <a:r>
+              <a:rPr/>
+              <a:t>The earlier we flag topics and introduce little glimmers of content, the easier that will be.</a:t>
+            </a:r>
+          </a:p>
+        </p:txBody>
+      </p:sp>
     </p:spTree>
   </p:cSld>
 </p:sld>
@@ -10592,68 +8365,43 @@
       </p:grpSpPr>
       <p:sp>
         <p:nvSpPr>
-          <p:cNvPr id="4" name="Text Placeholder 3">
-            <a:extLst>
-              <a:ext uri="{FF2B5EF4-FFF2-40B4-BE49-F238E27FC236}">
-                <a16:creationId xmlns:a16="http://schemas.microsoft.com/office/drawing/2014/main" id="{898BA411-2A54-A94A-B3FC-826281DBEADF}"/>
-              </a:ext>
-            </a:extLst>
-          </p:cNvPr>
-          <p:cNvSpPr>
-            <a:spLocks noGrp="1"/>
-          </p:cNvSpPr>
-          <p:nvPr>
-            <p:ph idx="2" sz="half" type="body"/>
-          </p:nvPr>
-        </p:nvSpPr>
-        <p:spPr/>
-        <p:txBody>
-          <a:bodyPr/>
-          <a:lstStyle/>
-          <a:p>
-            <a:pPr lvl="0" indent="0" marL="0">
-              <a:spcBef>
-                <a:spcPts val="3000"/>
-              </a:spcBef>
-              <a:buNone/>
-            </a:pPr>
-            <a:r>
-              <a:rPr b="1"/>
-              <a:t>Communication Skills</a:t>
-            </a:r>
-          </a:p>
-        </p:txBody>
-      </p:sp>
-      <p:pic>
-        <p:nvPicPr>
-          <p:cNvPr descr="images/paste-B710C4C4.png" id="0" name="Picture 1"/>
-          <p:cNvPicPr>
-            <a:picLocks noGrp="1" noChangeAspect="1"/>
-          </p:cNvPicPr>
-          <p:nvPr/>
-        </p:nvPicPr>
-        <p:blipFill>
-          <a:blip r:embed="rId2"/>
-          <a:stretch>
-            <a:fillRect/>
-          </a:stretch>
-        </p:blipFill>
-        <p:spPr bwMode="auto">
-          <a:xfrm>
-            <a:off x="5181600" y="2870200"/>
-            <a:ext cx="6172200" cy="1066800"/>
+          <p:cNvPr id="2" name="Title 1">
+            <a:extLst>
+              <a:ext uri="{FF2B5EF4-FFF2-40B4-BE49-F238E27FC236}">
+                <a16:creationId xmlns:a16="http://schemas.microsoft.com/office/drawing/2014/main" id="{FF6A6CB2-D1B6-B94A-84C1-83C65423C650}"/>
+              </a:ext>
+            </a:extLst>
+          </p:cNvPr>
+          <p:cNvSpPr>
+            <a:spLocks noGrp="1"/>
+          </p:cNvSpPr>
+          <p:nvPr>
+            <p:ph type="title"/>
+          </p:nvPr>
+        </p:nvSpPr>
+        <p:spPr>
+          <a:xfrm>
+            <a:off x="831851" y="1709742"/>
+            <a:ext cx="10515600" cy="2852737"/>
           </a:xfrm>
           <a:prstGeom prst="rect">
             <a:avLst/>
           </a:prstGeom>
-          <a:noFill/>
-          <a:ln w="9525">
-            <a:noFill/>
-            <a:headEnd/>
-            <a:tailEnd/>
-          </a:ln>
-        </p:spPr>
-      </p:pic>
+        </p:spPr>
+        <p:txBody>
+          <a:bodyPr/>
+          <a:lstStyle/>
+          <a:p>
+            <a:pPr lvl="0" indent="0" marL="0">
+              <a:buNone/>
+            </a:pPr>
+            <a:r>
+              <a:rPr/>
+              <a:t>1 - What is Science?</a:t>
+            </a:r>
+          </a:p>
+        </p:txBody>
+      </p:sp>
     </p:spTree>
   </p:cSld>
 </p:sld>
@@ -10678,68 +8426,109 @@
       </p:grpSpPr>
       <p:sp>
         <p:nvSpPr>
-          <p:cNvPr id="4" name="Text Placeholder 3">
-            <a:extLst>
-              <a:ext uri="{FF2B5EF4-FFF2-40B4-BE49-F238E27FC236}">
-                <a16:creationId xmlns:a16="http://schemas.microsoft.com/office/drawing/2014/main" id="{898BA411-2A54-A94A-B3FC-826281DBEADF}"/>
-              </a:ext>
-            </a:extLst>
-          </p:cNvPr>
-          <p:cNvSpPr>
-            <a:spLocks noGrp="1"/>
-          </p:cNvSpPr>
-          <p:nvPr>
-            <p:ph idx="2" sz="half" type="body"/>
-          </p:nvPr>
-        </p:nvSpPr>
-        <p:spPr/>
-        <p:txBody>
-          <a:bodyPr/>
-          <a:lstStyle/>
-          <a:p>
-            <a:pPr lvl="0" indent="0" marL="0">
-              <a:spcBef>
-                <a:spcPts val="3000"/>
-              </a:spcBef>
-              <a:buNone/>
-            </a:pPr>
-            <a:r>
-              <a:rPr b="1"/>
-              <a:t>Personal Skills</a:t>
-            </a:r>
-          </a:p>
-        </p:txBody>
-      </p:sp>
-      <p:pic>
-        <p:nvPicPr>
-          <p:cNvPr descr="images/paste-839343D0.png" id="0" name="Picture 1"/>
-          <p:cNvPicPr>
-            <a:picLocks noGrp="1" noChangeAspect="1"/>
-          </p:cNvPicPr>
-          <p:nvPr/>
-        </p:nvPicPr>
-        <p:blipFill>
-          <a:blip r:embed="rId2"/>
-          <a:stretch>
-            <a:fillRect/>
-          </a:stretch>
-        </p:blipFill>
-        <p:spPr bwMode="auto">
-          <a:xfrm>
-            <a:off x="5181600" y="2794000"/>
-            <a:ext cx="6172200" cy="1231900"/>
+          <p:cNvPr id="2" name="Title 1">
+            <a:extLst>
+              <a:ext uri="{FF2B5EF4-FFF2-40B4-BE49-F238E27FC236}">
+                <a16:creationId xmlns:a16="http://schemas.microsoft.com/office/drawing/2014/main" id="{DD9B8E45-0772-954C-8D4B-6E6808DFEDED}"/>
+              </a:ext>
+            </a:extLst>
+          </p:cNvPr>
+          <p:cNvSpPr>
+            <a:spLocks noGrp="1"/>
+          </p:cNvSpPr>
+          <p:nvPr>
+            <p:ph type="title"/>
+          </p:nvPr>
+        </p:nvSpPr>
+        <p:spPr>
+          <a:xfrm>
+            <a:off x="838200" y="365129"/>
+            <a:ext cx="10002520" cy="1325563"/>
           </a:xfrm>
           <a:prstGeom prst="rect">
             <a:avLst/>
           </a:prstGeom>
-          <a:noFill/>
-          <a:ln w="9525">
-            <a:noFill/>
-            <a:headEnd/>
-            <a:tailEnd/>
-          </a:ln>
-        </p:spPr>
-      </p:pic>
+        </p:spPr>
+        <p:txBody>
+          <a:bodyPr/>
+          <a:lstStyle/>
+          <a:p>
+            <a:pPr lvl="0" indent="0" marL="0">
+              <a:buNone/>
+            </a:pPr>
+            <a:r>
+              <a:rPr/>
+              <a:t>An amazing opportunity to consider this critical question </a:t>
+            </a:r>
+            <a:r>
+              <a:rPr u="sng"/>
+              <a:t>while</a:t>
+            </a:r>
+            <a:r>
+              <a:rPr/>
+              <a:t> you do your Mini-Dissertation</a:t>
+            </a:r>
+          </a:p>
+        </p:txBody>
+      </p:sp>
+      <p:sp>
+        <p:nvSpPr>
+          <p:cNvPr id="3" name="Content Placeholder 2">
+            <a:extLst>
+              <a:ext uri="{FF2B5EF4-FFF2-40B4-BE49-F238E27FC236}">
+                <a16:creationId xmlns:a16="http://schemas.microsoft.com/office/drawing/2014/main" id="{A4EB24F9-04F1-C843-9D71-56C5C024552B}"/>
+              </a:ext>
+            </a:extLst>
+          </p:cNvPr>
+          <p:cNvSpPr>
+            <a:spLocks noGrp="1"/>
+          </p:cNvSpPr>
+          <p:nvPr>
+            <p:ph idx="1"/>
+          </p:nvPr>
+        </p:nvSpPr>
+        <p:spPr/>
+        <p:txBody>
+          <a:bodyPr/>
+          <a:lstStyle/>
+          <a:p>
+            <a:pPr lvl="0" indent="0" marL="0">
+              <a:buNone/>
+            </a:pPr>
+            <a:r>
+              <a:rPr/>
+              <a:t>Here is a thought-provoking initial overview - </a:t>
+            </a:r>
+            <a:r>
+              <a:rPr b="1" u="sng"/>
+              <a:t>Open Educational Resource</a:t>
+            </a:r>
+          </a:p>
+          <a:p>
+            <a:pPr lvl="0" indent="0" marL="0">
+              <a:buNone/>
+            </a:pPr>
+            <a:r>
+              <a:rPr/>
+              <a:t>Diener, E. (2022). Why science?. In R. Biswas-Diener &amp; E. Diener (Eds), </a:t>
+            </a:r>
+            <a:r>
+              <a:rPr i="1"/>
+              <a:t>Noba textbook series: Psychology.</a:t>
+            </a:r>
+            <a:r>
+              <a:rPr/>
+              <a:t> Champaign, IL: DEF publishers. </a:t>
+            </a:r>
+            <a:r>
+              <a:rPr>
+                <a:hlinkClick r:id="rId2"/>
+              </a:rPr>
+              <a:t>http://noba.to/qu4abpzy</a:t>
+            </a:r>
+          </a:p>
+        </p:txBody>
+      </p:sp>
     </p:spTree>
   </p:cSld>
 </p:sld>
@@ -10764,68 +8553,43 @@
       </p:grpSpPr>
       <p:sp>
         <p:nvSpPr>
-          <p:cNvPr id="4" name="Text Placeholder 3">
-            <a:extLst>
-              <a:ext uri="{FF2B5EF4-FFF2-40B4-BE49-F238E27FC236}">
-                <a16:creationId xmlns:a16="http://schemas.microsoft.com/office/drawing/2014/main" id="{898BA411-2A54-A94A-B3FC-826281DBEADF}"/>
-              </a:ext>
-            </a:extLst>
-          </p:cNvPr>
-          <p:cNvSpPr>
-            <a:spLocks noGrp="1"/>
-          </p:cNvSpPr>
-          <p:nvPr>
-            <p:ph idx="2" sz="half" type="body"/>
-          </p:nvPr>
-        </p:nvSpPr>
-        <p:spPr/>
-        <p:txBody>
-          <a:bodyPr/>
-          <a:lstStyle/>
-          <a:p>
-            <a:pPr lvl="0" indent="0" marL="0">
-              <a:spcBef>
-                <a:spcPts val="3000"/>
-              </a:spcBef>
-              <a:buNone/>
-            </a:pPr>
-            <a:r>
-              <a:rPr b="1"/>
-              <a:t>Social Skills</a:t>
-            </a:r>
-          </a:p>
-        </p:txBody>
-      </p:sp>
-      <p:pic>
-        <p:nvPicPr>
-          <p:cNvPr descr="images/paste-245BC02C.png" id="0" name="Picture 1"/>
-          <p:cNvPicPr>
-            <a:picLocks noGrp="1" noChangeAspect="1"/>
-          </p:cNvPicPr>
-          <p:nvPr/>
-        </p:nvPicPr>
-        <p:blipFill>
-          <a:blip r:embed="rId2"/>
-          <a:stretch>
-            <a:fillRect/>
-          </a:stretch>
-        </p:blipFill>
-        <p:spPr bwMode="auto">
-          <a:xfrm>
-            <a:off x="5181600" y="2451100"/>
-            <a:ext cx="6172200" cy="1905000"/>
+          <p:cNvPr id="2" name="Title 1">
+            <a:extLst>
+              <a:ext uri="{FF2B5EF4-FFF2-40B4-BE49-F238E27FC236}">
+                <a16:creationId xmlns:a16="http://schemas.microsoft.com/office/drawing/2014/main" id="{FF6A6CB2-D1B6-B94A-84C1-83C65423C650}"/>
+              </a:ext>
+            </a:extLst>
+          </p:cNvPr>
+          <p:cNvSpPr>
+            <a:spLocks noGrp="1"/>
+          </p:cNvSpPr>
+          <p:nvPr>
+            <p:ph type="title"/>
+          </p:nvPr>
+        </p:nvSpPr>
+        <p:spPr>
+          <a:xfrm>
+            <a:off x="831851" y="1709742"/>
+            <a:ext cx="10515600" cy="2852737"/>
           </a:xfrm>
           <a:prstGeom prst="rect">
             <a:avLst/>
           </a:prstGeom>
-          <a:noFill/>
-          <a:ln w="9525">
-            <a:noFill/>
-            <a:headEnd/>
-            <a:tailEnd/>
-          </a:ln>
-        </p:spPr>
-      </p:pic>
+        </p:spPr>
+        <p:txBody>
+          <a:bodyPr/>
+          <a:lstStyle/>
+          <a:p>
+            <a:pPr lvl="0" indent="0" marL="0">
+              <a:buNone/>
+            </a:pPr>
+            <a:r>
+              <a:rPr/>
+              <a:t>2 - Artificial Intelligence - Promise or Peril?</a:t>
+            </a:r>
+          </a:p>
+        </p:txBody>
+      </p:sp>
     </p:spTree>
   </p:cSld>
 </p:sld>
@@ -10850,68 +8614,74 @@
       </p:grpSpPr>
       <p:sp>
         <p:nvSpPr>
-          <p:cNvPr id="4" name="Text Placeholder 3">
-            <a:extLst>
-              <a:ext uri="{FF2B5EF4-FFF2-40B4-BE49-F238E27FC236}">
-                <a16:creationId xmlns:a16="http://schemas.microsoft.com/office/drawing/2014/main" id="{898BA411-2A54-A94A-B3FC-826281DBEADF}"/>
-              </a:ext>
-            </a:extLst>
-          </p:cNvPr>
-          <p:cNvSpPr>
-            <a:spLocks noGrp="1"/>
-          </p:cNvSpPr>
-          <p:nvPr>
-            <p:ph idx="2" sz="half" type="body"/>
-          </p:nvPr>
-        </p:nvSpPr>
-        <p:spPr/>
-        <p:txBody>
-          <a:bodyPr/>
-          <a:lstStyle/>
-          <a:p>
-            <a:pPr lvl="0" indent="0" marL="0">
-              <a:spcBef>
-                <a:spcPts val="3000"/>
-              </a:spcBef>
-              <a:buNone/>
-            </a:pPr>
-            <a:r>
-              <a:rPr b="1"/>
-              <a:t>Technological Skills</a:t>
-            </a:r>
-          </a:p>
-        </p:txBody>
-      </p:sp>
-      <p:pic>
-        <p:nvPicPr>
-          <p:cNvPr descr="images/paste-2BE97958.png" id="0" name="Picture 1"/>
-          <p:cNvPicPr>
-            <a:picLocks noGrp="1" noChangeAspect="1"/>
-          </p:cNvPicPr>
-          <p:nvPr/>
-        </p:nvPicPr>
-        <p:blipFill>
-          <a:blip r:embed="rId2"/>
-          <a:stretch>
-            <a:fillRect/>
-          </a:stretch>
-        </p:blipFill>
-        <p:spPr bwMode="auto">
-          <a:xfrm>
-            <a:off x="5181600" y="2882900"/>
-            <a:ext cx="6172200" cy="1054100"/>
+          <p:cNvPr id="2" name="Title 1">
+            <a:extLst>
+              <a:ext uri="{FF2B5EF4-FFF2-40B4-BE49-F238E27FC236}">
+                <a16:creationId xmlns:a16="http://schemas.microsoft.com/office/drawing/2014/main" id="{DD9B8E45-0772-954C-8D4B-6E6808DFEDED}"/>
+              </a:ext>
+            </a:extLst>
+          </p:cNvPr>
+          <p:cNvSpPr>
+            <a:spLocks noGrp="1"/>
+          </p:cNvSpPr>
+          <p:nvPr>
+            <p:ph type="title"/>
+          </p:nvPr>
+        </p:nvSpPr>
+        <p:spPr>
+          <a:xfrm>
+            <a:off x="838200" y="365129"/>
+            <a:ext cx="10002520" cy="1325563"/>
           </a:xfrm>
           <a:prstGeom prst="rect">
             <a:avLst/>
           </a:prstGeom>
-          <a:noFill/>
-          <a:ln w="9525">
-            <a:noFill/>
-            <a:headEnd/>
-            <a:tailEnd/>
-          </a:ln>
-        </p:spPr>
-      </p:pic>
+        </p:spPr>
+        <p:txBody>
+          <a:bodyPr/>
+          <a:lstStyle/>
+          <a:p>
+            <a:pPr lvl="0" indent="0" marL="0">
+              <a:buNone/>
+            </a:pPr>
+            <a:r>
+              <a:rPr/>
+              <a:t>Last year, this was a fairly philosophical question</a:t>
+            </a:r>
+          </a:p>
+        </p:txBody>
+      </p:sp>
+      <p:sp>
+        <p:nvSpPr>
+          <p:cNvPr id="3" name="Content Placeholder 2">
+            <a:extLst>
+              <a:ext uri="{FF2B5EF4-FFF2-40B4-BE49-F238E27FC236}">
+                <a16:creationId xmlns:a16="http://schemas.microsoft.com/office/drawing/2014/main" id="{A4EB24F9-04F1-C843-9D71-56C5C024552B}"/>
+              </a:ext>
+            </a:extLst>
+          </p:cNvPr>
+          <p:cNvSpPr>
+            <a:spLocks noGrp="1"/>
+          </p:cNvSpPr>
+          <p:nvPr>
+            <p:ph idx="1"/>
+          </p:nvPr>
+        </p:nvSpPr>
+        <p:spPr/>
+        <p:txBody>
+          <a:bodyPr/>
+          <a:lstStyle/>
+          <a:p>
+            <a:pPr lvl="0" indent="0" marL="0">
+              <a:buNone/>
+            </a:pPr>
+            <a:r>
+              <a:rPr/>
+              <a:t>This year, you are probably using AI on a daily or weekly basis. I don’t need to give you 1980’s movie references to show you how we thought computers were going to take over the world and enslave the human race, we can just look out the window!</a:t>
+            </a:r>
+          </a:p>
+        </p:txBody>
+      </p:sp>
     </p:spTree>
   </p:cSld>
 </p:sld>
